--- a/charts/charts.pptx
+++ b/charts/charts.pptx
@@ -5,29 +5,30 @@
     <p:sldMasterId id="2147483648" r:id="rId1"/>
   </p:sldMasterIdLst>
   <p:notesMasterIdLst>
-    <p:notesMasterId r:id="rId22"/>
+    <p:notesMasterId r:id="rId23"/>
   </p:notesMasterIdLst>
   <p:sldIdLst>
     <p:sldId id="292" r:id="rId2"/>
     <p:sldId id="257" r:id="rId3"/>
-    <p:sldId id="274" r:id="rId4"/>
-    <p:sldId id="275" r:id="rId5"/>
-    <p:sldId id="276" r:id="rId6"/>
-    <p:sldId id="277" r:id="rId7"/>
-    <p:sldId id="278" r:id="rId8"/>
-    <p:sldId id="279" r:id="rId9"/>
-    <p:sldId id="281" r:id="rId10"/>
-    <p:sldId id="282" r:id="rId11"/>
-    <p:sldId id="283" r:id="rId12"/>
-    <p:sldId id="284" r:id="rId13"/>
-    <p:sldId id="287" r:id="rId14"/>
-    <p:sldId id="286" r:id="rId15"/>
-    <p:sldId id="289" r:id="rId16"/>
-    <p:sldId id="291" r:id="rId17"/>
-    <p:sldId id="293" r:id="rId18"/>
-    <p:sldId id="296" r:id="rId19"/>
-    <p:sldId id="294" r:id="rId20"/>
-    <p:sldId id="295" r:id="rId21"/>
+    <p:sldId id="297" r:id="rId4"/>
+    <p:sldId id="274" r:id="rId5"/>
+    <p:sldId id="275" r:id="rId6"/>
+    <p:sldId id="276" r:id="rId7"/>
+    <p:sldId id="277" r:id="rId8"/>
+    <p:sldId id="278" r:id="rId9"/>
+    <p:sldId id="279" r:id="rId10"/>
+    <p:sldId id="281" r:id="rId11"/>
+    <p:sldId id="282" r:id="rId12"/>
+    <p:sldId id="283" r:id="rId13"/>
+    <p:sldId id="284" r:id="rId14"/>
+    <p:sldId id="287" r:id="rId15"/>
+    <p:sldId id="286" r:id="rId16"/>
+    <p:sldId id="289" r:id="rId17"/>
+    <p:sldId id="291" r:id="rId18"/>
+    <p:sldId id="293" r:id="rId19"/>
+    <p:sldId id="296" r:id="rId20"/>
+    <p:sldId id="294" r:id="rId21"/>
+    <p:sldId id="295" r:id="rId22"/>
   </p:sldIdLst>
   <p:sldSz cx="12192000" cy="6858000"/>
   <p:notesSz cx="6858000" cy="9144000"/>
@@ -216,7 +217,7 @@
           <a:p>
             <a:fld id="{511DBF38-111F-4C48-93F4-B65DF8B44846}" type="datetimeFigureOut">
               <a:rPr lang="en-US" smtClean="0"/>
-              <a:t>7/6/20</a:t>
+              <a:t>8/24/20</a:t>
             </a:fld>
             <a:endParaRPr lang="en-US"/>
           </a:p>
@@ -612,7 +613,7 @@
           <a:p>
             <a:fld id="{37B1D8A3-40A5-CC46-B346-36758DE6AE04}" type="datetimeFigureOut">
               <a:rPr lang="en-US" smtClean="0"/>
-              <a:t>7/6/20</a:t>
+              <a:t>8/24/20</a:t>
             </a:fld>
             <a:endParaRPr lang="en-US"/>
           </a:p>
@@ -780,7 +781,7 @@
           <a:p>
             <a:fld id="{37B1D8A3-40A5-CC46-B346-36758DE6AE04}" type="datetimeFigureOut">
               <a:rPr lang="en-US" smtClean="0"/>
-              <a:t>7/6/20</a:t>
+              <a:t>8/24/20</a:t>
             </a:fld>
             <a:endParaRPr lang="en-US"/>
           </a:p>
@@ -958,7 +959,7 @@
           <a:p>
             <a:fld id="{37B1D8A3-40A5-CC46-B346-36758DE6AE04}" type="datetimeFigureOut">
               <a:rPr lang="en-US" smtClean="0"/>
-              <a:t>7/6/20</a:t>
+              <a:t>8/24/20</a:t>
             </a:fld>
             <a:endParaRPr lang="en-US"/>
           </a:p>
@@ -1126,7 +1127,7 @@
           <a:p>
             <a:fld id="{37B1D8A3-40A5-CC46-B346-36758DE6AE04}" type="datetimeFigureOut">
               <a:rPr lang="en-US" smtClean="0"/>
-              <a:t>7/6/20</a:t>
+              <a:t>8/24/20</a:t>
             </a:fld>
             <a:endParaRPr lang="en-US"/>
           </a:p>
@@ -1371,7 +1372,7 @@
           <a:p>
             <a:fld id="{37B1D8A3-40A5-CC46-B346-36758DE6AE04}" type="datetimeFigureOut">
               <a:rPr lang="en-US" smtClean="0"/>
-              <a:t>7/6/20</a:t>
+              <a:t>8/24/20</a:t>
             </a:fld>
             <a:endParaRPr lang="en-US"/>
           </a:p>
@@ -1600,7 +1601,7 @@
           <a:p>
             <a:fld id="{37B1D8A3-40A5-CC46-B346-36758DE6AE04}" type="datetimeFigureOut">
               <a:rPr lang="en-US" smtClean="0"/>
-              <a:t>7/6/20</a:t>
+              <a:t>8/24/20</a:t>
             </a:fld>
             <a:endParaRPr lang="en-US"/>
           </a:p>
@@ -1964,7 +1965,7 @@
           <a:p>
             <a:fld id="{37B1D8A3-40A5-CC46-B346-36758DE6AE04}" type="datetimeFigureOut">
               <a:rPr lang="en-US" smtClean="0"/>
-              <a:t>7/6/20</a:t>
+              <a:t>8/24/20</a:t>
             </a:fld>
             <a:endParaRPr lang="en-US"/>
           </a:p>
@@ -2081,7 +2082,7 @@
           <a:p>
             <a:fld id="{37B1D8A3-40A5-CC46-B346-36758DE6AE04}" type="datetimeFigureOut">
               <a:rPr lang="en-US" smtClean="0"/>
-              <a:t>7/6/20</a:t>
+              <a:t>8/24/20</a:t>
             </a:fld>
             <a:endParaRPr lang="en-US"/>
           </a:p>
@@ -2176,7 +2177,7 @@
           <a:p>
             <a:fld id="{37B1D8A3-40A5-CC46-B346-36758DE6AE04}" type="datetimeFigureOut">
               <a:rPr lang="en-US" smtClean="0"/>
-              <a:t>7/6/20</a:t>
+              <a:t>8/24/20</a:t>
             </a:fld>
             <a:endParaRPr lang="en-US"/>
           </a:p>
@@ -2451,7 +2452,7 @@
           <a:p>
             <a:fld id="{37B1D8A3-40A5-CC46-B346-36758DE6AE04}" type="datetimeFigureOut">
               <a:rPr lang="en-US" smtClean="0"/>
-              <a:t>7/6/20</a:t>
+              <a:t>8/24/20</a:t>
             </a:fld>
             <a:endParaRPr lang="en-US"/>
           </a:p>
@@ -2703,7 +2704,7 @@
           <a:p>
             <a:fld id="{37B1D8A3-40A5-CC46-B346-36758DE6AE04}" type="datetimeFigureOut">
               <a:rPr lang="en-US" smtClean="0"/>
-              <a:t>7/6/20</a:t>
+              <a:t>8/24/20</a:t>
             </a:fld>
             <a:endParaRPr lang="en-US"/>
           </a:p>
@@ -2914,7 +2915,7 @@
           <a:p>
             <a:fld id="{37B1D8A3-40A5-CC46-B346-36758DE6AE04}" type="datetimeFigureOut">
               <a:rPr lang="en-US" smtClean="0"/>
-              <a:t>7/6/20</a:t>
+              <a:t>8/24/20</a:t>
             </a:fld>
             <a:endParaRPr lang="en-US"/>
           </a:p>
@@ -3381,6 +3382,1681 @@
       </p:grpSpPr>
       <p:grpSp>
         <p:nvGrpSpPr>
+          <p:cNvPr id="7" name="Group 6"/>
+          <p:cNvGrpSpPr/>
+          <p:nvPr/>
+        </p:nvGrpSpPr>
+        <p:grpSpPr>
+          <a:xfrm>
+            <a:off x="1875336" y="279824"/>
+            <a:ext cx="7889754" cy="6255909"/>
+            <a:chOff x="1875336" y="279824"/>
+            <a:chExt cx="7889754" cy="6255909"/>
+          </a:xfrm>
+        </p:grpSpPr>
+        <p:sp>
+          <p:nvSpPr>
+            <p:cNvPr id="100" name="Rectangle 99"/>
+            <p:cNvSpPr/>
+            <p:nvPr/>
+          </p:nvSpPr>
+          <p:spPr>
+            <a:xfrm>
+              <a:off x="1875336" y="279824"/>
+              <a:ext cx="447558" cy="369332"/>
+            </a:xfrm>
+            <a:prstGeom prst="rect">
+              <a:avLst/>
+            </a:prstGeom>
+            <a:ln>
+              <a:solidFill>
+                <a:schemeClr val="tx1"/>
+              </a:solidFill>
+            </a:ln>
+          </p:spPr>
+          <p:txBody>
+            <a:bodyPr wrap="none">
+              <a:spAutoFit/>
+            </a:bodyPr>
+            <a:lstStyle/>
+            <a:p>
+              <a:r>
+                <a:rPr lang="en-US" b="1" dirty="0">
+                  <a:effectLst/>
+                  <a:latin typeface="Calibri" charset="0"/>
+                  <a:ea typeface="Calibri" charset="0"/>
+                  <a:cs typeface="Times New Roman" charset="0"/>
+                </a:rPr>
+                <a:t>D7</a:t>
+              </a:r>
+              <a:endParaRPr lang="en-US" dirty="0"/>
+            </a:p>
+          </p:txBody>
+        </p:sp>
+        <p:grpSp>
+          <p:nvGrpSpPr>
+            <p:cNvPr id="91" name="Group 90"/>
+            <p:cNvGrpSpPr/>
+            <p:nvPr/>
+          </p:nvGrpSpPr>
+          <p:grpSpPr>
+            <a:xfrm>
+              <a:off x="4117657" y="1123841"/>
+              <a:ext cx="4340181" cy="4108313"/>
+              <a:chOff x="4117657" y="1123841"/>
+              <a:chExt cx="4340181" cy="4108313"/>
+            </a:xfrm>
+          </p:grpSpPr>
+          <p:cxnSp>
+            <p:nvCxnSpPr>
+              <p:cNvPr id="93" name="Straight Connector 92"/>
+              <p:cNvCxnSpPr>
+                <a:endCxn id="50" idx="1"/>
+              </p:cNvCxnSpPr>
+              <p:nvPr/>
+            </p:nvCxnSpPr>
+            <p:spPr>
+              <a:xfrm flipH="1">
+                <a:off x="4117657" y="1123841"/>
+                <a:ext cx="1910095" cy="1819197"/>
+              </a:xfrm>
+              <a:prstGeom prst="line">
+                <a:avLst/>
+              </a:prstGeom>
+              <a:ln w="25400">
+                <a:solidFill>
+                  <a:srgbClr val="00B0F0"/>
+                </a:solidFill>
+              </a:ln>
+            </p:spPr>
+            <p:style>
+              <a:lnRef idx="1">
+                <a:schemeClr val="accent1"/>
+              </a:lnRef>
+              <a:fillRef idx="0">
+                <a:schemeClr val="accent1"/>
+              </a:fillRef>
+              <a:effectRef idx="0">
+                <a:schemeClr val="accent1"/>
+              </a:effectRef>
+              <a:fontRef idx="minor">
+                <a:schemeClr val="tx1"/>
+              </a:fontRef>
+            </p:style>
+          </p:cxnSp>
+          <p:cxnSp>
+            <p:nvCxnSpPr>
+              <p:cNvPr id="94" name="Straight Connector 93"/>
+              <p:cNvCxnSpPr/>
+              <p:nvPr/>
+            </p:nvCxnSpPr>
+            <p:spPr>
+              <a:xfrm>
+                <a:off x="6027752" y="1123841"/>
+                <a:ext cx="2430086" cy="1734517"/>
+              </a:xfrm>
+              <a:prstGeom prst="line">
+                <a:avLst/>
+              </a:prstGeom>
+              <a:ln w="25400">
+                <a:solidFill>
+                  <a:srgbClr val="00B0F0"/>
+                </a:solidFill>
+              </a:ln>
+            </p:spPr>
+            <p:style>
+              <a:lnRef idx="1">
+                <a:schemeClr val="accent1"/>
+              </a:lnRef>
+              <a:fillRef idx="0">
+                <a:schemeClr val="accent1"/>
+              </a:fillRef>
+              <a:effectRef idx="0">
+                <a:schemeClr val="accent1"/>
+              </a:effectRef>
+              <a:fontRef idx="minor">
+                <a:schemeClr val="tx1"/>
+              </a:fontRef>
+            </p:style>
+          </p:cxnSp>
+          <p:cxnSp>
+            <p:nvCxnSpPr>
+              <p:cNvPr id="95" name="Straight Connector 94"/>
+              <p:cNvCxnSpPr>
+                <a:endCxn id="50" idx="1"/>
+              </p:cNvCxnSpPr>
+              <p:nvPr/>
+            </p:nvCxnSpPr>
+            <p:spPr>
+              <a:xfrm flipH="1" flipV="1">
+                <a:off x="4117657" y="2943038"/>
+                <a:ext cx="768193" cy="2289116"/>
+              </a:xfrm>
+              <a:prstGeom prst="line">
+                <a:avLst/>
+              </a:prstGeom>
+              <a:ln w="25400">
+                <a:solidFill>
+                  <a:srgbClr val="00B0F0"/>
+                </a:solidFill>
+              </a:ln>
+            </p:spPr>
+            <p:style>
+              <a:lnRef idx="1">
+                <a:schemeClr val="accent1"/>
+              </a:lnRef>
+              <a:fillRef idx="0">
+                <a:schemeClr val="accent1"/>
+              </a:fillRef>
+              <a:effectRef idx="0">
+                <a:schemeClr val="accent1"/>
+              </a:effectRef>
+              <a:fontRef idx="minor">
+                <a:schemeClr val="tx1"/>
+              </a:fontRef>
+            </p:style>
+          </p:cxnSp>
+          <p:cxnSp>
+            <p:nvCxnSpPr>
+              <p:cNvPr id="96" name="Straight Connector 95"/>
+              <p:cNvCxnSpPr/>
+              <p:nvPr/>
+            </p:nvCxnSpPr>
+            <p:spPr>
+              <a:xfrm flipV="1">
+                <a:off x="4885849" y="4744922"/>
+                <a:ext cx="2069754" cy="487231"/>
+              </a:xfrm>
+              <a:prstGeom prst="line">
+                <a:avLst/>
+              </a:prstGeom>
+              <a:ln w="25400">
+                <a:solidFill>
+                  <a:srgbClr val="00B0F0"/>
+                </a:solidFill>
+              </a:ln>
+            </p:spPr>
+            <p:style>
+              <a:lnRef idx="1">
+                <a:schemeClr val="accent1"/>
+              </a:lnRef>
+              <a:fillRef idx="0">
+                <a:schemeClr val="accent1"/>
+              </a:fillRef>
+              <a:effectRef idx="0">
+                <a:schemeClr val="accent1"/>
+              </a:effectRef>
+              <a:fontRef idx="minor">
+                <a:schemeClr val="tx1"/>
+              </a:fontRef>
+            </p:style>
+          </p:cxnSp>
+          <p:cxnSp>
+            <p:nvCxnSpPr>
+              <p:cNvPr id="97" name="Straight Connector 96"/>
+              <p:cNvCxnSpPr/>
+              <p:nvPr/>
+            </p:nvCxnSpPr>
+            <p:spPr>
+              <a:xfrm flipH="1">
+                <a:off x="6955603" y="2858358"/>
+                <a:ext cx="1502235" cy="1886564"/>
+              </a:xfrm>
+              <a:prstGeom prst="line">
+                <a:avLst/>
+              </a:prstGeom>
+              <a:ln w="25400">
+                <a:solidFill>
+                  <a:srgbClr val="00B0F0"/>
+                </a:solidFill>
+              </a:ln>
+            </p:spPr>
+            <p:style>
+              <a:lnRef idx="1">
+                <a:schemeClr val="accent1"/>
+              </a:lnRef>
+              <a:fillRef idx="0">
+                <a:schemeClr val="accent1"/>
+              </a:fillRef>
+              <a:effectRef idx="0">
+                <a:schemeClr val="accent1"/>
+              </a:effectRef>
+              <a:fontRef idx="minor">
+                <a:schemeClr val="tx1"/>
+              </a:fontRef>
+            </p:style>
+          </p:cxnSp>
+        </p:grpSp>
+        <p:grpSp>
+          <p:nvGrpSpPr>
+            <p:cNvPr id="190" name="Group 189"/>
+            <p:cNvGrpSpPr/>
+            <p:nvPr/>
+          </p:nvGrpSpPr>
+          <p:grpSpPr>
+            <a:xfrm>
+              <a:off x="2108011" y="282434"/>
+              <a:ext cx="7657079" cy="6253299"/>
+              <a:chOff x="2108011" y="282434"/>
+              <a:chExt cx="7657079" cy="6253299"/>
+            </a:xfrm>
+          </p:grpSpPr>
+          <p:grpSp>
+            <p:nvGrpSpPr>
+              <p:cNvPr id="191" name="Group 190"/>
+              <p:cNvGrpSpPr/>
+              <p:nvPr/>
+            </p:nvGrpSpPr>
+            <p:grpSpPr>
+              <a:xfrm>
+                <a:off x="3171825" y="657224"/>
+                <a:ext cx="5760720" cy="5486400"/>
+                <a:chOff x="3171825" y="657224"/>
+                <a:chExt cx="5760720" cy="5486400"/>
+              </a:xfrm>
+            </p:grpSpPr>
+            <p:grpSp>
+              <p:nvGrpSpPr>
+                <p:cNvPr id="222" name="Group 221"/>
+                <p:cNvGrpSpPr/>
+                <p:nvPr/>
+              </p:nvGrpSpPr>
+              <p:grpSpPr>
+                <a:xfrm>
+                  <a:off x="3171825" y="657224"/>
+                  <a:ext cx="5760720" cy="5486400"/>
+                  <a:chOff x="3171825" y="657224"/>
+                  <a:chExt cx="5760720" cy="5486400"/>
+                </a:xfrm>
+              </p:grpSpPr>
+              <p:sp>
+                <p:nvSpPr>
+                  <p:cNvPr id="229" name="Regular Pentagon 228"/>
+                  <p:cNvSpPr>
+                    <a:spLocks noChangeAspect="1"/>
+                  </p:cNvSpPr>
+                  <p:nvPr/>
+                </p:nvSpPr>
+                <p:spPr>
+                  <a:xfrm>
+                    <a:off x="3171825" y="657224"/>
+                    <a:ext cx="5760720" cy="5486400"/>
+                  </a:xfrm>
+                  <a:prstGeom prst="pentagon">
+                    <a:avLst/>
+                  </a:prstGeom>
+                  <a:noFill/>
+                  <a:ln w="19050"/>
+                </p:spPr>
+                <p:style>
+                  <a:lnRef idx="2">
+                    <a:schemeClr val="dk1"/>
+                  </a:lnRef>
+                  <a:fillRef idx="1">
+                    <a:schemeClr val="lt1"/>
+                  </a:fillRef>
+                  <a:effectRef idx="0">
+                    <a:schemeClr val="dk1"/>
+                  </a:effectRef>
+                  <a:fontRef idx="minor">
+                    <a:schemeClr val="dk1"/>
+                  </a:fontRef>
+                </p:style>
+                <p:txBody>
+                  <a:bodyPr rtlCol="0" anchor="ctr"/>
+                  <a:lstStyle/>
+                  <a:p>
+                    <a:pPr algn="ctr"/>
+                    <a:endParaRPr lang="en-US"/>
+                  </a:p>
+                </p:txBody>
+              </p:sp>
+              <p:cxnSp>
+                <p:nvCxnSpPr>
+                  <p:cNvPr id="230" name="Straight Connector 229"/>
+                  <p:cNvCxnSpPr/>
+                  <p:nvPr/>
+                </p:nvCxnSpPr>
+                <p:spPr>
+                  <a:xfrm>
+                    <a:off x="6037897" y="657224"/>
+                    <a:ext cx="0" cy="2743200"/>
+                  </a:xfrm>
+                  <a:prstGeom prst="line">
+                    <a:avLst/>
+                  </a:prstGeom>
+                  <a:ln w="19050"/>
+                </p:spPr>
+                <p:style>
+                  <a:lnRef idx="3">
+                    <a:schemeClr val="dk1"/>
+                  </a:lnRef>
+                  <a:fillRef idx="0">
+                    <a:schemeClr val="dk1"/>
+                  </a:fillRef>
+                  <a:effectRef idx="2">
+                    <a:schemeClr val="dk1"/>
+                  </a:effectRef>
+                  <a:fontRef idx="minor">
+                    <a:schemeClr val="tx1"/>
+                  </a:fontRef>
+                </p:style>
+              </p:cxnSp>
+              <p:cxnSp>
+                <p:nvCxnSpPr>
+                  <p:cNvPr id="231" name="Straight Connector 230"/>
+                  <p:cNvCxnSpPr>
+                    <a:endCxn id="218" idx="2"/>
+                  </p:cNvCxnSpPr>
+                  <p:nvPr/>
+                </p:nvCxnSpPr>
+                <p:spPr>
+                  <a:xfrm flipH="1">
+                    <a:off x="4272028" y="3400424"/>
+                    <a:ext cx="1765869" cy="2743186"/>
+                  </a:xfrm>
+                  <a:prstGeom prst="line">
+                    <a:avLst/>
+                  </a:prstGeom>
+                  <a:ln w="19050"/>
+                </p:spPr>
+                <p:style>
+                  <a:lnRef idx="3">
+                    <a:schemeClr val="dk1"/>
+                  </a:lnRef>
+                  <a:fillRef idx="0">
+                    <a:schemeClr val="dk1"/>
+                  </a:fillRef>
+                  <a:effectRef idx="2">
+                    <a:schemeClr val="dk1"/>
+                  </a:effectRef>
+                  <a:fontRef idx="minor">
+                    <a:schemeClr val="tx1"/>
+                  </a:fontRef>
+                </p:style>
+              </p:cxnSp>
+              <p:cxnSp>
+                <p:nvCxnSpPr>
+                  <p:cNvPr id="232" name="Straight Connector 231"/>
+                  <p:cNvCxnSpPr>
+                    <a:endCxn id="218" idx="4"/>
+                  </p:cNvCxnSpPr>
+                  <p:nvPr/>
+                </p:nvCxnSpPr>
+                <p:spPr>
+                  <a:xfrm>
+                    <a:off x="6037897" y="3400410"/>
+                    <a:ext cx="1794445" cy="2743200"/>
+                  </a:xfrm>
+                  <a:prstGeom prst="line">
+                    <a:avLst/>
+                  </a:prstGeom>
+                  <a:ln w="19050"/>
+                </p:spPr>
+                <p:style>
+                  <a:lnRef idx="3">
+                    <a:schemeClr val="dk1"/>
+                  </a:lnRef>
+                  <a:fillRef idx="0">
+                    <a:schemeClr val="dk1"/>
+                  </a:fillRef>
+                  <a:effectRef idx="2">
+                    <a:schemeClr val="dk1"/>
+                  </a:effectRef>
+                  <a:fontRef idx="minor">
+                    <a:schemeClr val="tx1"/>
+                  </a:fontRef>
+                </p:style>
+              </p:cxnSp>
+              <p:cxnSp>
+                <p:nvCxnSpPr>
+                  <p:cNvPr id="233" name="Straight Connector 232"/>
+                  <p:cNvCxnSpPr>
+                    <a:endCxn id="218" idx="1"/>
+                  </p:cNvCxnSpPr>
+                  <p:nvPr/>
+                </p:nvCxnSpPr>
+                <p:spPr>
+                  <a:xfrm flipH="1" flipV="1">
+                    <a:off x="3171831" y="2752837"/>
+                    <a:ext cx="2880354" cy="647559"/>
+                  </a:xfrm>
+                  <a:prstGeom prst="line">
+                    <a:avLst/>
+                  </a:prstGeom>
+                  <a:ln w="19050"/>
+                </p:spPr>
+                <p:style>
+                  <a:lnRef idx="3">
+                    <a:schemeClr val="dk1"/>
+                  </a:lnRef>
+                  <a:fillRef idx="0">
+                    <a:schemeClr val="dk1"/>
+                  </a:fillRef>
+                  <a:effectRef idx="2">
+                    <a:schemeClr val="dk1"/>
+                  </a:effectRef>
+                  <a:fontRef idx="minor">
+                    <a:schemeClr val="tx1"/>
+                  </a:fontRef>
+                </p:style>
+              </p:cxnSp>
+              <p:cxnSp>
+                <p:nvCxnSpPr>
+                  <p:cNvPr id="234" name="Straight Connector 233"/>
+                  <p:cNvCxnSpPr>
+                    <a:stCxn id="218" idx="5"/>
+                  </p:cNvCxnSpPr>
+                  <p:nvPr/>
+                </p:nvCxnSpPr>
+                <p:spPr>
+                  <a:xfrm flipH="1">
+                    <a:off x="6023611" y="2752837"/>
+                    <a:ext cx="2908928" cy="647559"/>
+                  </a:xfrm>
+                  <a:prstGeom prst="line">
+                    <a:avLst/>
+                  </a:prstGeom>
+                  <a:ln w="19050"/>
+                </p:spPr>
+                <p:style>
+                  <a:lnRef idx="3">
+                    <a:schemeClr val="dk1"/>
+                  </a:lnRef>
+                  <a:fillRef idx="0">
+                    <a:schemeClr val="dk1"/>
+                  </a:fillRef>
+                  <a:effectRef idx="2">
+                    <a:schemeClr val="dk1"/>
+                  </a:effectRef>
+                  <a:fontRef idx="minor">
+                    <a:schemeClr val="tx1"/>
+                  </a:fontRef>
+                </p:style>
+              </p:cxnSp>
+            </p:grpSp>
+            <p:grpSp>
+              <p:nvGrpSpPr>
+                <p:cNvPr id="223" name="Group 222"/>
+                <p:cNvGrpSpPr/>
+                <p:nvPr/>
+              </p:nvGrpSpPr>
+              <p:grpSpPr>
+                <a:xfrm>
+                  <a:off x="3657243" y="1112014"/>
+                  <a:ext cx="4800600" cy="4572000"/>
+                  <a:chOff x="3657243" y="1112014"/>
+                  <a:chExt cx="4800600" cy="4572000"/>
+                </a:xfrm>
+              </p:grpSpPr>
+              <p:sp>
+                <p:nvSpPr>
+                  <p:cNvPr id="224" name="Regular Pentagon 223"/>
+                  <p:cNvSpPr>
+                    <a:spLocks noChangeAspect="1"/>
+                  </p:cNvSpPr>
+                  <p:nvPr/>
+                </p:nvSpPr>
+                <p:spPr>
+                  <a:xfrm>
+                    <a:off x="3657243" y="1112014"/>
+                    <a:ext cx="4800600" cy="4572000"/>
+                  </a:xfrm>
+                  <a:prstGeom prst="pentagon">
+                    <a:avLst/>
+                  </a:prstGeom>
+                  <a:noFill/>
+                  <a:ln w="12700">
+                    <a:solidFill>
+                      <a:schemeClr val="bg1">
+                        <a:lumMod val="65000"/>
+                      </a:schemeClr>
+                    </a:solidFill>
+                    <a:prstDash val="dash"/>
+                  </a:ln>
+                </p:spPr>
+                <p:style>
+                  <a:lnRef idx="2">
+                    <a:schemeClr val="dk1"/>
+                  </a:lnRef>
+                  <a:fillRef idx="1">
+                    <a:schemeClr val="lt1"/>
+                  </a:fillRef>
+                  <a:effectRef idx="0">
+                    <a:schemeClr val="dk1"/>
+                  </a:effectRef>
+                  <a:fontRef idx="minor">
+                    <a:schemeClr val="dk1"/>
+                  </a:fontRef>
+                </p:style>
+                <p:txBody>
+                  <a:bodyPr rtlCol="0" anchor="ctr"/>
+                  <a:lstStyle/>
+                  <a:p>
+                    <a:pPr algn="ctr"/>
+                    <a:endParaRPr lang="en-US"/>
+                  </a:p>
+                </p:txBody>
+              </p:sp>
+              <p:sp>
+                <p:nvSpPr>
+                  <p:cNvPr id="225" name="Regular Pentagon 224"/>
+                  <p:cNvSpPr>
+                    <a:spLocks noChangeAspect="1"/>
+                  </p:cNvSpPr>
+                  <p:nvPr/>
+                </p:nvSpPr>
+                <p:spPr>
+                  <a:xfrm>
+                    <a:off x="4117653" y="1545963"/>
+                    <a:ext cx="3840480" cy="3657600"/>
+                  </a:xfrm>
+                  <a:prstGeom prst="pentagon">
+                    <a:avLst/>
+                  </a:prstGeom>
+                  <a:noFill/>
+                  <a:ln w="12700">
+                    <a:solidFill>
+                      <a:schemeClr val="bg1">
+                        <a:lumMod val="65000"/>
+                      </a:schemeClr>
+                    </a:solidFill>
+                    <a:prstDash val="dash"/>
+                  </a:ln>
+                </p:spPr>
+                <p:style>
+                  <a:lnRef idx="2">
+                    <a:schemeClr val="dk1"/>
+                  </a:lnRef>
+                  <a:fillRef idx="1">
+                    <a:schemeClr val="lt1"/>
+                  </a:fillRef>
+                  <a:effectRef idx="0">
+                    <a:schemeClr val="dk1"/>
+                  </a:effectRef>
+                  <a:fontRef idx="minor">
+                    <a:schemeClr val="dk1"/>
+                  </a:fontRef>
+                </p:style>
+                <p:txBody>
+                  <a:bodyPr rtlCol="0" anchor="ctr"/>
+                  <a:lstStyle/>
+                  <a:p>
+                    <a:pPr algn="ctr"/>
+                    <a:endParaRPr lang="en-US"/>
+                  </a:p>
+                </p:txBody>
+              </p:sp>
+              <p:sp>
+                <p:nvSpPr>
+                  <p:cNvPr id="226" name="Regular Pentagon 225"/>
+                  <p:cNvSpPr>
+                    <a:spLocks noChangeAspect="1"/>
+                  </p:cNvSpPr>
+                  <p:nvPr/>
+                </p:nvSpPr>
+                <p:spPr>
+                  <a:xfrm>
+                    <a:off x="4614937" y="2027191"/>
+                    <a:ext cx="2880360" cy="2743200"/>
+                  </a:xfrm>
+                  <a:prstGeom prst="pentagon">
+                    <a:avLst/>
+                  </a:prstGeom>
+                  <a:noFill/>
+                  <a:ln w="12700">
+                    <a:solidFill>
+                      <a:schemeClr val="bg1">
+                        <a:lumMod val="65000"/>
+                      </a:schemeClr>
+                    </a:solidFill>
+                    <a:prstDash val="dash"/>
+                  </a:ln>
+                </p:spPr>
+                <p:style>
+                  <a:lnRef idx="2">
+                    <a:schemeClr val="dk1"/>
+                  </a:lnRef>
+                  <a:fillRef idx="1">
+                    <a:schemeClr val="lt1"/>
+                  </a:fillRef>
+                  <a:effectRef idx="0">
+                    <a:schemeClr val="dk1"/>
+                  </a:effectRef>
+                  <a:fontRef idx="minor">
+                    <a:schemeClr val="dk1"/>
+                  </a:fontRef>
+                </p:style>
+                <p:txBody>
+                  <a:bodyPr rtlCol="0" anchor="ctr"/>
+                  <a:lstStyle/>
+                  <a:p>
+                    <a:pPr algn="ctr"/>
+                    <a:endParaRPr lang="en-US"/>
+                  </a:p>
+                </p:txBody>
+              </p:sp>
+              <p:sp>
+                <p:nvSpPr>
+                  <p:cNvPr id="227" name="Regular Pentagon 226"/>
+                  <p:cNvSpPr>
+                    <a:spLocks noChangeAspect="1"/>
+                  </p:cNvSpPr>
+                  <p:nvPr/>
+                </p:nvSpPr>
+                <p:spPr>
+                  <a:xfrm>
+                    <a:off x="5078451" y="2486033"/>
+                    <a:ext cx="1920240" cy="1828800"/>
+                  </a:xfrm>
+                  <a:prstGeom prst="pentagon">
+                    <a:avLst/>
+                  </a:prstGeom>
+                  <a:noFill/>
+                  <a:ln w="12700">
+                    <a:solidFill>
+                      <a:schemeClr val="bg1">
+                        <a:lumMod val="65000"/>
+                      </a:schemeClr>
+                    </a:solidFill>
+                    <a:prstDash val="dash"/>
+                  </a:ln>
+                </p:spPr>
+                <p:style>
+                  <a:lnRef idx="2">
+                    <a:schemeClr val="dk1"/>
+                  </a:lnRef>
+                  <a:fillRef idx="1">
+                    <a:schemeClr val="lt1"/>
+                  </a:fillRef>
+                  <a:effectRef idx="0">
+                    <a:schemeClr val="dk1"/>
+                  </a:effectRef>
+                  <a:fontRef idx="minor">
+                    <a:schemeClr val="dk1"/>
+                  </a:fontRef>
+                </p:style>
+                <p:txBody>
+                  <a:bodyPr rtlCol="0" anchor="ctr"/>
+                  <a:lstStyle/>
+                  <a:p>
+                    <a:pPr algn="ctr"/>
+                    <a:endParaRPr lang="en-US"/>
+                  </a:p>
+                </p:txBody>
+              </p:sp>
+              <p:sp>
+                <p:nvSpPr>
+                  <p:cNvPr id="228" name="Regular Pentagon 227"/>
+                  <p:cNvSpPr>
+                    <a:spLocks noChangeAspect="1"/>
+                  </p:cNvSpPr>
+                  <p:nvPr/>
+                </p:nvSpPr>
+                <p:spPr>
+                  <a:xfrm>
+                    <a:off x="5566761" y="2928943"/>
+                    <a:ext cx="960120" cy="914400"/>
+                  </a:xfrm>
+                  <a:prstGeom prst="pentagon">
+                    <a:avLst/>
+                  </a:prstGeom>
+                  <a:noFill/>
+                  <a:ln w="12700">
+                    <a:solidFill>
+                      <a:schemeClr val="bg1">
+                        <a:lumMod val="65000"/>
+                      </a:schemeClr>
+                    </a:solidFill>
+                    <a:prstDash val="dash"/>
+                  </a:ln>
+                </p:spPr>
+                <p:style>
+                  <a:lnRef idx="2">
+                    <a:schemeClr val="dk1"/>
+                  </a:lnRef>
+                  <a:fillRef idx="1">
+                    <a:schemeClr val="lt1"/>
+                  </a:fillRef>
+                  <a:effectRef idx="0">
+                    <a:schemeClr val="dk1"/>
+                  </a:effectRef>
+                  <a:fontRef idx="minor">
+                    <a:schemeClr val="dk1"/>
+                  </a:fontRef>
+                </p:style>
+                <p:txBody>
+                  <a:bodyPr rtlCol="0" anchor="ctr"/>
+                  <a:lstStyle/>
+                  <a:p>
+                    <a:pPr algn="ctr"/>
+                    <a:endParaRPr lang="en-US"/>
+                  </a:p>
+                </p:txBody>
+              </p:sp>
+            </p:grpSp>
+          </p:grpSp>
+          <p:sp>
+            <p:nvSpPr>
+              <p:cNvPr id="192" name="TextBox 191"/>
+              <p:cNvSpPr txBox="1"/>
+              <p:nvPr/>
+            </p:nvSpPr>
+            <p:spPr>
+              <a:xfrm>
+                <a:off x="6003957" y="2803547"/>
+                <a:ext cx="628057" cy="276999"/>
+              </a:xfrm>
+              <a:prstGeom prst="rect">
+                <a:avLst/>
+              </a:prstGeom>
+              <a:noFill/>
+            </p:spPr>
+            <p:txBody>
+              <a:bodyPr wrap="none" rtlCol="0">
+                <a:spAutoFit/>
+              </a:bodyPr>
+              <a:lstStyle/>
+              <a:p>
+                <a:r>
+                  <a:rPr lang="en-US" sz="1200" dirty="0"/>
+                  <a:t>Adopts</a:t>
+                </a:r>
+              </a:p>
+            </p:txBody>
+          </p:sp>
+          <p:sp>
+            <p:nvSpPr>
+              <p:cNvPr id="193" name="TextBox 192"/>
+              <p:cNvSpPr txBox="1"/>
+              <p:nvPr/>
+            </p:nvSpPr>
+            <p:spPr>
+              <a:xfrm>
+                <a:off x="5999192" y="2341577"/>
+                <a:ext cx="852926" cy="276999"/>
+              </a:xfrm>
+              <a:prstGeom prst="rect">
+                <a:avLst/>
+              </a:prstGeom>
+              <a:noFill/>
+            </p:spPr>
+            <p:txBody>
+              <a:bodyPr wrap="none" rtlCol="0">
+                <a:spAutoFit/>
+              </a:bodyPr>
+              <a:lstStyle/>
+              <a:p>
+                <a:r>
+                  <a:rPr lang="en-US" sz="1200" dirty="0"/>
+                  <a:t>Specializes</a:t>
+                </a:r>
+              </a:p>
+            </p:txBody>
+          </p:sp>
+          <p:sp>
+            <p:nvSpPr>
+              <p:cNvPr id="194" name="TextBox 193"/>
+              <p:cNvSpPr txBox="1"/>
+              <p:nvPr/>
+            </p:nvSpPr>
+            <p:spPr>
+              <a:xfrm>
+                <a:off x="6008712" y="1893895"/>
+                <a:ext cx="890885" cy="276999"/>
+              </a:xfrm>
+              <a:prstGeom prst="rect">
+                <a:avLst/>
+              </a:prstGeom>
+              <a:noFill/>
+            </p:spPr>
+            <p:txBody>
+              <a:bodyPr wrap="none" rtlCol="0">
+                <a:spAutoFit/>
+              </a:bodyPr>
+              <a:lstStyle/>
+              <a:p>
+                <a:r>
+                  <a:rPr lang="en-US" sz="1200" dirty="0"/>
+                  <a:t>Evangelizes</a:t>
+                </a:r>
+              </a:p>
+            </p:txBody>
+          </p:sp>
+          <p:sp>
+            <p:nvSpPr>
+              <p:cNvPr id="195" name="TextBox 194"/>
+              <p:cNvSpPr txBox="1"/>
+              <p:nvPr/>
+            </p:nvSpPr>
+            <p:spPr>
+              <a:xfrm>
+                <a:off x="6003944" y="1417638"/>
+                <a:ext cx="686983" cy="276999"/>
+              </a:xfrm>
+              <a:prstGeom prst="rect">
+                <a:avLst/>
+              </a:prstGeom>
+              <a:noFill/>
+            </p:spPr>
+            <p:txBody>
+              <a:bodyPr wrap="none" rtlCol="0">
+                <a:spAutoFit/>
+              </a:bodyPr>
+              <a:lstStyle/>
+              <a:p>
+                <a:r>
+                  <a:rPr lang="en-US" sz="1200" dirty="0"/>
+                  <a:t>Masters</a:t>
+                </a:r>
+              </a:p>
+            </p:txBody>
+          </p:sp>
+          <p:sp>
+            <p:nvSpPr>
+              <p:cNvPr id="196" name="TextBox 195"/>
+              <p:cNvSpPr txBox="1"/>
+              <p:nvPr/>
+            </p:nvSpPr>
+            <p:spPr>
+              <a:xfrm>
+                <a:off x="5984888" y="969952"/>
+                <a:ext cx="654218" cy="276999"/>
+              </a:xfrm>
+              <a:prstGeom prst="rect">
+                <a:avLst/>
+              </a:prstGeom>
+              <a:noFill/>
+            </p:spPr>
+            <p:txBody>
+              <a:bodyPr wrap="none" rtlCol="0">
+                <a:spAutoFit/>
+              </a:bodyPr>
+              <a:lstStyle/>
+              <a:p>
+                <a:r>
+                  <a:rPr lang="en-US" sz="1200" dirty="0"/>
+                  <a:t>Creates</a:t>
+                </a:r>
+              </a:p>
+            </p:txBody>
+          </p:sp>
+          <p:sp>
+            <p:nvSpPr>
+              <p:cNvPr id="197" name="TextBox 196"/>
+              <p:cNvSpPr txBox="1"/>
+              <p:nvPr/>
+            </p:nvSpPr>
+            <p:spPr>
+              <a:xfrm>
+                <a:off x="5433536" y="282434"/>
+                <a:ext cx="1243161" cy="369332"/>
+              </a:xfrm>
+              <a:prstGeom prst="rect">
+                <a:avLst/>
+              </a:prstGeom>
+              <a:noFill/>
+            </p:spPr>
+            <p:txBody>
+              <a:bodyPr wrap="none" rtlCol="0">
+                <a:spAutoFit/>
+              </a:bodyPr>
+              <a:lstStyle/>
+              <a:p>
+                <a:r>
+                  <a:rPr lang="en-US" dirty="0"/>
+                  <a:t>Technology</a:t>
+                </a:r>
+              </a:p>
+            </p:txBody>
+          </p:sp>
+          <p:sp>
+            <p:nvSpPr>
+              <p:cNvPr id="198" name="TextBox 197"/>
+              <p:cNvSpPr txBox="1"/>
+              <p:nvPr/>
+            </p:nvSpPr>
+            <p:spPr>
+              <a:xfrm>
+                <a:off x="6084917" y="3356006"/>
+                <a:ext cx="777777" cy="276999"/>
+              </a:xfrm>
+              <a:prstGeom prst="rect">
+                <a:avLst/>
+              </a:prstGeom>
+              <a:noFill/>
+            </p:spPr>
+            <p:txBody>
+              <a:bodyPr wrap="none" rtlCol="0">
+                <a:spAutoFit/>
+              </a:bodyPr>
+              <a:lstStyle/>
+              <a:p>
+                <a:r>
+                  <a:rPr lang="en-US" sz="1200" dirty="0"/>
+                  <a:t>Enhances</a:t>
+                </a:r>
+              </a:p>
+            </p:txBody>
+          </p:sp>
+          <p:sp>
+            <p:nvSpPr>
+              <p:cNvPr id="199" name="TextBox 198"/>
+              <p:cNvSpPr txBox="1"/>
+              <p:nvPr/>
+            </p:nvSpPr>
+            <p:spPr>
+              <a:xfrm>
+                <a:off x="6611019" y="3209017"/>
+                <a:ext cx="665567" cy="276999"/>
+              </a:xfrm>
+              <a:prstGeom prst="rect">
+                <a:avLst/>
+              </a:prstGeom>
+              <a:noFill/>
+            </p:spPr>
+            <p:txBody>
+              <a:bodyPr wrap="none" rtlCol="0">
+                <a:spAutoFit/>
+              </a:bodyPr>
+              <a:lstStyle/>
+              <a:p>
+                <a:r>
+                  <a:rPr lang="en-US" sz="1200" dirty="0"/>
+                  <a:t>Designs</a:t>
+                </a:r>
+              </a:p>
+            </p:txBody>
+          </p:sp>
+          <p:sp>
+            <p:nvSpPr>
+              <p:cNvPr id="200" name="TextBox 199"/>
+              <p:cNvSpPr txBox="1"/>
+              <p:nvPr/>
+            </p:nvSpPr>
+            <p:spPr>
+              <a:xfrm>
+                <a:off x="7106326" y="3089946"/>
+                <a:ext cx="538930" cy="276999"/>
+              </a:xfrm>
+              <a:prstGeom prst="rect">
+                <a:avLst/>
+              </a:prstGeom>
+              <a:noFill/>
+            </p:spPr>
+            <p:txBody>
+              <a:bodyPr wrap="none" rtlCol="0">
+                <a:spAutoFit/>
+              </a:bodyPr>
+              <a:lstStyle/>
+              <a:p>
+                <a:r>
+                  <a:rPr lang="en-US" sz="1200" dirty="0"/>
+                  <a:t>Owns</a:t>
+                </a:r>
+              </a:p>
+            </p:txBody>
+          </p:sp>
+          <p:sp>
+            <p:nvSpPr>
+              <p:cNvPr id="201" name="TextBox 200"/>
+              <p:cNvSpPr txBox="1"/>
+              <p:nvPr/>
+            </p:nvSpPr>
+            <p:spPr>
+              <a:xfrm>
+                <a:off x="7558768" y="2985171"/>
+                <a:ext cx="646395" cy="276999"/>
+              </a:xfrm>
+              <a:prstGeom prst="rect">
+                <a:avLst/>
+              </a:prstGeom>
+              <a:noFill/>
+            </p:spPr>
+            <p:txBody>
+              <a:bodyPr wrap="none" rtlCol="0">
+                <a:spAutoFit/>
+              </a:bodyPr>
+              <a:lstStyle/>
+              <a:p>
+                <a:r>
+                  <a:rPr lang="en-US" sz="1200" dirty="0"/>
+                  <a:t>Evolves</a:t>
+                </a:r>
+              </a:p>
+            </p:txBody>
+          </p:sp>
+          <p:sp>
+            <p:nvSpPr>
+              <p:cNvPr id="202" name="TextBox 201"/>
+              <p:cNvSpPr txBox="1"/>
+              <p:nvPr/>
+            </p:nvSpPr>
+            <p:spPr>
+              <a:xfrm>
+                <a:off x="8139796" y="2866103"/>
+                <a:ext cx="540533" cy="276999"/>
+              </a:xfrm>
+              <a:prstGeom prst="rect">
+                <a:avLst/>
+              </a:prstGeom>
+              <a:noFill/>
+            </p:spPr>
+            <p:txBody>
+              <a:bodyPr wrap="none" rtlCol="0">
+                <a:spAutoFit/>
+              </a:bodyPr>
+              <a:lstStyle/>
+              <a:p>
+                <a:r>
+                  <a:rPr lang="en-US" sz="1200" dirty="0"/>
+                  <a:t>Leads</a:t>
+                </a:r>
+              </a:p>
+            </p:txBody>
+          </p:sp>
+          <p:sp>
+            <p:nvSpPr>
+              <p:cNvPr id="203" name="TextBox 202"/>
+              <p:cNvSpPr txBox="1"/>
+              <p:nvPr/>
+            </p:nvSpPr>
+            <p:spPr>
+              <a:xfrm>
+                <a:off x="8913638" y="2544572"/>
+                <a:ext cx="851452" cy="369332"/>
+              </a:xfrm>
+              <a:prstGeom prst="rect">
+                <a:avLst/>
+              </a:prstGeom>
+              <a:noFill/>
+            </p:spPr>
+            <p:txBody>
+              <a:bodyPr wrap="none" rtlCol="0">
+                <a:spAutoFit/>
+              </a:bodyPr>
+              <a:lstStyle/>
+              <a:p>
+                <a:r>
+                  <a:rPr lang="en-US" dirty="0"/>
+                  <a:t>System</a:t>
+                </a:r>
+              </a:p>
+            </p:txBody>
+          </p:sp>
+          <p:sp>
+            <p:nvSpPr>
+              <p:cNvPr id="204" name="TextBox 203"/>
+              <p:cNvSpPr txBox="1"/>
+              <p:nvPr/>
+            </p:nvSpPr>
+            <p:spPr>
+              <a:xfrm>
+                <a:off x="5165741" y="2994048"/>
+                <a:ext cx="849913" cy="276999"/>
+              </a:xfrm>
+              <a:prstGeom prst="rect">
+                <a:avLst/>
+              </a:prstGeom>
+              <a:noFill/>
+            </p:spPr>
+            <p:txBody>
+              <a:bodyPr wrap="none" rtlCol="0">
+                <a:spAutoFit/>
+              </a:bodyPr>
+              <a:lstStyle/>
+              <a:p>
+                <a:r>
+                  <a:rPr lang="en-US" sz="1200" dirty="0"/>
+                  <a:t>Subsystem</a:t>
+                </a:r>
+              </a:p>
+            </p:txBody>
+          </p:sp>
+          <p:sp>
+            <p:nvSpPr>
+              <p:cNvPr id="205" name="TextBox 204"/>
+              <p:cNvSpPr txBox="1"/>
+              <p:nvPr/>
+            </p:nvSpPr>
+            <p:spPr>
+              <a:xfrm>
+                <a:off x="5018106" y="2803542"/>
+                <a:ext cx="520592" cy="276999"/>
+              </a:xfrm>
+              <a:prstGeom prst="rect">
+                <a:avLst/>
+              </a:prstGeom>
+              <a:noFill/>
+            </p:spPr>
+            <p:txBody>
+              <a:bodyPr wrap="none" rtlCol="0">
+                <a:spAutoFit/>
+              </a:bodyPr>
+              <a:lstStyle/>
+              <a:p>
+                <a:r>
+                  <a:rPr lang="en-US" sz="1200"/>
+                  <a:t>Team</a:t>
+                </a:r>
+                <a:endParaRPr lang="en-US" sz="1200" dirty="0"/>
+              </a:p>
+            </p:txBody>
+          </p:sp>
+          <p:sp>
+            <p:nvSpPr>
+              <p:cNvPr id="206" name="TextBox 205"/>
+              <p:cNvSpPr txBox="1"/>
+              <p:nvPr/>
+            </p:nvSpPr>
+            <p:spPr>
+              <a:xfrm>
+                <a:off x="4498988" y="2598752"/>
+                <a:ext cx="745717" cy="461665"/>
+              </a:xfrm>
+              <a:prstGeom prst="rect">
+                <a:avLst/>
+              </a:prstGeom>
+              <a:noFill/>
+            </p:spPr>
+            <p:txBody>
+              <a:bodyPr wrap="none" rtlCol="0">
+                <a:spAutoFit/>
+              </a:bodyPr>
+              <a:lstStyle/>
+              <a:p>
+                <a:r>
+                  <a:rPr lang="en-US" sz="1200"/>
+                  <a:t>Multiple </a:t>
+                </a:r>
+              </a:p>
+              <a:p>
+                <a:r>
+                  <a:rPr lang="en-US" sz="1200" dirty="0"/>
+                  <a:t>Teams</a:t>
+                </a:r>
+              </a:p>
+            </p:txBody>
+          </p:sp>
+          <p:sp>
+            <p:nvSpPr>
+              <p:cNvPr id="207" name="TextBox 206"/>
+              <p:cNvSpPr txBox="1"/>
+              <p:nvPr/>
+            </p:nvSpPr>
+            <p:spPr>
+              <a:xfrm>
+                <a:off x="3779843" y="2636848"/>
+                <a:ext cx="771814" cy="276999"/>
+              </a:xfrm>
+              <a:prstGeom prst="rect">
+                <a:avLst/>
+              </a:prstGeom>
+              <a:noFill/>
+            </p:spPr>
+            <p:txBody>
+              <a:bodyPr wrap="none" rtlCol="0">
+                <a:spAutoFit/>
+              </a:bodyPr>
+              <a:lstStyle/>
+              <a:p>
+                <a:r>
+                  <a:rPr lang="en-US" sz="1200" dirty="0"/>
+                  <a:t>Company</a:t>
+                </a:r>
+              </a:p>
+            </p:txBody>
+          </p:sp>
+          <p:sp>
+            <p:nvSpPr>
+              <p:cNvPr id="208" name="TextBox 207"/>
+              <p:cNvSpPr txBox="1"/>
+              <p:nvPr/>
+            </p:nvSpPr>
+            <p:spPr>
+              <a:xfrm>
+                <a:off x="3460644" y="2433616"/>
+                <a:ext cx="910827" cy="276999"/>
+              </a:xfrm>
+              <a:prstGeom prst="rect">
+                <a:avLst/>
+              </a:prstGeom>
+              <a:noFill/>
+            </p:spPr>
+            <p:txBody>
+              <a:bodyPr wrap="none" rtlCol="0">
+                <a:spAutoFit/>
+              </a:bodyPr>
+              <a:lstStyle/>
+              <a:p>
+                <a:r>
+                  <a:rPr lang="en-US" sz="1200" dirty="0"/>
+                  <a:t>Community</a:t>
+                </a:r>
+              </a:p>
+            </p:txBody>
+          </p:sp>
+          <p:sp>
+            <p:nvSpPr>
+              <p:cNvPr id="209" name="TextBox 208"/>
+              <p:cNvSpPr txBox="1"/>
+              <p:nvPr/>
+            </p:nvSpPr>
+            <p:spPr>
+              <a:xfrm>
+                <a:off x="2108011" y="2539804"/>
+                <a:ext cx="1058751" cy="369332"/>
+              </a:xfrm>
+              <a:prstGeom prst="rect">
+                <a:avLst/>
+              </a:prstGeom>
+              <a:noFill/>
+            </p:spPr>
+            <p:txBody>
+              <a:bodyPr wrap="none" rtlCol="0">
+                <a:spAutoFit/>
+              </a:bodyPr>
+              <a:lstStyle/>
+              <a:p>
+                <a:r>
+                  <a:rPr lang="en-US" dirty="0"/>
+                  <a:t>Influence</a:t>
+                </a:r>
+              </a:p>
+            </p:txBody>
+          </p:sp>
+          <p:sp>
+            <p:nvSpPr>
+              <p:cNvPr id="210" name="TextBox 209"/>
+              <p:cNvSpPr txBox="1"/>
+              <p:nvPr/>
+            </p:nvSpPr>
+            <p:spPr>
+              <a:xfrm>
+                <a:off x="7416824" y="6166401"/>
+                <a:ext cx="826060" cy="369332"/>
+              </a:xfrm>
+              <a:prstGeom prst="rect">
+                <a:avLst/>
+              </a:prstGeom>
+              <a:noFill/>
+            </p:spPr>
+            <p:txBody>
+              <a:bodyPr wrap="none" rtlCol="0">
+                <a:spAutoFit/>
+              </a:bodyPr>
+              <a:lstStyle/>
+              <a:p>
+                <a:r>
+                  <a:rPr lang="en-US" dirty="0"/>
+                  <a:t>People</a:t>
+                </a:r>
+              </a:p>
+            </p:txBody>
+          </p:sp>
+          <p:sp>
+            <p:nvSpPr>
+              <p:cNvPr id="211" name="TextBox 210"/>
+              <p:cNvSpPr txBox="1"/>
+              <p:nvPr/>
+            </p:nvSpPr>
+            <p:spPr>
+              <a:xfrm>
+                <a:off x="3811595" y="6161638"/>
+                <a:ext cx="894284" cy="369332"/>
+              </a:xfrm>
+              <a:prstGeom prst="rect">
+                <a:avLst/>
+              </a:prstGeom>
+              <a:noFill/>
+            </p:spPr>
+            <p:txBody>
+              <a:bodyPr wrap="none" rtlCol="0">
+                <a:spAutoFit/>
+              </a:bodyPr>
+              <a:lstStyle/>
+              <a:p>
+                <a:r>
+                  <a:rPr lang="en-US" dirty="0"/>
+                  <a:t>Process</a:t>
+                </a:r>
+              </a:p>
+            </p:txBody>
+          </p:sp>
+          <p:sp>
+            <p:nvSpPr>
+              <p:cNvPr id="212" name="TextBox 211"/>
+              <p:cNvSpPr txBox="1"/>
+              <p:nvPr/>
+            </p:nvSpPr>
+            <p:spPr>
+              <a:xfrm>
+                <a:off x="5731357" y="3700439"/>
+                <a:ext cx="593432" cy="276999"/>
+              </a:xfrm>
+              <a:prstGeom prst="rect">
+                <a:avLst/>
+              </a:prstGeom>
+              <a:noFill/>
+            </p:spPr>
+            <p:txBody>
+              <a:bodyPr wrap="none" rtlCol="0">
+                <a:spAutoFit/>
+              </a:bodyPr>
+              <a:lstStyle/>
+              <a:p>
+                <a:r>
+                  <a:rPr lang="en-US" sz="1200" dirty="0"/>
+                  <a:t>Learns</a:t>
+                </a:r>
+              </a:p>
+            </p:txBody>
+          </p:sp>
+          <p:sp>
+            <p:nvSpPr>
+              <p:cNvPr id="213" name="TextBox 212"/>
+              <p:cNvSpPr txBox="1"/>
+              <p:nvPr/>
+            </p:nvSpPr>
+            <p:spPr>
+              <a:xfrm>
+                <a:off x="5869469" y="4167166"/>
+                <a:ext cx="742511" cy="276999"/>
+              </a:xfrm>
+              <a:prstGeom prst="rect">
+                <a:avLst/>
+              </a:prstGeom>
+              <a:noFill/>
+            </p:spPr>
+            <p:txBody>
+              <a:bodyPr wrap="none" rtlCol="0">
+                <a:spAutoFit/>
+              </a:bodyPr>
+              <a:lstStyle/>
+              <a:p>
+                <a:r>
+                  <a:rPr lang="en-US" sz="1200"/>
+                  <a:t>Supports</a:t>
+                </a:r>
+                <a:endParaRPr lang="en-US" sz="1200" dirty="0"/>
+              </a:p>
+            </p:txBody>
+          </p:sp>
+          <p:sp>
+            <p:nvSpPr>
+              <p:cNvPr id="214" name="TextBox 213"/>
+              <p:cNvSpPr txBox="1"/>
+              <p:nvPr/>
+            </p:nvSpPr>
+            <p:spPr>
+              <a:xfrm>
+                <a:off x="6221886" y="4605321"/>
+                <a:ext cx="714619" cy="276999"/>
+              </a:xfrm>
+              <a:prstGeom prst="rect">
+                <a:avLst/>
+              </a:prstGeom>
+              <a:noFill/>
+            </p:spPr>
+            <p:txBody>
+              <a:bodyPr wrap="none" rtlCol="0">
+                <a:spAutoFit/>
+              </a:bodyPr>
+              <a:lstStyle/>
+              <a:p>
+                <a:r>
+                  <a:rPr lang="en-US" sz="1200"/>
+                  <a:t>Mentors</a:t>
+                </a:r>
+                <a:endParaRPr lang="en-US" sz="1200" dirty="0"/>
+              </a:p>
+            </p:txBody>
+          </p:sp>
+          <p:sp>
+            <p:nvSpPr>
+              <p:cNvPr id="215" name="TextBox 214"/>
+              <p:cNvSpPr txBox="1"/>
+              <p:nvPr/>
+            </p:nvSpPr>
+            <p:spPr>
+              <a:xfrm>
+                <a:off x="6231406" y="5057759"/>
+                <a:ext cx="936347" cy="276999"/>
+              </a:xfrm>
+              <a:prstGeom prst="rect">
+                <a:avLst/>
+              </a:prstGeom>
+              <a:noFill/>
+            </p:spPr>
+            <p:txBody>
+              <a:bodyPr wrap="none" rtlCol="0">
+                <a:spAutoFit/>
+              </a:bodyPr>
+              <a:lstStyle/>
+              <a:p>
+                <a:r>
+                  <a:rPr lang="en-US" sz="1200"/>
+                  <a:t>Coordinates</a:t>
+                </a:r>
+                <a:endParaRPr lang="en-US" sz="1200" dirty="0"/>
+              </a:p>
+            </p:txBody>
+          </p:sp>
+          <p:sp>
+            <p:nvSpPr>
+              <p:cNvPr id="216" name="TextBox 215"/>
+              <p:cNvSpPr txBox="1"/>
+              <p:nvPr/>
+            </p:nvSpPr>
+            <p:spPr>
+              <a:xfrm>
+                <a:off x="6755282" y="5538771"/>
+                <a:ext cx="752514" cy="276999"/>
+              </a:xfrm>
+              <a:prstGeom prst="rect">
+                <a:avLst/>
+              </a:prstGeom>
+              <a:noFill/>
+            </p:spPr>
+            <p:txBody>
+              <a:bodyPr wrap="none" rtlCol="0">
+                <a:spAutoFit/>
+              </a:bodyPr>
+              <a:lstStyle/>
+              <a:p>
+                <a:r>
+                  <a:rPr lang="en-US" sz="1200" dirty="0"/>
+                  <a:t>Manages</a:t>
+                </a:r>
+              </a:p>
+            </p:txBody>
+          </p:sp>
+          <p:sp>
+            <p:nvSpPr>
+              <p:cNvPr id="217" name="TextBox 216"/>
+              <p:cNvSpPr txBox="1"/>
+              <p:nvPr/>
+            </p:nvSpPr>
+            <p:spPr>
+              <a:xfrm>
+                <a:off x="5093248" y="3692361"/>
+                <a:ext cx="657103" cy="276999"/>
+              </a:xfrm>
+              <a:prstGeom prst="rect">
+                <a:avLst/>
+              </a:prstGeom>
+              <a:noFill/>
+            </p:spPr>
+            <p:txBody>
+              <a:bodyPr wrap="none" rtlCol="0">
+                <a:spAutoFit/>
+              </a:bodyPr>
+              <a:lstStyle/>
+              <a:p>
+                <a:r>
+                  <a:rPr lang="en-US" sz="1200" dirty="0"/>
+                  <a:t>Follows</a:t>
+                </a:r>
+                <a:endParaRPr lang="en-US" sz="1100" dirty="0"/>
+              </a:p>
+            </p:txBody>
+          </p:sp>
+          <p:sp>
+            <p:nvSpPr>
+              <p:cNvPr id="218" name="TextBox 217"/>
+              <p:cNvSpPr txBox="1"/>
+              <p:nvPr/>
+            </p:nvSpPr>
+            <p:spPr>
+              <a:xfrm>
+                <a:off x="4717010" y="4144803"/>
+                <a:ext cx="718851" cy="276999"/>
+              </a:xfrm>
+              <a:prstGeom prst="rect">
+                <a:avLst/>
+              </a:prstGeom>
+              <a:noFill/>
+            </p:spPr>
+            <p:txBody>
+              <a:bodyPr wrap="none" rtlCol="0">
+                <a:spAutoFit/>
+              </a:bodyPr>
+              <a:lstStyle/>
+              <a:p>
+                <a:r>
+                  <a:rPr lang="en-US" sz="1200" dirty="0"/>
+                  <a:t>Enforces</a:t>
+                </a:r>
+              </a:p>
+            </p:txBody>
+          </p:sp>
+          <p:sp>
+            <p:nvSpPr>
+              <p:cNvPr id="219" name="TextBox 218"/>
+              <p:cNvSpPr txBox="1"/>
+              <p:nvPr/>
+            </p:nvSpPr>
+            <p:spPr>
+              <a:xfrm>
+                <a:off x="4269331" y="4582958"/>
+                <a:ext cx="856709" cy="276999"/>
+              </a:xfrm>
+              <a:prstGeom prst="rect">
+                <a:avLst/>
+              </a:prstGeom>
+              <a:noFill/>
+            </p:spPr>
+            <p:txBody>
+              <a:bodyPr wrap="none" rtlCol="0">
+                <a:spAutoFit/>
+              </a:bodyPr>
+              <a:lstStyle/>
+              <a:p>
+                <a:r>
+                  <a:rPr lang="en-US" sz="1200" dirty="0"/>
+                  <a:t>Challenges</a:t>
+                </a:r>
+              </a:p>
+            </p:txBody>
+          </p:sp>
+          <p:sp>
+            <p:nvSpPr>
+              <p:cNvPr id="220" name="TextBox 219"/>
+              <p:cNvSpPr txBox="1"/>
+              <p:nvPr/>
+            </p:nvSpPr>
+            <p:spPr>
+              <a:xfrm>
+                <a:off x="4221713" y="5049688"/>
+                <a:ext cx="643061" cy="276999"/>
+              </a:xfrm>
+              <a:prstGeom prst="rect">
+                <a:avLst/>
+              </a:prstGeom>
+              <a:noFill/>
+            </p:spPr>
+            <p:txBody>
+              <a:bodyPr wrap="none" rtlCol="0">
+                <a:spAutoFit/>
+              </a:bodyPr>
+              <a:lstStyle/>
+              <a:p>
+                <a:r>
+                  <a:rPr lang="en-US" sz="1200" dirty="0"/>
+                  <a:t>Adjusts</a:t>
+                </a:r>
+              </a:p>
+            </p:txBody>
+          </p:sp>
+          <p:sp>
+            <p:nvSpPr>
+              <p:cNvPr id="221" name="TextBox 220"/>
+              <p:cNvSpPr txBox="1"/>
+              <p:nvPr/>
+            </p:nvSpPr>
+            <p:spPr>
+              <a:xfrm>
+                <a:off x="4102658" y="5373536"/>
+                <a:ext cx="484428" cy="461665"/>
+              </a:xfrm>
+              <a:prstGeom prst="rect">
+                <a:avLst/>
+              </a:prstGeom>
+              <a:noFill/>
+            </p:spPr>
+            <p:txBody>
+              <a:bodyPr wrap="none" rtlCol="0">
+                <a:spAutoFit/>
+              </a:bodyPr>
+              <a:lstStyle/>
+              <a:p>
+                <a:r>
+                  <a:rPr lang="en-US" sz="1200" dirty="0"/>
+                  <a:t>De-</a:t>
+                </a:r>
+              </a:p>
+              <a:p>
+                <a:r>
+                  <a:rPr lang="en-US" sz="1200" dirty="0"/>
+                  <a:t>fines</a:t>
+                </a:r>
+              </a:p>
+            </p:txBody>
+          </p:sp>
+        </p:grpSp>
+      </p:grpSp>
+    </p:spTree>
+    <p:extLst>
+      <p:ext uri="{BB962C8B-B14F-4D97-AF65-F5344CB8AC3E}">
+        <p14:creationId xmlns:p14="http://schemas.microsoft.com/office/powerpoint/2010/main" val="1045165354"/>
+      </p:ext>
+    </p:extLst>
+  </p:cSld>
+  <p:clrMapOvr>
+    <a:masterClrMapping/>
+  </p:clrMapOvr>
+</p:sld>
+</file>
+
+<file path=ppt/slides/slide11.xml><?xml version="1.0" encoding="utf-8"?>
+<p:sld xmlns:a="http://schemas.openxmlformats.org/drawingml/2006/main" xmlns:r="http://schemas.openxmlformats.org/officeDocument/2006/relationships" xmlns:p="http://schemas.openxmlformats.org/presentationml/2006/main">
+  <p:cSld>
+    <p:spTree>
+      <p:nvGrpSpPr>
+        <p:cNvPr id="1" name=""/>
+        <p:cNvGrpSpPr/>
+        <p:nvPr/>
+      </p:nvGrpSpPr>
+      <p:grpSpPr>
+        <a:xfrm>
+          <a:off x="0" y="0"/>
+          <a:ext cx="0" cy="0"/>
+          <a:chOff x="0" y="0"/>
+          <a:chExt cx="0" cy="0"/>
+        </a:xfrm>
+      </p:grpSpPr>
+      <p:grpSp>
+        <p:nvGrpSpPr>
           <p:cNvPr id="9" name="Group 8"/>
           <p:cNvGrpSpPr/>
           <p:nvPr/>
@@ -5039,7 +6715,7 @@
 </p:sld>
 </file>
 
-<file path=ppt/slides/slide11.xml><?xml version="1.0" encoding="utf-8"?>
+<file path=ppt/slides/slide12.xml><?xml version="1.0" encoding="utf-8"?>
 <p:sld xmlns:a="http://schemas.openxmlformats.org/drawingml/2006/main" xmlns:r="http://schemas.openxmlformats.org/officeDocument/2006/relationships" xmlns:p="http://schemas.openxmlformats.org/presentationml/2006/main">
   <p:cSld>
     <p:spTree>
@@ -6718,7 +8394,7 @@
 </p:sld>
 </file>
 
-<file path=ppt/slides/slide12.xml><?xml version="1.0" encoding="utf-8"?>
+<file path=ppt/slides/slide13.xml><?xml version="1.0" encoding="utf-8"?>
 <p:sld xmlns:a="http://schemas.openxmlformats.org/drawingml/2006/main" xmlns:r="http://schemas.openxmlformats.org/officeDocument/2006/relationships" xmlns:p="http://schemas.openxmlformats.org/presentationml/2006/main">
   <p:cSld>
     <p:spTree>
@@ -8391,7 +10067,7 @@
 </p:sld>
 </file>
 
-<file path=ppt/slides/slide13.xml><?xml version="1.0" encoding="utf-8"?>
+<file path=ppt/slides/slide14.xml><?xml version="1.0" encoding="utf-8"?>
 <p:sld xmlns:a="http://schemas.openxmlformats.org/drawingml/2006/main" xmlns:r="http://schemas.openxmlformats.org/officeDocument/2006/relationships" xmlns:p="http://schemas.openxmlformats.org/presentationml/2006/main">
   <p:cSld>
     <p:spTree>
@@ -10050,7 +11726,7 @@
 </p:sld>
 </file>
 
-<file path=ppt/slides/slide14.xml><?xml version="1.0" encoding="utf-8"?>
+<file path=ppt/slides/slide15.xml><?xml version="1.0" encoding="utf-8"?>
 <p:sld xmlns:a="http://schemas.openxmlformats.org/drawingml/2006/main" xmlns:r="http://schemas.openxmlformats.org/officeDocument/2006/relationships" xmlns:p="http://schemas.openxmlformats.org/presentationml/2006/main">
   <p:cSld>
     <p:spTree>
@@ -11723,7 +13399,7 @@
 </p:sld>
 </file>
 
-<file path=ppt/slides/slide15.xml><?xml version="1.0" encoding="utf-8"?>
+<file path=ppt/slides/slide16.xml><?xml version="1.0" encoding="utf-8"?>
 <p:sld xmlns:a="http://schemas.openxmlformats.org/drawingml/2006/main" xmlns:r="http://schemas.openxmlformats.org/officeDocument/2006/relationships" xmlns:p="http://schemas.openxmlformats.org/presentationml/2006/main">
   <p:cSld>
     <p:spTree>
@@ -13401,7 +15077,7 @@
 </p:sld>
 </file>
 
-<file path=ppt/slides/slide16.xml><?xml version="1.0" encoding="utf-8"?>
+<file path=ppt/slides/slide17.xml><?xml version="1.0" encoding="utf-8"?>
 <p:sld xmlns:a="http://schemas.openxmlformats.org/drawingml/2006/main" xmlns:r="http://schemas.openxmlformats.org/officeDocument/2006/relationships" xmlns:p="http://schemas.openxmlformats.org/presentationml/2006/main">
   <p:cSld>
     <p:spTree>
@@ -15075,7 +16751,7 @@
 </p:sld>
 </file>
 
-<file path=ppt/slides/slide17.xml><?xml version="1.0" encoding="utf-8"?>
+<file path=ppt/slides/slide18.xml><?xml version="1.0" encoding="utf-8"?>
 <p:sld xmlns:a="http://schemas.openxmlformats.org/drawingml/2006/main" xmlns:r="http://schemas.openxmlformats.org/officeDocument/2006/relationships" xmlns:p="http://schemas.openxmlformats.org/presentationml/2006/main">
   <p:cSld>
     <p:spTree>
@@ -16764,7 +18440,7 @@
 </p:sld>
 </file>
 
-<file path=ppt/slides/slide18.xml><?xml version="1.0" encoding="utf-8"?>
+<file path=ppt/slides/slide19.xml><?xml version="1.0" encoding="utf-8"?>
 <p:sld xmlns:a="http://schemas.openxmlformats.org/drawingml/2006/main" xmlns:r="http://schemas.openxmlformats.org/officeDocument/2006/relationships" xmlns:p="http://schemas.openxmlformats.org/presentationml/2006/main">
   <p:cSld>
     <p:spTree>
@@ -18443,1692 +20119,6 @@
     <p:extLst>
       <p:ext uri="{BB962C8B-B14F-4D97-AF65-F5344CB8AC3E}">
         <p14:creationId xmlns:p14="http://schemas.microsoft.com/office/powerpoint/2010/main" val="3524152949"/>
-      </p:ext>
-    </p:extLst>
-  </p:cSld>
-  <p:clrMapOvr>
-    <a:masterClrMapping/>
-  </p:clrMapOvr>
-</p:sld>
-</file>
-
-<file path=ppt/slides/slide19.xml><?xml version="1.0" encoding="utf-8"?>
-<p:sld xmlns:a="http://schemas.openxmlformats.org/drawingml/2006/main" xmlns:r="http://schemas.openxmlformats.org/officeDocument/2006/relationships" xmlns:p="http://schemas.openxmlformats.org/presentationml/2006/main">
-  <p:cSld>
-    <p:spTree>
-      <p:nvGrpSpPr>
-        <p:cNvPr id="1" name=""/>
-        <p:cNvGrpSpPr/>
-        <p:nvPr/>
-      </p:nvGrpSpPr>
-      <p:grpSpPr>
-        <a:xfrm>
-          <a:off x="0" y="0"/>
-          <a:ext cx="0" cy="0"/>
-          <a:chOff x="0" y="0"/>
-          <a:chExt cx="0" cy="0"/>
-        </a:xfrm>
-      </p:grpSpPr>
-      <p:grpSp>
-        <p:nvGrpSpPr>
-          <p:cNvPr id="8" name="Group 7"/>
-          <p:cNvGrpSpPr/>
-          <p:nvPr/>
-        </p:nvGrpSpPr>
-        <p:grpSpPr>
-          <a:xfrm>
-            <a:off x="1390167" y="517330"/>
-            <a:ext cx="8374923" cy="6255909"/>
-            <a:chOff x="1390167" y="279824"/>
-            <a:chExt cx="8374923" cy="6255909"/>
-          </a:xfrm>
-        </p:grpSpPr>
-        <p:sp>
-          <p:nvSpPr>
-            <p:cNvPr id="99" name="Rectangle 98"/>
-            <p:cNvSpPr/>
-            <p:nvPr/>
-          </p:nvSpPr>
-          <p:spPr>
-            <a:xfrm>
-              <a:off x="1390167" y="279824"/>
-              <a:ext cx="740908" cy="369332"/>
-            </a:xfrm>
-            <a:prstGeom prst="rect">
-              <a:avLst/>
-            </a:prstGeom>
-            <a:ln>
-              <a:solidFill>
-                <a:schemeClr val="tx1"/>
-              </a:solidFill>
-            </a:ln>
-          </p:spPr>
-          <p:txBody>
-            <a:bodyPr wrap="none">
-              <a:spAutoFit/>
-            </a:bodyPr>
-            <a:lstStyle/>
-            <a:p>
-              <a:r>
-                <a:rPr lang="en-US" b="1" dirty="0">
-                  <a:latin typeface="Calibri" charset="0"/>
-                  <a:ea typeface="Calibri" charset="0"/>
-                  <a:cs typeface="Times New Roman" charset="0"/>
-                </a:rPr>
-                <a:t>TPM6</a:t>
-              </a:r>
-              <a:endParaRPr lang="en-US" dirty="0"/>
-            </a:p>
-          </p:txBody>
-        </p:sp>
-        <p:grpSp>
-          <p:nvGrpSpPr>
-            <p:cNvPr id="63" name="Group 62"/>
-            <p:cNvGrpSpPr/>
-            <p:nvPr/>
-          </p:nvGrpSpPr>
-          <p:grpSpPr>
-            <a:xfrm>
-              <a:off x="4117657" y="2480077"/>
-              <a:ext cx="3423350" cy="3203927"/>
-              <a:chOff x="4117657" y="2480077"/>
-              <a:chExt cx="3423350" cy="3203927"/>
-            </a:xfrm>
-          </p:grpSpPr>
-          <p:cxnSp>
-            <p:nvCxnSpPr>
-              <p:cNvPr id="72" name="Straight Connector 71"/>
-              <p:cNvCxnSpPr>
-                <a:cxnSpLocks/>
-                <a:stCxn id="183" idx="0"/>
-                <a:endCxn id="181" idx="1"/>
-              </p:cNvCxnSpPr>
-              <p:nvPr/>
-            </p:nvCxnSpPr>
-            <p:spPr>
-              <a:xfrm flipH="1">
-                <a:off x="4117657" y="2486033"/>
-                <a:ext cx="1920914" cy="457005"/>
-              </a:xfrm>
-              <a:prstGeom prst="line">
-                <a:avLst/>
-              </a:prstGeom>
-              <a:ln w="25400">
-                <a:solidFill>
-                  <a:schemeClr val="accent2"/>
-                </a:solidFill>
-              </a:ln>
-            </p:spPr>
-            <p:style>
-              <a:lnRef idx="1">
-                <a:schemeClr val="accent1"/>
-              </a:lnRef>
-              <a:fillRef idx="0">
-                <a:schemeClr val="accent1"/>
-              </a:fillRef>
-              <a:effectRef idx="0">
-                <a:schemeClr val="accent1"/>
-              </a:effectRef>
-              <a:fontRef idx="minor">
-                <a:schemeClr val="tx1"/>
-              </a:fontRef>
-            </p:style>
-          </p:cxnSp>
-          <p:cxnSp>
-            <p:nvCxnSpPr>
-              <p:cNvPr id="89" name="Straight Connector 88"/>
-              <p:cNvCxnSpPr>
-                <a:cxnSpLocks/>
-                <a:stCxn id="149" idx="1"/>
-              </p:cNvCxnSpPr>
-              <p:nvPr/>
-            </p:nvCxnSpPr>
-            <p:spPr>
-              <a:xfrm>
-                <a:off x="5999192" y="2480077"/>
-                <a:ext cx="1504062" cy="633950"/>
-              </a:xfrm>
-              <a:prstGeom prst="line">
-                <a:avLst/>
-              </a:prstGeom>
-              <a:ln w="25400">
-                <a:solidFill>
-                  <a:schemeClr val="accent2"/>
-                </a:solidFill>
-              </a:ln>
-            </p:spPr>
-            <p:style>
-              <a:lnRef idx="1">
-                <a:schemeClr val="accent1"/>
-              </a:lnRef>
-              <a:fillRef idx="0">
-                <a:schemeClr val="accent1"/>
-              </a:fillRef>
-              <a:effectRef idx="0">
-                <a:schemeClr val="accent1"/>
-              </a:effectRef>
-              <a:fontRef idx="minor">
-                <a:schemeClr val="tx1"/>
-              </a:fontRef>
-            </p:style>
-          </p:cxnSp>
-          <p:cxnSp>
-            <p:nvCxnSpPr>
-              <p:cNvPr id="90" name="Straight Connector 89"/>
-              <p:cNvCxnSpPr>
-                <a:cxnSpLocks/>
-                <a:stCxn id="180" idx="2"/>
-                <a:endCxn id="181" idx="1"/>
-              </p:cNvCxnSpPr>
-              <p:nvPr/>
-            </p:nvCxnSpPr>
-            <p:spPr>
-              <a:xfrm flipH="1" flipV="1">
-                <a:off x="4117657" y="2943038"/>
-                <a:ext cx="456422" cy="2740964"/>
-              </a:xfrm>
-              <a:prstGeom prst="line">
-                <a:avLst/>
-              </a:prstGeom>
-              <a:ln w="25400">
-                <a:solidFill>
-                  <a:schemeClr val="accent2"/>
-                </a:solidFill>
-              </a:ln>
-            </p:spPr>
-            <p:style>
-              <a:lnRef idx="1">
-                <a:schemeClr val="accent1"/>
-              </a:lnRef>
-              <a:fillRef idx="0">
-                <a:schemeClr val="accent1"/>
-              </a:fillRef>
-              <a:effectRef idx="0">
-                <a:schemeClr val="accent1"/>
-              </a:effectRef>
-              <a:fontRef idx="minor">
-                <a:schemeClr val="tx1"/>
-              </a:fontRef>
-            </p:style>
-          </p:cxnSp>
-          <p:cxnSp>
-            <p:nvCxnSpPr>
-              <p:cNvPr id="92" name="Straight Connector 91"/>
-              <p:cNvCxnSpPr>
-                <a:cxnSpLocks/>
-                <a:endCxn id="180" idx="4"/>
-              </p:cNvCxnSpPr>
-              <p:nvPr/>
-            </p:nvCxnSpPr>
-            <p:spPr>
-              <a:xfrm flipV="1">
-                <a:off x="4551657" y="5684002"/>
-                <a:ext cx="2989350" cy="2"/>
-              </a:xfrm>
-              <a:prstGeom prst="line">
-                <a:avLst/>
-              </a:prstGeom>
-              <a:ln w="25400">
-                <a:solidFill>
-                  <a:schemeClr val="accent2"/>
-                </a:solidFill>
-              </a:ln>
-            </p:spPr>
-            <p:style>
-              <a:lnRef idx="1">
-                <a:schemeClr val="accent1"/>
-              </a:lnRef>
-              <a:fillRef idx="0">
-                <a:schemeClr val="accent1"/>
-              </a:fillRef>
-              <a:effectRef idx="0">
-                <a:schemeClr val="accent1"/>
-              </a:effectRef>
-              <a:fontRef idx="minor">
-                <a:schemeClr val="tx1"/>
-              </a:fontRef>
-            </p:style>
-          </p:cxnSp>
-          <p:cxnSp>
-            <p:nvCxnSpPr>
-              <p:cNvPr id="98" name="Straight Connector 97"/>
-              <p:cNvCxnSpPr>
-                <a:cxnSpLocks/>
-              </p:cNvCxnSpPr>
-              <p:nvPr/>
-            </p:nvCxnSpPr>
-            <p:spPr>
-              <a:xfrm>
-                <a:off x="7507796" y="3089946"/>
-                <a:ext cx="33211" cy="2594056"/>
-              </a:xfrm>
-              <a:prstGeom prst="line">
-                <a:avLst/>
-              </a:prstGeom>
-              <a:ln w="25400">
-                <a:solidFill>
-                  <a:schemeClr val="accent2"/>
-                </a:solidFill>
-              </a:ln>
-            </p:spPr>
-            <p:style>
-              <a:lnRef idx="1">
-                <a:schemeClr val="accent1"/>
-              </a:lnRef>
-              <a:fillRef idx="0">
-                <a:schemeClr val="accent1"/>
-              </a:fillRef>
-              <a:effectRef idx="0">
-                <a:schemeClr val="accent1"/>
-              </a:effectRef>
-              <a:fontRef idx="minor">
-                <a:schemeClr val="tx1"/>
-              </a:fontRef>
-            </p:style>
-          </p:cxnSp>
-        </p:grpSp>
-        <p:grpSp>
-          <p:nvGrpSpPr>
-            <p:cNvPr id="146" name="Group 145"/>
-            <p:cNvGrpSpPr/>
-            <p:nvPr/>
-          </p:nvGrpSpPr>
-          <p:grpSpPr>
-            <a:xfrm>
-              <a:off x="2108011" y="282434"/>
-              <a:ext cx="7657079" cy="6253299"/>
-              <a:chOff x="2108011" y="282434"/>
-              <a:chExt cx="7657079" cy="6253299"/>
-            </a:xfrm>
-          </p:grpSpPr>
-          <p:grpSp>
-            <p:nvGrpSpPr>
-              <p:cNvPr id="147" name="Group 146"/>
-              <p:cNvGrpSpPr/>
-              <p:nvPr/>
-            </p:nvGrpSpPr>
-            <p:grpSpPr>
-              <a:xfrm>
-                <a:off x="3171825" y="657224"/>
-                <a:ext cx="5760720" cy="5486400"/>
-                <a:chOff x="3171825" y="657224"/>
-                <a:chExt cx="5760720" cy="5486400"/>
-              </a:xfrm>
-            </p:grpSpPr>
-            <p:grpSp>
-              <p:nvGrpSpPr>
-                <p:cNvPr id="178" name="Group 177"/>
-                <p:cNvGrpSpPr/>
-                <p:nvPr/>
-              </p:nvGrpSpPr>
-              <p:grpSpPr>
-                <a:xfrm>
-                  <a:off x="3171825" y="657224"/>
-                  <a:ext cx="5760720" cy="5486400"/>
-                  <a:chOff x="3171825" y="657224"/>
-                  <a:chExt cx="5760720" cy="5486400"/>
-                </a:xfrm>
-              </p:grpSpPr>
-              <p:sp>
-                <p:nvSpPr>
-                  <p:cNvPr id="185" name="Regular Pentagon 184"/>
-                  <p:cNvSpPr>
-                    <a:spLocks noChangeAspect="1"/>
-                  </p:cNvSpPr>
-                  <p:nvPr/>
-                </p:nvSpPr>
-                <p:spPr>
-                  <a:xfrm>
-                    <a:off x="3171825" y="657224"/>
-                    <a:ext cx="5760720" cy="5486400"/>
-                  </a:xfrm>
-                  <a:prstGeom prst="pentagon">
-                    <a:avLst/>
-                  </a:prstGeom>
-                  <a:noFill/>
-                  <a:ln w="19050"/>
-                </p:spPr>
-                <p:style>
-                  <a:lnRef idx="2">
-                    <a:schemeClr val="dk1"/>
-                  </a:lnRef>
-                  <a:fillRef idx="1">
-                    <a:schemeClr val="lt1"/>
-                  </a:fillRef>
-                  <a:effectRef idx="0">
-                    <a:schemeClr val="dk1"/>
-                  </a:effectRef>
-                  <a:fontRef idx="minor">
-                    <a:schemeClr val="dk1"/>
-                  </a:fontRef>
-                </p:style>
-                <p:txBody>
-                  <a:bodyPr rtlCol="0" anchor="ctr"/>
-                  <a:lstStyle/>
-                  <a:p>
-                    <a:pPr algn="ctr"/>
-                    <a:endParaRPr lang="en-US"/>
-                  </a:p>
-                </p:txBody>
-              </p:sp>
-              <p:cxnSp>
-                <p:nvCxnSpPr>
-                  <p:cNvPr id="186" name="Straight Connector 185"/>
-                  <p:cNvCxnSpPr/>
-                  <p:nvPr/>
-                </p:nvCxnSpPr>
-                <p:spPr>
-                  <a:xfrm>
-                    <a:off x="6037897" y="657224"/>
-                    <a:ext cx="0" cy="2743200"/>
-                  </a:xfrm>
-                  <a:prstGeom prst="line">
-                    <a:avLst/>
-                  </a:prstGeom>
-                  <a:ln w="19050"/>
-                </p:spPr>
-                <p:style>
-                  <a:lnRef idx="3">
-                    <a:schemeClr val="dk1"/>
-                  </a:lnRef>
-                  <a:fillRef idx="0">
-                    <a:schemeClr val="dk1"/>
-                  </a:fillRef>
-                  <a:effectRef idx="2">
-                    <a:schemeClr val="dk1"/>
-                  </a:effectRef>
-                  <a:fontRef idx="minor">
-                    <a:schemeClr val="tx1"/>
-                  </a:fontRef>
-                </p:style>
-              </p:cxnSp>
-              <p:cxnSp>
-                <p:nvCxnSpPr>
-                  <p:cNvPr id="187" name="Straight Connector 186"/>
-                  <p:cNvCxnSpPr>
-                    <a:endCxn id="174" idx="2"/>
-                  </p:cNvCxnSpPr>
-                  <p:nvPr/>
-                </p:nvCxnSpPr>
-                <p:spPr>
-                  <a:xfrm flipH="1">
-                    <a:off x="4272028" y="3400424"/>
-                    <a:ext cx="1765869" cy="2743186"/>
-                  </a:xfrm>
-                  <a:prstGeom prst="line">
-                    <a:avLst/>
-                  </a:prstGeom>
-                  <a:ln w="19050"/>
-                </p:spPr>
-                <p:style>
-                  <a:lnRef idx="3">
-                    <a:schemeClr val="dk1"/>
-                  </a:lnRef>
-                  <a:fillRef idx="0">
-                    <a:schemeClr val="dk1"/>
-                  </a:fillRef>
-                  <a:effectRef idx="2">
-                    <a:schemeClr val="dk1"/>
-                  </a:effectRef>
-                  <a:fontRef idx="minor">
-                    <a:schemeClr val="tx1"/>
-                  </a:fontRef>
-                </p:style>
-              </p:cxnSp>
-              <p:cxnSp>
-                <p:nvCxnSpPr>
-                  <p:cNvPr id="188" name="Straight Connector 187"/>
-                  <p:cNvCxnSpPr>
-                    <a:endCxn id="174" idx="4"/>
-                  </p:cNvCxnSpPr>
-                  <p:nvPr/>
-                </p:nvCxnSpPr>
-                <p:spPr>
-                  <a:xfrm>
-                    <a:off x="6037897" y="3400410"/>
-                    <a:ext cx="1794445" cy="2743200"/>
-                  </a:xfrm>
-                  <a:prstGeom prst="line">
-                    <a:avLst/>
-                  </a:prstGeom>
-                  <a:ln w="19050"/>
-                </p:spPr>
-                <p:style>
-                  <a:lnRef idx="3">
-                    <a:schemeClr val="dk1"/>
-                  </a:lnRef>
-                  <a:fillRef idx="0">
-                    <a:schemeClr val="dk1"/>
-                  </a:fillRef>
-                  <a:effectRef idx="2">
-                    <a:schemeClr val="dk1"/>
-                  </a:effectRef>
-                  <a:fontRef idx="minor">
-                    <a:schemeClr val="tx1"/>
-                  </a:fontRef>
-                </p:style>
-              </p:cxnSp>
-              <p:cxnSp>
-                <p:nvCxnSpPr>
-                  <p:cNvPr id="189" name="Straight Connector 188"/>
-                  <p:cNvCxnSpPr>
-                    <a:endCxn id="174" idx="1"/>
-                  </p:cNvCxnSpPr>
-                  <p:nvPr/>
-                </p:nvCxnSpPr>
-                <p:spPr>
-                  <a:xfrm flipH="1" flipV="1">
-                    <a:off x="3171831" y="2752837"/>
-                    <a:ext cx="2880354" cy="647559"/>
-                  </a:xfrm>
-                  <a:prstGeom prst="line">
-                    <a:avLst/>
-                  </a:prstGeom>
-                  <a:ln w="19050"/>
-                </p:spPr>
-                <p:style>
-                  <a:lnRef idx="3">
-                    <a:schemeClr val="dk1"/>
-                  </a:lnRef>
-                  <a:fillRef idx="0">
-                    <a:schemeClr val="dk1"/>
-                  </a:fillRef>
-                  <a:effectRef idx="2">
-                    <a:schemeClr val="dk1"/>
-                  </a:effectRef>
-                  <a:fontRef idx="minor">
-                    <a:schemeClr val="tx1"/>
-                  </a:fontRef>
-                </p:style>
-              </p:cxnSp>
-              <p:cxnSp>
-                <p:nvCxnSpPr>
-                  <p:cNvPr id="190" name="Straight Connector 189"/>
-                  <p:cNvCxnSpPr>
-                    <a:stCxn id="174" idx="5"/>
-                  </p:cNvCxnSpPr>
-                  <p:nvPr/>
-                </p:nvCxnSpPr>
-                <p:spPr>
-                  <a:xfrm flipH="1">
-                    <a:off x="6023611" y="2752837"/>
-                    <a:ext cx="2908928" cy="647559"/>
-                  </a:xfrm>
-                  <a:prstGeom prst="line">
-                    <a:avLst/>
-                  </a:prstGeom>
-                  <a:ln w="19050"/>
-                </p:spPr>
-                <p:style>
-                  <a:lnRef idx="3">
-                    <a:schemeClr val="dk1"/>
-                  </a:lnRef>
-                  <a:fillRef idx="0">
-                    <a:schemeClr val="dk1"/>
-                  </a:fillRef>
-                  <a:effectRef idx="2">
-                    <a:schemeClr val="dk1"/>
-                  </a:effectRef>
-                  <a:fontRef idx="minor">
-                    <a:schemeClr val="tx1"/>
-                  </a:fontRef>
-                </p:style>
-              </p:cxnSp>
-            </p:grpSp>
-            <p:grpSp>
-              <p:nvGrpSpPr>
-                <p:cNvPr id="179" name="Group 178"/>
-                <p:cNvGrpSpPr/>
-                <p:nvPr/>
-              </p:nvGrpSpPr>
-              <p:grpSpPr>
-                <a:xfrm>
-                  <a:off x="3657243" y="1112014"/>
-                  <a:ext cx="4800600" cy="4572000"/>
-                  <a:chOff x="3657243" y="1112014"/>
-                  <a:chExt cx="4800600" cy="4572000"/>
-                </a:xfrm>
-              </p:grpSpPr>
-              <p:sp>
-                <p:nvSpPr>
-                  <p:cNvPr id="180" name="Regular Pentagon 179"/>
-                  <p:cNvSpPr>
-                    <a:spLocks noChangeAspect="1"/>
-                  </p:cNvSpPr>
-                  <p:nvPr/>
-                </p:nvSpPr>
-                <p:spPr>
-                  <a:xfrm>
-                    <a:off x="3657243" y="1112014"/>
-                    <a:ext cx="4800600" cy="4572000"/>
-                  </a:xfrm>
-                  <a:prstGeom prst="pentagon">
-                    <a:avLst/>
-                  </a:prstGeom>
-                  <a:noFill/>
-                  <a:ln w="12700">
-                    <a:solidFill>
-                      <a:schemeClr val="bg1">
-                        <a:lumMod val="65000"/>
-                      </a:schemeClr>
-                    </a:solidFill>
-                    <a:prstDash val="dash"/>
-                  </a:ln>
-                </p:spPr>
-                <p:style>
-                  <a:lnRef idx="2">
-                    <a:schemeClr val="dk1"/>
-                  </a:lnRef>
-                  <a:fillRef idx="1">
-                    <a:schemeClr val="lt1"/>
-                  </a:fillRef>
-                  <a:effectRef idx="0">
-                    <a:schemeClr val="dk1"/>
-                  </a:effectRef>
-                  <a:fontRef idx="minor">
-                    <a:schemeClr val="dk1"/>
-                  </a:fontRef>
-                </p:style>
-                <p:txBody>
-                  <a:bodyPr rtlCol="0" anchor="ctr"/>
-                  <a:lstStyle/>
-                  <a:p>
-                    <a:pPr algn="ctr"/>
-                    <a:endParaRPr lang="en-US"/>
-                  </a:p>
-                </p:txBody>
-              </p:sp>
-              <p:sp>
-                <p:nvSpPr>
-                  <p:cNvPr id="181" name="Regular Pentagon 180"/>
-                  <p:cNvSpPr>
-                    <a:spLocks noChangeAspect="1"/>
-                  </p:cNvSpPr>
-                  <p:nvPr/>
-                </p:nvSpPr>
-                <p:spPr>
-                  <a:xfrm>
-                    <a:off x="4117653" y="1545963"/>
-                    <a:ext cx="3840480" cy="3657600"/>
-                  </a:xfrm>
-                  <a:prstGeom prst="pentagon">
-                    <a:avLst/>
-                  </a:prstGeom>
-                  <a:noFill/>
-                  <a:ln w="12700">
-                    <a:solidFill>
-                      <a:schemeClr val="bg1">
-                        <a:lumMod val="65000"/>
-                      </a:schemeClr>
-                    </a:solidFill>
-                    <a:prstDash val="dash"/>
-                  </a:ln>
-                </p:spPr>
-                <p:style>
-                  <a:lnRef idx="2">
-                    <a:schemeClr val="dk1"/>
-                  </a:lnRef>
-                  <a:fillRef idx="1">
-                    <a:schemeClr val="lt1"/>
-                  </a:fillRef>
-                  <a:effectRef idx="0">
-                    <a:schemeClr val="dk1"/>
-                  </a:effectRef>
-                  <a:fontRef idx="minor">
-                    <a:schemeClr val="dk1"/>
-                  </a:fontRef>
-                </p:style>
-                <p:txBody>
-                  <a:bodyPr rtlCol="0" anchor="ctr"/>
-                  <a:lstStyle/>
-                  <a:p>
-                    <a:pPr algn="ctr"/>
-                    <a:endParaRPr lang="en-US"/>
-                  </a:p>
-                </p:txBody>
-              </p:sp>
-              <p:sp>
-                <p:nvSpPr>
-                  <p:cNvPr id="182" name="Regular Pentagon 181"/>
-                  <p:cNvSpPr>
-                    <a:spLocks noChangeAspect="1"/>
-                  </p:cNvSpPr>
-                  <p:nvPr/>
-                </p:nvSpPr>
-                <p:spPr>
-                  <a:xfrm>
-                    <a:off x="4614937" y="2027191"/>
-                    <a:ext cx="2880360" cy="2743200"/>
-                  </a:xfrm>
-                  <a:prstGeom prst="pentagon">
-                    <a:avLst/>
-                  </a:prstGeom>
-                  <a:noFill/>
-                  <a:ln w="12700">
-                    <a:solidFill>
-                      <a:schemeClr val="bg1">
-                        <a:lumMod val="65000"/>
-                      </a:schemeClr>
-                    </a:solidFill>
-                    <a:prstDash val="dash"/>
-                  </a:ln>
-                </p:spPr>
-                <p:style>
-                  <a:lnRef idx="2">
-                    <a:schemeClr val="dk1"/>
-                  </a:lnRef>
-                  <a:fillRef idx="1">
-                    <a:schemeClr val="lt1"/>
-                  </a:fillRef>
-                  <a:effectRef idx="0">
-                    <a:schemeClr val="dk1"/>
-                  </a:effectRef>
-                  <a:fontRef idx="minor">
-                    <a:schemeClr val="dk1"/>
-                  </a:fontRef>
-                </p:style>
-                <p:txBody>
-                  <a:bodyPr rtlCol="0" anchor="ctr"/>
-                  <a:lstStyle/>
-                  <a:p>
-                    <a:pPr algn="ctr"/>
-                    <a:endParaRPr lang="en-US" dirty="0"/>
-                  </a:p>
-                </p:txBody>
-              </p:sp>
-              <p:sp>
-                <p:nvSpPr>
-                  <p:cNvPr id="183" name="Regular Pentagon 182"/>
-                  <p:cNvSpPr>
-                    <a:spLocks noChangeAspect="1"/>
-                  </p:cNvSpPr>
-                  <p:nvPr/>
-                </p:nvSpPr>
-                <p:spPr>
-                  <a:xfrm>
-                    <a:off x="5078451" y="2486033"/>
-                    <a:ext cx="1920240" cy="1828800"/>
-                  </a:xfrm>
-                  <a:prstGeom prst="pentagon">
-                    <a:avLst/>
-                  </a:prstGeom>
-                  <a:noFill/>
-                  <a:ln w="12700">
-                    <a:solidFill>
-                      <a:schemeClr val="bg1">
-                        <a:lumMod val="65000"/>
-                      </a:schemeClr>
-                    </a:solidFill>
-                    <a:prstDash val="dash"/>
-                  </a:ln>
-                </p:spPr>
-                <p:style>
-                  <a:lnRef idx="2">
-                    <a:schemeClr val="dk1"/>
-                  </a:lnRef>
-                  <a:fillRef idx="1">
-                    <a:schemeClr val="lt1"/>
-                  </a:fillRef>
-                  <a:effectRef idx="0">
-                    <a:schemeClr val="dk1"/>
-                  </a:effectRef>
-                  <a:fontRef idx="minor">
-                    <a:schemeClr val="dk1"/>
-                  </a:fontRef>
-                </p:style>
-                <p:txBody>
-                  <a:bodyPr rtlCol="0" anchor="ctr"/>
-                  <a:lstStyle/>
-                  <a:p>
-                    <a:pPr algn="ctr"/>
-                    <a:endParaRPr lang="en-US"/>
-                  </a:p>
-                </p:txBody>
-              </p:sp>
-              <p:sp>
-                <p:nvSpPr>
-                  <p:cNvPr id="184" name="Regular Pentagon 183"/>
-                  <p:cNvSpPr>
-                    <a:spLocks noChangeAspect="1"/>
-                  </p:cNvSpPr>
-                  <p:nvPr/>
-                </p:nvSpPr>
-                <p:spPr>
-                  <a:xfrm>
-                    <a:off x="5566761" y="2928943"/>
-                    <a:ext cx="960120" cy="914400"/>
-                  </a:xfrm>
-                  <a:prstGeom prst="pentagon">
-                    <a:avLst/>
-                  </a:prstGeom>
-                  <a:noFill/>
-                  <a:ln w="12700">
-                    <a:solidFill>
-                      <a:schemeClr val="bg1">
-                        <a:lumMod val="65000"/>
-                      </a:schemeClr>
-                    </a:solidFill>
-                    <a:prstDash val="dash"/>
-                  </a:ln>
-                </p:spPr>
-                <p:style>
-                  <a:lnRef idx="2">
-                    <a:schemeClr val="dk1"/>
-                  </a:lnRef>
-                  <a:fillRef idx="1">
-                    <a:schemeClr val="lt1"/>
-                  </a:fillRef>
-                  <a:effectRef idx="0">
-                    <a:schemeClr val="dk1"/>
-                  </a:effectRef>
-                  <a:fontRef idx="minor">
-                    <a:schemeClr val="dk1"/>
-                  </a:fontRef>
-                </p:style>
-                <p:txBody>
-                  <a:bodyPr rtlCol="0" anchor="ctr"/>
-                  <a:lstStyle/>
-                  <a:p>
-                    <a:pPr algn="ctr"/>
-                    <a:endParaRPr lang="en-US"/>
-                  </a:p>
-                </p:txBody>
-              </p:sp>
-            </p:grpSp>
-          </p:grpSp>
-          <p:sp>
-            <p:nvSpPr>
-              <p:cNvPr id="148" name="TextBox 147"/>
-              <p:cNvSpPr txBox="1"/>
-              <p:nvPr/>
-            </p:nvSpPr>
-            <p:spPr>
-              <a:xfrm>
-                <a:off x="6003957" y="2803547"/>
-                <a:ext cx="628057" cy="276999"/>
-              </a:xfrm>
-              <a:prstGeom prst="rect">
-                <a:avLst/>
-              </a:prstGeom>
-              <a:noFill/>
-            </p:spPr>
-            <p:txBody>
-              <a:bodyPr wrap="none" rtlCol="0">
-                <a:spAutoFit/>
-              </a:bodyPr>
-              <a:lstStyle/>
-              <a:p>
-                <a:r>
-                  <a:rPr lang="en-US" sz="1200" dirty="0"/>
-                  <a:t>Adopts</a:t>
-                </a:r>
-              </a:p>
-            </p:txBody>
-          </p:sp>
-          <p:sp>
-            <p:nvSpPr>
-              <p:cNvPr id="149" name="TextBox 148"/>
-              <p:cNvSpPr txBox="1"/>
-              <p:nvPr/>
-            </p:nvSpPr>
-            <p:spPr>
-              <a:xfrm>
-                <a:off x="5999192" y="2341577"/>
-                <a:ext cx="852926" cy="276999"/>
-              </a:xfrm>
-              <a:prstGeom prst="rect">
-                <a:avLst/>
-              </a:prstGeom>
-              <a:noFill/>
-            </p:spPr>
-            <p:txBody>
-              <a:bodyPr wrap="none" rtlCol="0">
-                <a:spAutoFit/>
-              </a:bodyPr>
-              <a:lstStyle/>
-              <a:p>
-                <a:r>
-                  <a:rPr lang="en-US" sz="1200" dirty="0"/>
-                  <a:t>Specializes</a:t>
-                </a:r>
-              </a:p>
-            </p:txBody>
-          </p:sp>
-          <p:sp>
-            <p:nvSpPr>
-              <p:cNvPr id="150" name="TextBox 149"/>
-              <p:cNvSpPr txBox="1"/>
-              <p:nvPr/>
-            </p:nvSpPr>
-            <p:spPr>
-              <a:xfrm>
-                <a:off x="6008712" y="1893895"/>
-                <a:ext cx="890885" cy="276999"/>
-              </a:xfrm>
-              <a:prstGeom prst="rect">
-                <a:avLst/>
-              </a:prstGeom>
-              <a:noFill/>
-            </p:spPr>
-            <p:txBody>
-              <a:bodyPr wrap="none" rtlCol="0">
-                <a:spAutoFit/>
-              </a:bodyPr>
-              <a:lstStyle/>
-              <a:p>
-                <a:r>
-                  <a:rPr lang="en-US" sz="1200" dirty="0"/>
-                  <a:t>Evangelizes</a:t>
-                </a:r>
-              </a:p>
-            </p:txBody>
-          </p:sp>
-          <p:sp>
-            <p:nvSpPr>
-              <p:cNvPr id="151" name="TextBox 150"/>
-              <p:cNvSpPr txBox="1"/>
-              <p:nvPr/>
-            </p:nvSpPr>
-            <p:spPr>
-              <a:xfrm>
-                <a:off x="6003944" y="1417638"/>
-                <a:ext cx="686983" cy="276999"/>
-              </a:xfrm>
-              <a:prstGeom prst="rect">
-                <a:avLst/>
-              </a:prstGeom>
-              <a:noFill/>
-            </p:spPr>
-            <p:txBody>
-              <a:bodyPr wrap="none" rtlCol="0">
-                <a:spAutoFit/>
-              </a:bodyPr>
-              <a:lstStyle/>
-              <a:p>
-                <a:r>
-                  <a:rPr lang="en-US" sz="1200" dirty="0"/>
-                  <a:t>Masters</a:t>
-                </a:r>
-              </a:p>
-            </p:txBody>
-          </p:sp>
-          <p:sp>
-            <p:nvSpPr>
-              <p:cNvPr id="152" name="TextBox 151"/>
-              <p:cNvSpPr txBox="1"/>
-              <p:nvPr/>
-            </p:nvSpPr>
-            <p:spPr>
-              <a:xfrm>
-                <a:off x="5984888" y="969952"/>
-                <a:ext cx="654218" cy="276999"/>
-              </a:xfrm>
-              <a:prstGeom prst="rect">
-                <a:avLst/>
-              </a:prstGeom>
-              <a:noFill/>
-            </p:spPr>
-            <p:txBody>
-              <a:bodyPr wrap="none" rtlCol="0">
-                <a:spAutoFit/>
-              </a:bodyPr>
-              <a:lstStyle/>
-              <a:p>
-                <a:r>
-                  <a:rPr lang="en-US" sz="1200" dirty="0"/>
-                  <a:t>Creates</a:t>
-                </a:r>
-              </a:p>
-            </p:txBody>
-          </p:sp>
-          <p:sp>
-            <p:nvSpPr>
-              <p:cNvPr id="153" name="TextBox 152"/>
-              <p:cNvSpPr txBox="1"/>
-              <p:nvPr/>
-            </p:nvSpPr>
-            <p:spPr>
-              <a:xfrm>
-                <a:off x="5433536" y="282434"/>
-                <a:ext cx="1243161" cy="369332"/>
-              </a:xfrm>
-              <a:prstGeom prst="rect">
-                <a:avLst/>
-              </a:prstGeom>
-              <a:noFill/>
-            </p:spPr>
-            <p:txBody>
-              <a:bodyPr wrap="none" rtlCol="0">
-                <a:spAutoFit/>
-              </a:bodyPr>
-              <a:lstStyle/>
-              <a:p>
-                <a:r>
-                  <a:rPr lang="en-US" dirty="0"/>
-                  <a:t>Technology</a:t>
-                </a:r>
-              </a:p>
-            </p:txBody>
-          </p:sp>
-          <p:sp>
-            <p:nvSpPr>
-              <p:cNvPr id="154" name="TextBox 153"/>
-              <p:cNvSpPr txBox="1"/>
-              <p:nvPr/>
-            </p:nvSpPr>
-            <p:spPr>
-              <a:xfrm>
-                <a:off x="6084917" y="3356006"/>
-                <a:ext cx="777777" cy="276999"/>
-              </a:xfrm>
-              <a:prstGeom prst="rect">
-                <a:avLst/>
-              </a:prstGeom>
-              <a:noFill/>
-            </p:spPr>
-            <p:txBody>
-              <a:bodyPr wrap="none" rtlCol="0">
-                <a:spAutoFit/>
-              </a:bodyPr>
-              <a:lstStyle/>
-              <a:p>
-                <a:r>
-                  <a:rPr lang="en-US" sz="1200" dirty="0"/>
-                  <a:t>Enhances</a:t>
-                </a:r>
-              </a:p>
-            </p:txBody>
-          </p:sp>
-          <p:sp>
-            <p:nvSpPr>
-              <p:cNvPr id="155" name="TextBox 154"/>
-              <p:cNvSpPr txBox="1"/>
-              <p:nvPr/>
-            </p:nvSpPr>
-            <p:spPr>
-              <a:xfrm>
-                <a:off x="6611019" y="3209017"/>
-                <a:ext cx="665567" cy="276999"/>
-              </a:xfrm>
-              <a:prstGeom prst="rect">
-                <a:avLst/>
-              </a:prstGeom>
-              <a:noFill/>
-            </p:spPr>
-            <p:txBody>
-              <a:bodyPr wrap="none" rtlCol="0">
-                <a:spAutoFit/>
-              </a:bodyPr>
-              <a:lstStyle/>
-              <a:p>
-                <a:r>
-                  <a:rPr lang="en-US" sz="1200" dirty="0"/>
-                  <a:t>Designs</a:t>
-                </a:r>
-              </a:p>
-            </p:txBody>
-          </p:sp>
-          <p:sp>
-            <p:nvSpPr>
-              <p:cNvPr id="156" name="TextBox 155"/>
-              <p:cNvSpPr txBox="1"/>
-              <p:nvPr/>
-            </p:nvSpPr>
-            <p:spPr>
-              <a:xfrm>
-                <a:off x="7106326" y="3089946"/>
-                <a:ext cx="538930" cy="276999"/>
-              </a:xfrm>
-              <a:prstGeom prst="rect">
-                <a:avLst/>
-              </a:prstGeom>
-              <a:noFill/>
-            </p:spPr>
-            <p:txBody>
-              <a:bodyPr wrap="none" rtlCol="0">
-                <a:spAutoFit/>
-              </a:bodyPr>
-              <a:lstStyle/>
-              <a:p>
-                <a:r>
-                  <a:rPr lang="en-US" sz="1200" dirty="0"/>
-                  <a:t>Owns</a:t>
-                </a:r>
-              </a:p>
-            </p:txBody>
-          </p:sp>
-          <p:sp>
-            <p:nvSpPr>
-              <p:cNvPr id="157" name="TextBox 156"/>
-              <p:cNvSpPr txBox="1"/>
-              <p:nvPr/>
-            </p:nvSpPr>
-            <p:spPr>
-              <a:xfrm>
-                <a:off x="7558768" y="2985171"/>
-                <a:ext cx="646395" cy="276999"/>
-              </a:xfrm>
-              <a:prstGeom prst="rect">
-                <a:avLst/>
-              </a:prstGeom>
-              <a:noFill/>
-            </p:spPr>
-            <p:txBody>
-              <a:bodyPr wrap="none" rtlCol="0">
-                <a:spAutoFit/>
-              </a:bodyPr>
-              <a:lstStyle/>
-              <a:p>
-                <a:r>
-                  <a:rPr lang="en-US" sz="1200" dirty="0"/>
-                  <a:t>Evolves</a:t>
-                </a:r>
-              </a:p>
-            </p:txBody>
-          </p:sp>
-          <p:sp>
-            <p:nvSpPr>
-              <p:cNvPr id="158" name="TextBox 157"/>
-              <p:cNvSpPr txBox="1"/>
-              <p:nvPr/>
-            </p:nvSpPr>
-            <p:spPr>
-              <a:xfrm>
-                <a:off x="8139796" y="2866103"/>
-                <a:ext cx="540533" cy="276999"/>
-              </a:xfrm>
-              <a:prstGeom prst="rect">
-                <a:avLst/>
-              </a:prstGeom>
-              <a:noFill/>
-            </p:spPr>
-            <p:txBody>
-              <a:bodyPr wrap="none" rtlCol="0">
-                <a:spAutoFit/>
-              </a:bodyPr>
-              <a:lstStyle/>
-              <a:p>
-                <a:r>
-                  <a:rPr lang="en-US" sz="1200" dirty="0"/>
-                  <a:t>Leads</a:t>
-                </a:r>
-              </a:p>
-            </p:txBody>
-          </p:sp>
-          <p:sp>
-            <p:nvSpPr>
-              <p:cNvPr id="159" name="TextBox 158"/>
-              <p:cNvSpPr txBox="1"/>
-              <p:nvPr/>
-            </p:nvSpPr>
-            <p:spPr>
-              <a:xfrm>
-                <a:off x="8913638" y="2544572"/>
-                <a:ext cx="851452" cy="369332"/>
-              </a:xfrm>
-              <a:prstGeom prst="rect">
-                <a:avLst/>
-              </a:prstGeom>
-              <a:noFill/>
-            </p:spPr>
-            <p:txBody>
-              <a:bodyPr wrap="none" rtlCol="0">
-                <a:spAutoFit/>
-              </a:bodyPr>
-              <a:lstStyle/>
-              <a:p>
-                <a:r>
-                  <a:rPr lang="en-US" dirty="0"/>
-                  <a:t>System</a:t>
-                </a:r>
-              </a:p>
-            </p:txBody>
-          </p:sp>
-          <p:sp>
-            <p:nvSpPr>
-              <p:cNvPr id="160" name="TextBox 159"/>
-              <p:cNvSpPr txBox="1"/>
-              <p:nvPr/>
-            </p:nvSpPr>
-            <p:spPr>
-              <a:xfrm>
-                <a:off x="5165741" y="2994048"/>
-                <a:ext cx="849913" cy="276999"/>
-              </a:xfrm>
-              <a:prstGeom prst="rect">
-                <a:avLst/>
-              </a:prstGeom>
-              <a:noFill/>
-            </p:spPr>
-            <p:txBody>
-              <a:bodyPr wrap="none" rtlCol="0">
-                <a:spAutoFit/>
-              </a:bodyPr>
-              <a:lstStyle/>
-              <a:p>
-                <a:r>
-                  <a:rPr lang="en-US" sz="1200" dirty="0"/>
-                  <a:t>Subsystem</a:t>
-                </a:r>
-              </a:p>
-            </p:txBody>
-          </p:sp>
-          <p:sp>
-            <p:nvSpPr>
-              <p:cNvPr id="161" name="TextBox 160"/>
-              <p:cNvSpPr txBox="1"/>
-              <p:nvPr/>
-            </p:nvSpPr>
-            <p:spPr>
-              <a:xfrm>
-                <a:off x="5018106" y="2803542"/>
-                <a:ext cx="520592" cy="276999"/>
-              </a:xfrm>
-              <a:prstGeom prst="rect">
-                <a:avLst/>
-              </a:prstGeom>
-              <a:noFill/>
-            </p:spPr>
-            <p:txBody>
-              <a:bodyPr wrap="none" rtlCol="0">
-                <a:spAutoFit/>
-              </a:bodyPr>
-              <a:lstStyle/>
-              <a:p>
-                <a:r>
-                  <a:rPr lang="en-US" sz="1200"/>
-                  <a:t>Team</a:t>
-                </a:r>
-                <a:endParaRPr lang="en-US" sz="1200" dirty="0"/>
-              </a:p>
-            </p:txBody>
-          </p:sp>
-          <p:sp>
-            <p:nvSpPr>
-              <p:cNvPr id="162" name="TextBox 161"/>
-              <p:cNvSpPr txBox="1"/>
-              <p:nvPr/>
-            </p:nvSpPr>
-            <p:spPr>
-              <a:xfrm>
-                <a:off x="4498988" y="2598752"/>
-                <a:ext cx="745717" cy="461665"/>
-              </a:xfrm>
-              <a:prstGeom prst="rect">
-                <a:avLst/>
-              </a:prstGeom>
-              <a:noFill/>
-            </p:spPr>
-            <p:txBody>
-              <a:bodyPr wrap="none" rtlCol="0">
-                <a:spAutoFit/>
-              </a:bodyPr>
-              <a:lstStyle/>
-              <a:p>
-                <a:r>
-                  <a:rPr lang="en-US" sz="1200"/>
-                  <a:t>Multiple </a:t>
-                </a:r>
-              </a:p>
-              <a:p>
-                <a:r>
-                  <a:rPr lang="en-US" sz="1200" dirty="0"/>
-                  <a:t>Teams</a:t>
-                </a:r>
-              </a:p>
-            </p:txBody>
-          </p:sp>
-          <p:sp>
-            <p:nvSpPr>
-              <p:cNvPr id="163" name="TextBox 162"/>
-              <p:cNvSpPr txBox="1"/>
-              <p:nvPr/>
-            </p:nvSpPr>
-            <p:spPr>
-              <a:xfrm>
-                <a:off x="3779843" y="2636848"/>
-                <a:ext cx="771814" cy="276999"/>
-              </a:xfrm>
-              <a:prstGeom prst="rect">
-                <a:avLst/>
-              </a:prstGeom>
-              <a:noFill/>
-            </p:spPr>
-            <p:txBody>
-              <a:bodyPr wrap="none" rtlCol="0">
-                <a:spAutoFit/>
-              </a:bodyPr>
-              <a:lstStyle/>
-              <a:p>
-                <a:r>
-                  <a:rPr lang="en-US" sz="1200" dirty="0"/>
-                  <a:t>Company</a:t>
-                </a:r>
-              </a:p>
-            </p:txBody>
-          </p:sp>
-          <p:sp>
-            <p:nvSpPr>
-              <p:cNvPr id="164" name="TextBox 163"/>
-              <p:cNvSpPr txBox="1"/>
-              <p:nvPr/>
-            </p:nvSpPr>
-            <p:spPr>
-              <a:xfrm>
-                <a:off x="3460644" y="2433616"/>
-                <a:ext cx="910827" cy="276999"/>
-              </a:xfrm>
-              <a:prstGeom prst="rect">
-                <a:avLst/>
-              </a:prstGeom>
-              <a:noFill/>
-            </p:spPr>
-            <p:txBody>
-              <a:bodyPr wrap="none" rtlCol="0">
-                <a:spAutoFit/>
-              </a:bodyPr>
-              <a:lstStyle/>
-              <a:p>
-                <a:r>
-                  <a:rPr lang="en-US" sz="1200" dirty="0"/>
-                  <a:t>Community</a:t>
-                </a:r>
-              </a:p>
-            </p:txBody>
-          </p:sp>
-          <p:sp>
-            <p:nvSpPr>
-              <p:cNvPr id="165" name="TextBox 164"/>
-              <p:cNvSpPr txBox="1"/>
-              <p:nvPr/>
-            </p:nvSpPr>
-            <p:spPr>
-              <a:xfrm>
-                <a:off x="2108011" y="2539804"/>
-                <a:ext cx="1058751" cy="369332"/>
-              </a:xfrm>
-              <a:prstGeom prst="rect">
-                <a:avLst/>
-              </a:prstGeom>
-              <a:noFill/>
-            </p:spPr>
-            <p:txBody>
-              <a:bodyPr wrap="none" rtlCol="0">
-                <a:spAutoFit/>
-              </a:bodyPr>
-              <a:lstStyle/>
-              <a:p>
-                <a:r>
-                  <a:rPr lang="en-US" dirty="0"/>
-                  <a:t>Influence</a:t>
-                </a:r>
-              </a:p>
-            </p:txBody>
-          </p:sp>
-          <p:sp>
-            <p:nvSpPr>
-              <p:cNvPr id="166" name="TextBox 165"/>
-              <p:cNvSpPr txBox="1"/>
-              <p:nvPr/>
-            </p:nvSpPr>
-            <p:spPr>
-              <a:xfrm>
-                <a:off x="7416824" y="6166401"/>
-                <a:ext cx="826060" cy="369332"/>
-              </a:xfrm>
-              <a:prstGeom prst="rect">
-                <a:avLst/>
-              </a:prstGeom>
-              <a:noFill/>
-            </p:spPr>
-            <p:txBody>
-              <a:bodyPr wrap="none" rtlCol="0">
-                <a:spAutoFit/>
-              </a:bodyPr>
-              <a:lstStyle/>
-              <a:p>
-                <a:r>
-                  <a:rPr lang="en-US" dirty="0"/>
-                  <a:t>People</a:t>
-                </a:r>
-              </a:p>
-            </p:txBody>
-          </p:sp>
-          <p:sp>
-            <p:nvSpPr>
-              <p:cNvPr id="167" name="TextBox 166"/>
-              <p:cNvSpPr txBox="1"/>
-              <p:nvPr/>
-            </p:nvSpPr>
-            <p:spPr>
-              <a:xfrm>
-                <a:off x="3811595" y="6161638"/>
-                <a:ext cx="894284" cy="369332"/>
-              </a:xfrm>
-              <a:prstGeom prst="rect">
-                <a:avLst/>
-              </a:prstGeom>
-              <a:noFill/>
-            </p:spPr>
-            <p:txBody>
-              <a:bodyPr wrap="none" rtlCol="0">
-                <a:spAutoFit/>
-              </a:bodyPr>
-              <a:lstStyle/>
-              <a:p>
-                <a:r>
-                  <a:rPr lang="en-US" dirty="0"/>
-                  <a:t>Process</a:t>
-                </a:r>
-              </a:p>
-            </p:txBody>
-          </p:sp>
-          <p:sp>
-            <p:nvSpPr>
-              <p:cNvPr id="168" name="TextBox 167"/>
-              <p:cNvSpPr txBox="1"/>
-              <p:nvPr/>
-            </p:nvSpPr>
-            <p:spPr>
-              <a:xfrm>
-                <a:off x="5731357" y="3700439"/>
-                <a:ext cx="593432" cy="276999"/>
-              </a:xfrm>
-              <a:prstGeom prst="rect">
-                <a:avLst/>
-              </a:prstGeom>
-              <a:noFill/>
-            </p:spPr>
-            <p:txBody>
-              <a:bodyPr wrap="none" rtlCol="0">
-                <a:spAutoFit/>
-              </a:bodyPr>
-              <a:lstStyle/>
-              <a:p>
-                <a:r>
-                  <a:rPr lang="en-US" sz="1200" dirty="0"/>
-                  <a:t>Learns</a:t>
-                </a:r>
-              </a:p>
-            </p:txBody>
-          </p:sp>
-          <p:sp>
-            <p:nvSpPr>
-              <p:cNvPr id="169" name="TextBox 168"/>
-              <p:cNvSpPr txBox="1"/>
-              <p:nvPr/>
-            </p:nvSpPr>
-            <p:spPr>
-              <a:xfrm>
-                <a:off x="5869469" y="4167166"/>
-                <a:ext cx="742511" cy="276999"/>
-              </a:xfrm>
-              <a:prstGeom prst="rect">
-                <a:avLst/>
-              </a:prstGeom>
-              <a:noFill/>
-            </p:spPr>
-            <p:txBody>
-              <a:bodyPr wrap="none" rtlCol="0">
-                <a:spAutoFit/>
-              </a:bodyPr>
-              <a:lstStyle/>
-              <a:p>
-                <a:r>
-                  <a:rPr lang="en-US" sz="1200"/>
-                  <a:t>Supports</a:t>
-                </a:r>
-                <a:endParaRPr lang="en-US" sz="1200" dirty="0"/>
-              </a:p>
-            </p:txBody>
-          </p:sp>
-          <p:sp>
-            <p:nvSpPr>
-              <p:cNvPr id="170" name="TextBox 169"/>
-              <p:cNvSpPr txBox="1"/>
-              <p:nvPr/>
-            </p:nvSpPr>
-            <p:spPr>
-              <a:xfrm>
-                <a:off x="6221886" y="4605321"/>
-                <a:ext cx="714619" cy="276999"/>
-              </a:xfrm>
-              <a:prstGeom prst="rect">
-                <a:avLst/>
-              </a:prstGeom>
-              <a:noFill/>
-            </p:spPr>
-            <p:txBody>
-              <a:bodyPr wrap="none" rtlCol="0">
-                <a:spAutoFit/>
-              </a:bodyPr>
-              <a:lstStyle/>
-              <a:p>
-                <a:r>
-                  <a:rPr lang="en-US" sz="1200"/>
-                  <a:t>Mentors</a:t>
-                </a:r>
-                <a:endParaRPr lang="en-US" sz="1200" dirty="0"/>
-              </a:p>
-            </p:txBody>
-          </p:sp>
-          <p:sp>
-            <p:nvSpPr>
-              <p:cNvPr id="171" name="TextBox 170"/>
-              <p:cNvSpPr txBox="1"/>
-              <p:nvPr/>
-            </p:nvSpPr>
-            <p:spPr>
-              <a:xfrm>
-                <a:off x="6231406" y="5057759"/>
-                <a:ext cx="936347" cy="276999"/>
-              </a:xfrm>
-              <a:prstGeom prst="rect">
-                <a:avLst/>
-              </a:prstGeom>
-              <a:noFill/>
-            </p:spPr>
-            <p:txBody>
-              <a:bodyPr wrap="none" rtlCol="0">
-                <a:spAutoFit/>
-              </a:bodyPr>
-              <a:lstStyle/>
-              <a:p>
-                <a:r>
-                  <a:rPr lang="en-US" sz="1200"/>
-                  <a:t>Coordinates</a:t>
-                </a:r>
-                <a:endParaRPr lang="en-US" sz="1200" dirty="0"/>
-              </a:p>
-            </p:txBody>
-          </p:sp>
-          <p:sp>
-            <p:nvSpPr>
-              <p:cNvPr id="172" name="TextBox 171"/>
-              <p:cNvSpPr txBox="1"/>
-              <p:nvPr/>
-            </p:nvSpPr>
-            <p:spPr>
-              <a:xfrm>
-                <a:off x="6755282" y="5538771"/>
-                <a:ext cx="752514" cy="276999"/>
-              </a:xfrm>
-              <a:prstGeom prst="rect">
-                <a:avLst/>
-              </a:prstGeom>
-              <a:noFill/>
-            </p:spPr>
-            <p:txBody>
-              <a:bodyPr wrap="none" rtlCol="0">
-                <a:spAutoFit/>
-              </a:bodyPr>
-              <a:lstStyle/>
-              <a:p>
-                <a:r>
-                  <a:rPr lang="en-US" sz="1200" dirty="0"/>
-                  <a:t>Manages</a:t>
-                </a:r>
-              </a:p>
-            </p:txBody>
-          </p:sp>
-          <p:sp>
-            <p:nvSpPr>
-              <p:cNvPr id="173" name="TextBox 172"/>
-              <p:cNvSpPr txBox="1"/>
-              <p:nvPr/>
-            </p:nvSpPr>
-            <p:spPr>
-              <a:xfrm>
-                <a:off x="5093248" y="3692361"/>
-                <a:ext cx="657103" cy="276999"/>
-              </a:xfrm>
-              <a:prstGeom prst="rect">
-                <a:avLst/>
-              </a:prstGeom>
-              <a:noFill/>
-            </p:spPr>
-            <p:txBody>
-              <a:bodyPr wrap="none" rtlCol="0">
-                <a:spAutoFit/>
-              </a:bodyPr>
-              <a:lstStyle/>
-              <a:p>
-                <a:r>
-                  <a:rPr lang="en-US" sz="1200" dirty="0"/>
-                  <a:t>Follows</a:t>
-                </a:r>
-                <a:endParaRPr lang="en-US" sz="1100" dirty="0"/>
-              </a:p>
-            </p:txBody>
-          </p:sp>
-          <p:sp>
-            <p:nvSpPr>
-              <p:cNvPr id="174" name="TextBox 173"/>
-              <p:cNvSpPr txBox="1"/>
-              <p:nvPr/>
-            </p:nvSpPr>
-            <p:spPr>
-              <a:xfrm>
-                <a:off x="4717010" y="4144803"/>
-                <a:ext cx="718851" cy="276999"/>
-              </a:xfrm>
-              <a:prstGeom prst="rect">
-                <a:avLst/>
-              </a:prstGeom>
-              <a:noFill/>
-            </p:spPr>
-            <p:txBody>
-              <a:bodyPr wrap="none" rtlCol="0">
-                <a:spAutoFit/>
-              </a:bodyPr>
-              <a:lstStyle/>
-              <a:p>
-                <a:r>
-                  <a:rPr lang="en-US" sz="1200" dirty="0"/>
-                  <a:t>Enforces</a:t>
-                </a:r>
-              </a:p>
-            </p:txBody>
-          </p:sp>
-          <p:sp>
-            <p:nvSpPr>
-              <p:cNvPr id="175" name="TextBox 174"/>
-              <p:cNvSpPr txBox="1"/>
-              <p:nvPr/>
-            </p:nvSpPr>
-            <p:spPr>
-              <a:xfrm>
-                <a:off x="4269331" y="4582958"/>
-                <a:ext cx="856709" cy="276999"/>
-              </a:xfrm>
-              <a:prstGeom prst="rect">
-                <a:avLst/>
-              </a:prstGeom>
-              <a:noFill/>
-            </p:spPr>
-            <p:txBody>
-              <a:bodyPr wrap="none" rtlCol="0">
-                <a:spAutoFit/>
-              </a:bodyPr>
-              <a:lstStyle/>
-              <a:p>
-                <a:r>
-                  <a:rPr lang="en-US" sz="1200" dirty="0"/>
-                  <a:t>Challenges</a:t>
-                </a:r>
-              </a:p>
-            </p:txBody>
-          </p:sp>
-          <p:sp>
-            <p:nvSpPr>
-              <p:cNvPr id="176" name="TextBox 175"/>
-              <p:cNvSpPr txBox="1"/>
-              <p:nvPr/>
-            </p:nvSpPr>
-            <p:spPr>
-              <a:xfrm>
-                <a:off x="4221713" y="5049688"/>
-                <a:ext cx="643061" cy="276999"/>
-              </a:xfrm>
-              <a:prstGeom prst="rect">
-                <a:avLst/>
-              </a:prstGeom>
-              <a:noFill/>
-            </p:spPr>
-            <p:txBody>
-              <a:bodyPr wrap="none" rtlCol="0">
-                <a:spAutoFit/>
-              </a:bodyPr>
-              <a:lstStyle/>
-              <a:p>
-                <a:r>
-                  <a:rPr lang="en-US" sz="1200" dirty="0"/>
-                  <a:t>Adjusts</a:t>
-                </a:r>
-              </a:p>
-            </p:txBody>
-          </p:sp>
-          <p:sp>
-            <p:nvSpPr>
-              <p:cNvPr id="177" name="TextBox 176"/>
-              <p:cNvSpPr txBox="1"/>
-              <p:nvPr/>
-            </p:nvSpPr>
-            <p:spPr>
-              <a:xfrm>
-                <a:off x="4102658" y="5373536"/>
-                <a:ext cx="484428" cy="461665"/>
-              </a:xfrm>
-              <a:prstGeom prst="rect">
-                <a:avLst/>
-              </a:prstGeom>
-              <a:noFill/>
-            </p:spPr>
-            <p:txBody>
-              <a:bodyPr wrap="none" rtlCol="0">
-                <a:spAutoFit/>
-              </a:bodyPr>
-              <a:lstStyle/>
-              <a:p>
-                <a:r>
-                  <a:rPr lang="en-US" sz="1200" dirty="0"/>
-                  <a:t>De-</a:t>
-                </a:r>
-              </a:p>
-              <a:p>
-                <a:r>
-                  <a:rPr lang="en-US" sz="1200" dirty="0"/>
-                  <a:t>fines</a:t>
-                </a:r>
-              </a:p>
-            </p:txBody>
-          </p:sp>
-        </p:grpSp>
-      </p:grpSp>
-    </p:spTree>
-    <p:extLst>
-      <p:ext uri="{BB962C8B-B14F-4D97-AF65-F5344CB8AC3E}">
-        <p14:creationId xmlns:p14="http://schemas.microsoft.com/office/powerpoint/2010/main" val="3026304053"/>
       </p:ext>
     </p:extLst>
   </p:cSld>
@@ -21590,6 +21580,1692 @@
         </p:nvGrpSpPr>
         <p:grpSpPr>
           <a:xfrm>
+            <a:off x="1390167" y="517330"/>
+            <a:ext cx="8374923" cy="6255909"/>
+            <a:chOff x="1390167" y="279824"/>
+            <a:chExt cx="8374923" cy="6255909"/>
+          </a:xfrm>
+        </p:grpSpPr>
+        <p:sp>
+          <p:nvSpPr>
+            <p:cNvPr id="99" name="Rectangle 98"/>
+            <p:cNvSpPr/>
+            <p:nvPr/>
+          </p:nvSpPr>
+          <p:spPr>
+            <a:xfrm>
+              <a:off x="1390167" y="279824"/>
+              <a:ext cx="740908" cy="369332"/>
+            </a:xfrm>
+            <a:prstGeom prst="rect">
+              <a:avLst/>
+            </a:prstGeom>
+            <a:ln>
+              <a:solidFill>
+                <a:schemeClr val="tx1"/>
+              </a:solidFill>
+            </a:ln>
+          </p:spPr>
+          <p:txBody>
+            <a:bodyPr wrap="none">
+              <a:spAutoFit/>
+            </a:bodyPr>
+            <a:lstStyle/>
+            <a:p>
+              <a:r>
+                <a:rPr lang="en-US" b="1" dirty="0">
+                  <a:latin typeface="Calibri" charset="0"/>
+                  <a:ea typeface="Calibri" charset="0"/>
+                  <a:cs typeface="Times New Roman" charset="0"/>
+                </a:rPr>
+                <a:t>TPM6</a:t>
+              </a:r>
+              <a:endParaRPr lang="en-US" dirty="0"/>
+            </a:p>
+          </p:txBody>
+        </p:sp>
+        <p:grpSp>
+          <p:nvGrpSpPr>
+            <p:cNvPr id="63" name="Group 62"/>
+            <p:cNvGrpSpPr/>
+            <p:nvPr/>
+          </p:nvGrpSpPr>
+          <p:grpSpPr>
+            <a:xfrm>
+              <a:off x="4117657" y="2480077"/>
+              <a:ext cx="3423350" cy="3203927"/>
+              <a:chOff x="4117657" y="2480077"/>
+              <a:chExt cx="3423350" cy="3203927"/>
+            </a:xfrm>
+          </p:grpSpPr>
+          <p:cxnSp>
+            <p:nvCxnSpPr>
+              <p:cNvPr id="72" name="Straight Connector 71"/>
+              <p:cNvCxnSpPr>
+                <a:cxnSpLocks/>
+                <a:stCxn id="183" idx="0"/>
+                <a:endCxn id="181" idx="1"/>
+              </p:cNvCxnSpPr>
+              <p:nvPr/>
+            </p:nvCxnSpPr>
+            <p:spPr>
+              <a:xfrm flipH="1">
+                <a:off x="4117657" y="2486033"/>
+                <a:ext cx="1920914" cy="457005"/>
+              </a:xfrm>
+              <a:prstGeom prst="line">
+                <a:avLst/>
+              </a:prstGeom>
+              <a:ln w="25400">
+                <a:solidFill>
+                  <a:schemeClr val="accent2"/>
+                </a:solidFill>
+              </a:ln>
+            </p:spPr>
+            <p:style>
+              <a:lnRef idx="1">
+                <a:schemeClr val="accent1"/>
+              </a:lnRef>
+              <a:fillRef idx="0">
+                <a:schemeClr val="accent1"/>
+              </a:fillRef>
+              <a:effectRef idx="0">
+                <a:schemeClr val="accent1"/>
+              </a:effectRef>
+              <a:fontRef idx="minor">
+                <a:schemeClr val="tx1"/>
+              </a:fontRef>
+            </p:style>
+          </p:cxnSp>
+          <p:cxnSp>
+            <p:nvCxnSpPr>
+              <p:cNvPr id="89" name="Straight Connector 88"/>
+              <p:cNvCxnSpPr>
+                <a:cxnSpLocks/>
+                <a:stCxn id="149" idx="1"/>
+              </p:cNvCxnSpPr>
+              <p:nvPr/>
+            </p:nvCxnSpPr>
+            <p:spPr>
+              <a:xfrm>
+                <a:off x="5999192" y="2480077"/>
+                <a:ext cx="1504062" cy="633950"/>
+              </a:xfrm>
+              <a:prstGeom prst="line">
+                <a:avLst/>
+              </a:prstGeom>
+              <a:ln w="25400">
+                <a:solidFill>
+                  <a:schemeClr val="accent2"/>
+                </a:solidFill>
+              </a:ln>
+            </p:spPr>
+            <p:style>
+              <a:lnRef idx="1">
+                <a:schemeClr val="accent1"/>
+              </a:lnRef>
+              <a:fillRef idx="0">
+                <a:schemeClr val="accent1"/>
+              </a:fillRef>
+              <a:effectRef idx="0">
+                <a:schemeClr val="accent1"/>
+              </a:effectRef>
+              <a:fontRef idx="minor">
+                <a:schemeClr val="tx1"/>
+              </a:fontRef>
+            </p:style>
+          </p:cxnSp>
+          <p:cxnSp>
+            <p:nvCxnSpPr>
+              <p:cNvPr id="90" name="Straight Connector 89"/>
+              <p:cNvCxnSpPr>
+                <a:cxnSpLocks/>
+                <a:stCxn id="180" idx="2"/>
+                <a:endCxn id="181" idx="1"/>
+              </p:cNvCxnSpPr>
+              <p:nvPr/>
+            </p:nvCxnSpPr>
+            <p:spPr>
+              <a:xfrm flipH="1" flipV="1">
+                <a:off x="4117657" y="2943038"/>
+                <a:ext cx="456422" cy="2740964"/>
+              </a:xfrm>
+              <a:prstGeom prst="line">
+                <a:avLst/>
+              </a:prstGeom>
+              <a:ln w="25400">
+                <a:solidFill>
+                  <a:schemeClr val="accent2"/>
+                </a:solidFill>
+              </a:ln>
+            </p:spPr>
+            <p:style>
+              <a:lnRef idx="1">
+                <a:schemeClr val="accent1"/>
+              </a:lnRef>
+              <a:fillRef idx="0">
+                <a:schemeClr val="accent1"/>
+              </a:fillRef>
+              <a:effectRef idx="0">
+                <a:schemeClr val="accent1"/>
+              </a:effectRef>
+              <a:fontRef idx="minor">
+                <a:schemeClr val="tx1"/>
+              </a:fontRef>
+            </p:style>
+          </p:cxnSp>
+          <p:cxnSp>
+            <p:nvCxnSpPr>
+              <p:cNvPr id="92" name="Straight Connector 91"/>
+              <p:cNvCxnSpPr>
+                <a:cxnSpLocks/>
+                <a:endCxn id="180" idx="4"/>
+              </p:cNvCxnSpPr>
+              <p:nvPr/>
+            </p:nvCxnSpPr>
+            <p:spPr>
+              <a:xfrm flipV="1">
+                <a:off x="4551657" y="5684002"/>
+                <a:ext cx="2989350" cy="2"/>
+              </a:xfrm>
+              <a:prstGeom prst="line">
+                <a:avLst/>
+              </a:prstGeom>
+              <a:ln w="25400">
+                <a:solidFill>
+                  <a:schemeClr val="accent2"/>
+                </a:solidFill>
+              </a:ln>
+            </p:spPr>
+            <p:style>
+              <a:lnRef idx="1">
+                <a:schemeClr val="accent1"/>
+              </a:lnRef>
+              <a:fillRef idx="0">
+                <a:schemeClr val="accent1"/>
+              </a:fillRef>
+              <a:effectRef idx="0">
+                <a:schemeClr val="accent1"/>
+              </a:effectRef>
+              <a:fontRef idx="minor">
+                <a:schemeClr val="tx1"/>
+              </a:fontRef>
+            </p:style>
+          </p:cxnSp>
+          <p:cxnSp>
+            <p:nvCxnSpPr>
+              <p:cNvPr id="98" name="Straight Connector 97"/>
+              <p:cNvCxnSpPr>
+                <a:cxnSpLocks/>
+              </p:cNvCxnSpPr>
+              <p:nvPr/>
+            </p:nvCxnSpPr>
+            <p:spPr>
+              <a:xfrm>
+                <a:off x="7507796" y="3089946"/>
+                <a:ext cx="33211" cy="2594056"/>
+              </a:xfrm>
+              <a:prstGeom prst="line">
+                <a:avLst/>
+              </a:prstGeom>
+              <a:ln w="25400">
+                <a:solidFill>
+                  <a:schemeClr val="accent2"/>
+                </a:solidFill>
+              </a:ln>
+            </p:spPr>
+            <p:style>
+              <a:lnRef idx="1">
+                <a:schemeClr val="accent1"/>
+              </a:lnRef>
+              <a:fillRef idx="0">
+                <a:schemeClr val="accent1"/>
+              </a:fillRef>
+              <a:effectRef idx="0">
+                <a:schemeClr val="accent1"/>
+              </a:effectRef>
+              <a:fontRef idx="minor">
+                <a:schemeClr val="tx1"/>
+              </a:fontRef>
+            </p:style>
+          </p:cxnSp>
+        </p:grpSp>
+        <p:grpSp>
+          <p:nvGrpSpPr>
+            <p:cNvPr id="146" name="Group 145"/>
+            <p:cNvGrpSpPr/>
+            <p:nvPr/>
+          </p:nvGrpSpPr>
+          <p:grpSpPr>
+            <a:xfrm>
+              <a:off x="2108011" y="282434"/>
+              <a:ext cx="7657079" cy="6253299"/>
+              <a:chOff x="2108011" y="282434"/>
+              <a:chExt cx="7657079" cy="6253299"/>
+            </a:xfrm>
+          </p:grpSpPr>
+          <p:grpSp>
+            <p:nvGrpSpPr>
+              <p:cNvPr id="147" name="Group 146"/>
+              <p:cNvGrpSpPr/>
+              <p:nvPr/>
+            </p:nvGrpSpPr>
+            <p:grpSpPr>
+              <a:xfrm>
+                <a:off x="3171825" y="657224"/>
+                <a:ext cx="5760720" cy="5486400"/>
+                <a:chOff x="3171825" y="657224"/>
+                <a:chExt cx="5760720" cy="5486400"/>
+              </a:xfrm>
+            </p:grpSpPr>
+            <p:grpSp>
+              <p:nvGrpSpPr>
+                <p:cNvPr id="178" name="Group 177"/>
+                <p:cNvGrpSpPr/>
+                <p:nvPr/>
+              </p:nvGrpSpPr>
+              <p:grpSpPr>
+                <a:xfrm>
+                  <a:off x="3171825" y="657224"/>
+                  <a:ext cx="5760720" cy="5486400"/>
+                  <a:chOff x="3171825" y="657224"/>
+                  <a:chExt cx="5760720" cy="5486400"/>
+                </a:xfrm>
+              </p:grpSpPr>
+              <p:sp>
+                <p:nvSpPr>
+                  <p:cNvPr id="185" name="Regular Pentagon 184"/>
+                  <p:cNvSpPr>
+                    <a:spLocks noChangeAspect="1"/>
+                  </p:cNvSpPr>
+                  <p:nvPr/>
+                </p:nvSpPr>
+                <p:spPr>
+                  <a:xfrm>
+                    <a:off x="3171825" y="657224"/>
+                    <a:ext cx="5760720" cy="5486400"/>
+                  </a:xfrm>
+                  <a:prstGeom prst="pentagon">
+                    <a:avLst/>
+                  </a:prstGeom>
+                  <a:noFill/>
+                  <a:ln w="19050"/>
+                </p:spPr>
+                <p:style>
+                  <a:lnRef idx="2">
+                    <a:schemeClr val="dk1"/>
+                  </a:lnRef>
+                  <a:fillRef idx="1">
+                    <a:schemeClr val="lt1"/>
+                  </a:fillRef>
+                  <a:effectRef idx="0">
+                    <a:schemeClr val="dk1"/>
+                  </a:effectRef>
+                  <a:fontRef idx="minor">
+                    <a:schemeClr val="dk1"/>
+                  </a:fontRef>
+                </p:style>
+                <p:txBody>
+                  <a:bodyPr rtlCol="0" anchor="ctr"/>
+                  <a:lstStyle/>
+                  <a:p>
+                    <a:pPr algn="ctr"/>
+                    <a:endParaRPr lang="en-US"/>
+                  </a:p>
+                </p:txBody>
+              </p:sp>
+              <p:cxnSp>
+                <p:nvCxnSpPr>
+                  <p:cNvPr id="186" name="Straight Connector 185"/>
+                  <p:cNvCxnSpPr/>
+                  <p:nvPr/>
+                </p:nvCxnSpPr>
+                <p:spPr>
+                  <a:xfrm>
+                    <a:off x="6037897" y="657224"/>
+                    <a:ext cx="0" cy="2743200"/>
+                  </a:xfrm>
+                  <a:prstGeom prst="line">
+                    <a:avLst/>
+                  </a:prstGeom>
+                  <a:ln w="19050"/>
+                </p:spPr>
+                <p:style>
+                  <a:lnRef idx="3">
+                    <a:schemeClr val="dk1"/>
+                  </a:lnRef>
+                  <a:fillRef idx="0">
+                    <a:schemeClr val="dk1"/>
+                  </a:fillRef>
+                  <a:effectRef idx="2">
+                    <a:schemeClr val="dk1"/>
+                  </a:effectRef>
+                  <a:fontRef idx="minor">
+                    <a:schemeClr val="tx1"/>
+                  </a:fontRef>
+                </p:style>
+              </p:cxnSp>
+              <p:cxnSp>
+                <p:nvCxnSpPr>
+                  <p:cNvPr id="187" name="Straight Connector 186"/>
+                  <p:cNvCxnSpPr>
+                    <a:endCxn id="174" idx="2"/>
+                  </p:cNvCxnSpPr>
+                  <p:nvPr/>
+                </p:nvCxnSpPr>
+                <p:spPr>
+                  <a:xfrm flipH="1">
+                    <a:off x="4272028" y="3400424"/>
+                    <a:ext cx="1765869" cy="2743186"/>
+                  </a:xfrm>
+                  <a:prstGeom prst="line">
+                    <a:avLst/>
+                  </a:prstGeom>
+                  <a:ln w="19050"/>
+                </p:spPr>
+                <p:style>
+                  <a:lnRef idx="3">
+                    <a:schemeClr val="dk1"/>
+                  </a:lnRef>
+                  <a:fillRef idx="0">
+                    <a:schemeClr val="dk1"/>
+                  </a:fillRef>
+                  <a:effectRef idx="2">
+                    <a:schemeClr val="dk1"/>
+                  </a:effectRef>
+                  <a:fontRef idx="minor">
+                    <a:schemeClr val="tx1"/>
+                  </a:fontRef>
+                </p:style>
+              </p:cxnSp>
+              <p:cxnSp>
+                <p:nvCxnSpPr>
+                  <p:cNvPr id="188" name="Straight Connector 187"/>
+                  <p:cNvCxnSpPr>
+                    <a:endCxn id="174" idx="4"/>
+                  </p:cNvCxnSpPr>
+                  <p:nvPr/>
+                </p:nvCxnSpPr>
+                <p:spPr>
+                  <a:xfrm>
+                    <a:off x="6037897" y="3400410"/>
+                    <a:ext cx="1794445" cy="2743200"/>
+                  </a:xfrm>
+                  <a:prstGeom prst="line">
+                    <a:avLst/>
+                  </a:prstGeom>
+                  <a:ln w="19050"/>
+                </p:spPr>
+                <p:style>
+                  <a:lnRef idx="3">
+                    <a:schemeClr val="dk1"/>
+                  </a:lnRef>
+                  <a:fillRef idx="0">
+                    <a:schemeClr val="dk1"/>
+                  </a:fillRef>
+                  <a:effectRef idx="2">
+                    <a:schemeClr val="dk1"/>
+                  </a:effectRef>
+                  <a:fontRef idx="minor">
+                    <a:schemeClr val="tx1"/>
+                  </a:fontRef>
+                </p:style>
+              </p:cxnSp>
+              <p:cxnSp>
+                <p:nvCxnSpPr>
+                  <p:cNvPr id="189" name="Straight Connector 188"/>
+                  <p:cNvCxnSpPr>
+                    <a:endCxn id="174" idx="1"/>
+                  </p:cNvCxnSpPr>
+                  <p:nvPr/>
+                </p:nvCxnSpPr>
+                <p:spPr>
+                  <a:xfrm flipH="1" flipV="1">
+                    <a:off x="3171831" y="2752837"/>
+                    <a:ext cx="2880354" cy="647559"/>
+                  </a:xfrm>
+                  <a:prstGeom prst="line">
+                    <a:avLst/>
+                  </a:prstGeom>
+                  <a:ln w="19050"/>
+                </p:spPr>
+                <p:style>
+                  <a:lnRef idx="3">
+                    <a:schemeClr val="dk1"/>
+                  </a:lnRef>
+                  <a:fillRef idx="0">
+                    <a:schemeClr val="dk1"/>
+                  </a:fillRef>
+                  <a:effectRef idx="2">
+                    <a:schemeClr val="dk1"/>
+                  </a:effectRef>
+                  <a:fontRef idx="minor">
+                    <a:schemeClr val="tx1"/>
+                  </a:fontRef>
+                </p:style>
+              </p:cxnSp>
+              <p:cxnSp>
+                <p:nvCxnSpPr>
+                  <p:cNvPr id="190" name="Straight Connector 189"/>
+                  <p:cNvCxnSpPr>
+                    <a:stCxn id="174" idx="5"/>
+                  </p:cNvCxnSpPr>
+                  <p:nvPr/>
+                </p:nvCxnSpPr>
+                <p:spPr>
+                  <a:xfrm flipH="1">
+                    <a:off x="6023611" y="2752837"/>
+                    <a:ext cx="2908928" cy="647559"/>
+                  </a:xfrm>
+                  <a:prstGeom prst="line">
+                    <a:avLst/>
+                  </a:prstGeom>
+                  <a:ln w="19050"/>
+                </p:spPr>
+                <p:style>
+                  <a:lnRef idx="3">
+                    <a:schemeClr val="dk1"/>
+                  </a:lnRef>
+                  <a:fillRef idx="0">
+                    <a:schemeClr val="dk1"/>
+                  </a:fillRef>
+                  <a:effectRef idx="2">
+                    <a:schemeClr val="dk1"/>
+                  </a:effectRef>
+                  <a:fontRef idx="minor">
+                    <a:schemeClr val="tx1"/>
+                  </a:fontRef>
+                </p:style>
+              </p:cxnSp>
+            </p:grpSp>
+            <p:grpSp>
+              <p:nvGrpSpPr>
+                <p:cNvPr id="179" name="Group 178"/>
+                <p:cNvGrpSpPr/>
+                <p:nvPr/>
+              </p:nvGrpSpPr>
+              <p:grpSpPr>
+                <a:xfrm>
+                  <a:off x="3657243" y="1112014"/>
+                  <a:ext cx="4800600" cy="4572000"/>
+                  <a:chOff x="3657243" y="1112014"/>
+                  <a:chExt cx="4800600" cy="4572000"/>
+                </a:xfrm>
+              </p:grpSpPr>
+              <p:sp>
+                <p:nvSpPr>
+                  <p:cNvPr id="180" name="Regular Pentagon 179"/>
+                  <p:cNvSpPr>
+                    <a:spLocks noChangeAspect="1"/>
+                  </p:cNvSpPr>
+                  <p:nvPr/>
+                </p:nvSpPr>
+                <p:spPr>
+                  <a:xfrm>
+                    <a:off x="3657243" y="1112014"/>
+                    <a:ext cx="4800600" cy="4572000"/>
+                  </a:xfrm>
+                  <a:prstGeom prst="pentagon">
+                    <a:avLst/>
+                  </a:prstGeom>
+                  <a:noFill/>
+                  <a:ln w="12700">
+                    <a:solidFill>
+                      <a:schemeClr val="bg1">
+                        <a:lumMod val="65000"/>
+                      </a:schemeClr>
+                    </a:solidFill>
+                    <a:prstDash val="dash"/>
+                  </a:ln>
+                </p:spPr>
+                <p:style>
+                  <a:lnRef idx="2">
+                    <a:schemeClr val="dk1"/>
+                  </a:lnRef>
+                  <a:fillRef idx="1">
+                    <a:schemeClr val="lt1"/>
+                  </a:fillRef>
+                  <a:effectRef idx="0">
+                    <a:schemeClr val="dk1"/>
+                  </a:effectRef>
+                  <a:fontRef idx="minor">
+                    <a:schemeClr val="dk1"/>
+                  </a:fontRef>
+                </p:style>
+                <p:txBody>
+                  <a:bodyPr rtlCol="0" anchor="ctr"/>
+                  <a:lstStyle/>
+                  <a:p>
+                    <a:pPr algn="ctr"/>
+                    <a:endParaRPr lang="en-US"/>
+                  </a:p>
+                </p:txBody>
+              </p:sp>
+              <p:sp>
+                <p:nvSpPr>
+                  <p:cNvPr id="181" name="Regular Pentagon 180"/>
+                  <p:cNvSpPr>
+                    <a:spLocks noChangeAspect="1"/>
+                  </p:cNvSpPr>
+                  <p:nvPr/>
+                </p:nvSpPr>
+                <p:spPr>
+                  <a:xfrm>
+                    <a:off x="4117653" y="1545963"/>
+                    <a:ext cx="3840480" cy="3657600"/>
+                  </a:xfrm>
+                  <a:prstGeom prst="pentagon">
+                    <a:avLst/>
+                  </a:prstGeom>
+                  <a:noFill/>
+                  <a:ln w="12700">
+                    <a:solidFill>
+                      <a:schemeClr val="bg1">
+                        <a:lumMod val="65000"/>
+                      </a:schemeClr>
+                    </a:solidFill>
+                    <a:prstDash val="dash"/>
+                  </a:ln>
+                </p:spPr>
+                <p:style>
+                  <a:lnRef idx="2">
+                    <a:schemeClr val="dk1"/>
+                  </a:lnRef>
+                  <a:fillRef idx="1">
+                    <a:schemeClr val="lt1"/>
+                  </a:fillRef>
+                  <a:effectRef idx="0">
+                    <a:schemeClr val="dk1"/>
+                  </a:effectRef>
+                  <a:fontRef idx="minor">
+                    <a:schemeClr val="dk1"/>
+                  </a:fontRef>
+                </p:style>
+                <p:txBody>
+                  <a:bodyPr rtlCol="0" anchor="ctr"/>
+                  <a:lstStyle/>
+                  <a:p>
+                    <a:pPr algn="ctr"/>
+                    <a:endParaRPr lang="en-US"/>
+                  </a:p>
+                </p:txBody>
+              </p:sp>
+              <p:sp>
+                <p:nvSpPr>
+                  <p:cNvPr id="182" name="Regular Pentagon 181"/>
+                  <p:cNvSpPr>
+                    <a:spLocks noChangeAspect="1"/>
+                  </p:cNvSpPr>
+                  <p:nvPr/>
+                </p:nvSpPr>
+                <p:spPr>
+                  <a:xfrm>
+                    <a:off x="4614937" y="2027191"/>
+                    <a:ext cx="2880360" cy="2743200"/>
+                  </a:xfrm>
+                  <a:prstGeom prst="pentagon">
+                    <a:avLst/>
+                  </a:prstGeom>
+                  <a:noFill/>
+                  <a:ln w="12700">
+                    <a:solidFill>
+                      <a:schemeClr val="bg1">
+                        <a:lumMod val="65000"/>
+                      </a:schemeClr>
+                    </a:solidFill>
+                    <a:prstDash val="dash"/>
+                  </a:ln>
+                </p:spPr>
+                <p:style>
+                  <a:lnRef idx="2">
+                    <a:schemeClr val="dk1"/>
+                  </a:lnRef>
+                  <a:fillRef idx="1">
+                    <a:schemeClr val="lt1"/>
+                  </a:fillRef>
+                  <a:effectRef idx="0">
+                    <a:schemeClr val="dk1"/>
+                  </a:effectRef>
+                  <a:fontRef idx="minor">
+                    <a:schemeClr val="dk1"/>
+                  </a:fontRef>
+                </p:style>
+                <p:txBody>
+                  <a:bodyPr rtlCol="0" anchor="ctr"/>
+                  <a:lstStyle/>
+                  <a:p>
+                    <a:pPr algn="ctr"/>
+                    <a:endParaRPr lang="en-US" dirty="0"/>
+                  </a:p>
+                </p:txBody>
+              </p:sp>
+              <p:sp>
+                <p:nvSpPr>
+                  <p:cNvPr id="183" name="Regular Pentagon 182"/>
+                  <p:cNvSpPr>
+                    <a:spLocks noChangeAspect="1"/>
+                  </p:cNvSpPr>
+                  <p:nvPr/>
+                </p:nvSpPr>
+                <p:spPr>
+                  <a:xfrm>
+                    <a:off x="5078451" y="2486033"/>
+                    <a:ext cx="1920240" cy="1828800"/>
+                  </a:xfrm>
+                  <a:prstGeom prst="pentagon">
+                    <a:avLst/>
+                  </a:prstGeom>
+                  <a:noFill/>
+                  <a:ln w="12700">
+                    <a:solidFill>
+                      <a:schemeClr val="bg1">
+                        <a:lumMod val="65000"/>
+                      </a:schemeClr>
+                    </a:solidFill>
+                    <a:prstDash val="dash"/>
+                  </a:ln>
+                </p:spPr>
+                <p:style>
+                  <a:lnRef idx="2">
+                    <a:schemeClr val="dk1"/>
+                  </a:lnRef>
+                  <a:fillRef idx="1">
+                    <a:schemeClr val="lt1"/>
+                  </a:fillRef>
+                  <a:effectRef idx="0">
+                    <a:schemeClr val="dk1"/>
+                  </a:effectRef>
+                  <a:fontRef idx="minor">
+                    <a:schemeClr val="dk1"/>
+                  </a:fontRef>
+                </p:style>
+                <p:txBody>
+                  <a:bodyPr rtlCol="0" anchor="ctr"/>
+                  <a:lstStyle/>
+                  <a:p>
+                    <a:pPr algn="ctr"/>
+                    <a:endParaRPr lang="en-US"/>
+                  </a:p>
+                </p:txBody>
+              </p:sp>
+              <p:sp>
+                <p:nvSpPr>
+                  <p:cNvPr id="184" name="Regular Pentagon 183"/>
+                  <p:cNvSpPr>
+                    <a:spLocks noChangeAspect="1"/>
+                  </p:cNvSpPr>
+                  <p:nvPr/>
+                </p:nvSpPr>
+                <p:spPr>
+                  <a:xfrm>
+                    <a:off x="5566761" y="2928943"/>
+                    <a:ext cx="960120" cy="914400"/>
+                  </a:xfrm>
+                  <a:prstGeom prst="pentagon">
+                    <a:avLst/>
+                  </a:prstGeom>
+                  <a:noFill/>
+                  <a:ln w="12700">
+                    <a:solidFill>
+                      <a:schemeClr val="bg1">
+                        <a:lumMod val="65000"/>
+                      </a:schemeClr>
+                    </a:solidFill>
+                    <a:prstDash val="dash"/>
+                  </a:ln>
+                </p:spPr>
+                <p:style>
+                  <a:lnRef idx="2">
+                    <a:schemeClr val="dk1"/>
+                  </a:lnRef>
+                  <a:fillRef idx="1">
+                    <a:schemeClr val="lt1"/>
+                  </a:fillRef>
+                  <a:effectRef idx="0">
+                    <a:schemeClr val="dk1"/>
+                  </a:effectRef>
+                  <a:fontRef idx="minor">
+                    <a:schemeClr val="dk1"/>
+                  </a:fontRef>
+                </p:style>
+                <p:txBody>
+                  <a:bodyPr rtlCol="0" anchor="ctr"/>
+                  <a:lstStyle/>
+                  <a:p>
+                    <a:pPr algn="ctr"/>
+                    <a:endParaRPr lang="en-US"/>
+                  </a:p>
+                </p:txBody>
+              </p:sp>
+            </p:grpSp>
+          </p:grpSp>
+          <p:sp>
+            <p:nvSpPr>
+              <p:cNvPr id="148" name="TextBox 147"/>
+              <p:cNvSpPr txBox="1"/>
+              <p:nvPr/>
+            </p:nvSpPr>
+            <p:spPr>
+              <a:xfrm>
+                <a:off x="6003957" y="2803547"/>
+                <a:ext cx="628057" cy="276999"/>
+              </a:xfrm>
+              <a:prstGeom prst="rect">
+                <a:avLst/>
+              </a:prstGeom>
+              <a:noFill/>
+            </p:spPr>
+            <p:txBody>
+              <a:bodyPr wrap="none" rtlCol="0">
+                <a:spAutoFit/>
+              </a:bodyPr>
+              <a:lstStyle/>
+              <a:p>
+                <a:r>
+                  <a:rPr lang="en-US" sz="1200" dirty="0"/>
+                  <a:t>Adopts</a:t>
+                </a:r>
+              </a:p>
+            </p:txBody>
+          </p:sp>
+          <p:sp>
+            <p:nvSpPr>
+              <p:cNvPr id="149" name="TextBox 148"/>
+              <p:cNvSpPr txBox="1"/>
+              <p:nvPr/>
+            </p:nvSpPr>
+            <p:spPr>
+              <a:xfrm>
+                <a:off x="5999192" y="2341577"/>
+                <a:ext cx="852926" cy="276999"/>
+              </a:xfrm>
+              <a:prstGeom prst="rect">
+                <a:avLst/>
+              </a:prstGeom>
+              <a:noFill/>
+            </p:spPr>
+            <p:txBody>
+              <a:bodyPr wrap="none" rtlCol="0">
+                <a:spAutoFit/>
+              </a:bodyPr>
+              <a:lstStyle/>
+              <a:p>
+                <a:r>
+                  <a:rPr lang="en-US" sz="1200" dirty="0"/>
+                  <a:t>Specializes</a:t>
+                </a:r>
+              </a:p>
+            </p:txBody>
+          </p:sp>
+          <p:sp>
+            <p:nvSpPr>
+              <p:cNvPr id="150" name="TextBox 149"/>
+              <p:cNvSpPr txBox="1"/>
+              <p:nvPr/>
+            </p:nvSpPr>
+            <p:spPr>
+              <a:xfrm>
+                <a:off x="6008712" y="1893895"/>
+                <a:ext cx="890885" cy="276999"/>
+              </a:xfrm>
+              <a:prstGeom prst="rect">
+                <a:avLst/>
+              </a:prstGeom>
+              <a:noFill/>
+            </p:spPr>
+            <p:txBody>
+              <a:bodyPr wrap="none" rtlCol="0">
+                <a:spAutoFit/>
+              </a:bodyPr>
+              <a:lstStyle/>
+              <a:p>
+                <a:r>
+                  <a:rPr lang="en-US" sz="1200" dirty="0"/>
+                  <a:t>Evangelizes</a:t>
+                </a:r>
+              </a:p>
+            </p:txBody>
+          </p:sp>
+          <p:sp>
+            <p:nvSpPr>
+              <p:cNvPr id="151" name="TextBox 150"/>
+              <p:cNvSpPr txBox="1"/>
+              <p:nvPr/>
+            </p:nvSpPr>
+            <p:spPr>
+              <a:xfrm>
+                <a:off x="6003944" y="1417638"/>
+                <a:ext cx="686983" cy="276999"/>
+              </a:xfrm>
+              <a:prstGeom prst="rect">
+                <a:avLst/>
+              </a:prstGeom>
+              <a:noFill/>
+            </p:spPr>
+            <p:txBody>
+              <a:bodyPr wrap="none" rtlCol="0">
+                <a:spAutoFit/>
+              </a:bodyPr>
+              <a:lstStyle/>
+              <a:p>
+                <a:r>
+                  <a:rPr lang="en-US" sz="1200" dirty="0"/>
+                  <a:t>Masters</a:t>
+                </a:r>
+              </a:p>
+            </p:txBody>
+          </p:sp>
+          <p:sp>
+            <p:nvSpPr>
+              <p:cNvPr id="152" name="TextBox 151"/>
+              <p:cNvSpPr txBox="1"/>
+              <p:nvPr/>
+            </p:nvSpPr>
+            <p:spPr>
+              <a:xfrm>
+                <a:off x="5984888" y="969952"/>
+                <a:ext cx="654218" cy="276999"/>
+              </a:xfrm>
+              <a:prstGeom prst="rect">
+                <a:avLst/>
+              </a:prstGeom>
+              <a:noFill/>
+            </p:spPr>
+            <p:txBody>
+              <a:bodyPr wrap="none" rtlCol="0">
+                <a:spAutoFit/>
+              </a:bodyPr>
+              <a:lstStyle/>
+              <a:p>
+                <a:r>
+                  <a:rPr lang="en-US" sz="1200" dirty="0"/>
+                  <a:t>Creates</a:t>
+                </a:r>
+              </a:p>
+            </p:txBody>
+          </p:sp>
+          <p:sp>
+            <p:nvSpPr>
+              <p:cNvPr id="153" name="TextBox 152"/>
+              <p:cNvSpPr txBox="1"/>
+              <p:nvPr/>
+            </p:nvSpPr>
+            <p:spPr>
+              <a:xfrm>
+                <a:off x="5433536" y="282434"/>
+                <a:ext cx="1243161" cy="369332"/>
+              </a:xfrm>
+              <a:prstGeom prst="rect">
+                <a:avLst/>
+              </a:prstGeom>
+              <a:noFill/>
+            </p:spPr>
+            <p:txBody>
+              <a:bodyPr wrap="none" rtlCol="0">
+                <a:spAutoFit/>
+              </a:bodyPr>
+              <a:lstStyle/>
+              <a:p>
+                <a:r>
+                  <a:rPr lang="en-US" dirty="0"/>
+                  <a:t>Technology</a:t>
+                </a:r>
+              </a:p>
+            </p:txBody>
+          </p:sp>
+          <p:sp>
+            <p:nvSpPr>
+              <p:cNvPr id="154" name="TextBox 153"/>
+              <p:cNvSpPr txBox="1"/>
+              <p:nvPr/>
+            </p:nvSpPr>
+            <p:spPr>
+              <a:xfrm>
+                <a:off x="6084917" y="3356006"/>
+                <a:ext cx="777777" cy="276999"/>
+              </a:xfrm>
+              <a:prstGeom prst="rect">
+                <a:avLst/>
+              </a:prstGeom>
+              <a:noFill/>
+            </p:spPr>
+            <p:txBody>
+              <a:bodyPr wrap="none" rtlCol="0">
+                <a:spAutoFit/>
+              </a:bodyPr>
+              <a:lstStyle/>
+              <a:p>
+                <a:r>
+                  <a:rPr lang="en-US" sz="1200" dirty="0"/>
+                  <a:t>Enhances</a:t>
+                </a:r>
+              </a:p>
+            </p:txBody>
+          </p:sp>
+          <p:sp>
+            <p:nvSpPr>
+              <p:cNvPr id="155" name="TextBox 154"/>
+              <p:cNvSpPr txBox="1"/>
+              <p:nvPr/>
+            </p:nvSpPr>
+            <p:spPr>
+              <a:xfrm>
+                <a:off x="6611019" y="3209017"/>
+                <a:ext cx="665567" cy="276999"/>
+              </a:xfrm>
+              <a:prstGeom prst="rect">
+                <a:avLst/>
+              </a:prstGeom>
+              <a:noFill/>
+            </p:spPr>
+            <p:txBody>
+              <a:bodyPr wrap="none" rtlCol="0">
+                <a:spAutoFit/>
+              </a:bodyPr>
+              <a:lstStyle/>
+              <a:p>
+                <a:r>
+                  <a:rPr lang="en-US" sz="1200" dirty="0"/>
+                  <a:t>Designs</a:t>
+                </a:r>
+              </a:p>
+            </p:txBody>
+          </p:sp>
+          <p:sp>
+            <p:nvSpPr>
+              <p:cNvPr id="156" name="TextBox 155"/>
+              <p:cNvSpPr txBox="1"/>
+              <p:nvPr/>
+            </p:nvSpPr>
+            <p:spPr>
+              <a:xfrm>
+                <a:off x="7106326" y="3089946"/>
+                <a:ext cx="538930" cy="276999"/>
+              </a:xfrm>
+              <a:prstGeom prst="rect">
+                <a:avLst/>
+              </a:prstGeom>
+              <a:noFill/>
+            </p:spPr>
+            <p:txBody>
+              <a:bodyPr wrap="none" rtlCol="0">
+                <a:spAutoFit/>
+              </a:bodyPr>
+              <a:lstStyle/>
+              <a:p>
+                <a:r>
+                  <a:rPr lang="en-US" sz="1200" dirty="0"/>
+                  <a:t>Owns</a:t>
+                </a:r>
+              </a:p>
+            </p:txBody>
+          </p:sp>
+          <p:sp>
+            <p:nvSpPr>
+              <p:cNvPr id="157" name="TextBox 156"/>
+              <p:cNvSpPr txBox="1"/>
+              <p:nvPr/>
+            </p:nvSpPr>
+            <p:spPr>
+              <a:xfrm>
+                <a:off x="7558768" y="2985171"/>
+                <a:ext cx="646395" cy="276999"/>
+              </a:xfrm>
+              <a:prstGeom prst="rect">
+                <a:avLst/>
+              </a:prstGeom>
+              <a:noFill/>
+            </p:spPr>
+            <p:txBody>
+              <a:bodyPr wrap="none" rtlCol="0">
+                <a:spAutoFit/>
+              </a:bodyPr>
+              <a:lstStyle/>
+              <a:p>
+                <a:r>
+                  <a:rPr lang="en-US" sz="1200" dirty="0"/>
+                  <a:t>Evolves</a:t>
+                </a:r>
+              </a:p>
+            </p:txBody>
+          </p:sp>
+          <p:sp>
+            <p:nvSpPr>
+              <p:cNvPr id="158" name="TextBox 157"/>
+              <p:cNvSpPr txBox="1"/>
+              <p:nvPr/>
+            </p:nvSpPr>
+            <p:spPr>
+              <a:xfrm>
+                <a:off x="8139796" y="2866103"/>
+                <a:ext cx="540533" cy="276999"/>
+              </a:xfrm>
+              <a:prstGeom prst="rect">
+                <a:avLst/>
+              </a:prstGeom>
+              <a:noFill/>
+            </p:spPr>
+            <p:txBody>
+              <a:bodyPr wrap="none" rtlCol="0">
+                <a:spAutoFit/>
+              </a:bodyPr>
+              <a:lstStyle/>
+              <a:p>
+                <a:r>
+                  <a:rPr lang="en-US" sz="1200" dirty="0"/>
+                  <a:t>Leads</a:t>
+                </a:r>
+              </a:p>
+            </p:txBody>
+          </p:sp>
+          <p:sp>
+            <p:nvSpPr>
+              <p:cNvPr id="159" name="TextBox 158"/>
+              <p:cNvSpPr txBox="1"/>
+              <p:nvPr/>
+            </p:nvSpPr>
+            <p:spPr>
+              <a:xfrm>
+                <a:off x="8913638" y="2544572"/>
+                <a:ext cx="851452" cy="369332"/>
+              </a:xfrm>
+              <a:prstGeom prst="rect">
+                <a:avLst/>
+              </a:prstGeom>
+              <a:noFill/>
+            </p:spPr>
+            <p:txBody>
+              <a:bodyPr wrap="none" rtlCol="0">
+                <a:spAutoFit/>
+              </a:bodyPr>
+              <a:lstStyle/>
+              <a:p>
+                <a:r>
+                  <a:rPr lang="en-US" dirty="0"/>
+                  <a:t>System</a:t>
+                </a:r>
+              </a:p>
+            </p:txBody>
+          </p:sp>
+          <p:sp>
+            <p:nvSpPr>
+              <p:cNvPr id="160" name="TextBox 159"/>
+              <p:cNvSpPr txBox="1"/>
+              <p:nvPr/>
+            </p:nvSpPr>
+            <p:spPr>
+              <a:xfrm>
+                <a:off x="5165741" y="2994048"/>
+                <a:ext cx="849913" cy="276999"/>
+              </a:xfrm>
+              <a:prstGeom prst="rect">
+                <a:avLst/>
+              </a:prstGeom>
+              <a:noFill/>
+            </p:spPr>
+            <p:txBody>
+              <a:bodyPr wrap="none" rtlCol="0">
+                <a:spAutoFit/>
+              </a:bodyPr>
+              <a:lstStyle/>
+              <a:p>
+                <a:r>
+                  <a:rPr lang="en-US" sz="1200" dirty="0"/>
+                  <a:t>Subsystem</a:t>
+                </a:r>
+              </a:p>
+            </p:txBody>
+          </p:sp>
+          <p:sp>
+            <p:nvSpPr>
+              <p:cNvPr id="161" name="TextBox 160"/>
+              <p:cNvSpPr txBox="1"/>
+              <p:nvPr/>
+            </p:nvSpPr>
+            <p:spPr>
+              <a:xfrm>
+                <a:off x="5018106" y="2803542"/>
+                <a:ext cx="520592" cy="276999"/>
+              </a:xfrm>
+              <a:prstGeom prst="rect">
+                <a:avLst/>
+              </a:prstGeom>
+              <a:noFill/>
+            </p:spPr>
+            <p:txBody>
+              <a:bodyPr wrap="none" rtlCol="0">
+                <a:spAutoFit/>
+              </a:bodyPr>
+              <a:lstStyle/>
+              <a:p>
+                <a:r>
+                  <a:rPr lang="en-US" sz="1200"/>
+                  <a:t>Team</a:t>
+                </a:r>
+                <a:endParaRPr lang="en-US" sz="1200" dirty="0"/>
+              </a:p>
+            </p:txBody>
+          </p:sp>
+          <p:sp>
+            <p:nvSpPr>
+              <p:cNvPr id="162" name="TextBox 161"/>
+              <p:cNvSpPr txBox="1"/>
+              <p:nvPr/>
+            </p:nvSpPr>
+            <p:spPr>
+              <a:xfrm>
+                <a:off x="4498988" y="2598752"/>
+                <a:ext cx="745717" cy="461665"/>
+              </a:xfrm>
+              <a:prstGeom prst="rect">
+                <a:avLst/>
+              </a:prstGeom>
+              <a:noFill/>
+            </p:spPr>
+            <p:txBody>
+              <a:bodyPr wrap="none" rtlCol="0">
+                <a:spAutoFit/>
+              </a:bodyPr>
+              <a:lstStyle/>
+              <a:p>
+                <a:r>
+                  <a:rPr lang="en-US" sz="1200"/>
+                  <a:t>Multiple </a:t>
+                </a:r>
+              </a:p>
+              <a:p>
+                <a:r>
+                  <a:rPr lang="en-US" sz="1200" dirty="0"/>
+                  <a:t>Teams</a:t>
+                </a:r>
+              </a:p>
+            </p:txBody>
+          </p:sp>
+          <p:sp>
+            <p:nvSpPr>
+              <p:cNvPr id="163" name="TextBox 162"/>
+              <p:cNvSpPr txBox="1"/>
+              <p:nvPr/>
+            </p:nvSpPr>
+            <p:spPr>
+              <a:xfrm>
+                <a:off x="3779843" y="2636848"/>
+                <a:ext cx="771814" cy="276999"/>
+              </a:xfrm>
+              <a:prstGeom prst="rect">
+                <a:avLst/>
+              </a:prstGeom>
+              <a:noFill/>
+            </p:spPr>
+            <p:txBody>
+              <a:bodyPr wrap="none" rtlCol="0">
+                <a:spAutoFit/>
+              </a:bodyPr>
+              <a:lstStyle/>
+              <a:p>
+                <a:r>
+                  <a:rPr lang="en-US" sz="1200" dirty="0"/>
+                  <a:t>Company</a:t>
+                </a:r>
+              </a:p>
+            </p:txBody>
+          </p:sp>
+          <p:sp>
+            <p:nvSpPr>
+              <p:cNvPr id="164" name="TextBox 163"/>
+              <p:cNvSpPr txBox="1"/>
+              <p:nvPr/>
+            </p:nvSpPr>
+            <p:spPr>
+              <a:xfrm>
+                <a:off x="3460644" y="2433616"/>
+                <a:ext cx="910827" cy="276999"/>
+              </a:xfrm>
+              <a:prstGeom prst="rect">
+                <a:avLst/>
+              </a:prstGeom>
+              <a:noFill/>
+            </p:spPr>
+            <p:txBody>
+              <a:bodyPr wrap="none" rtlCol="0">
+                <a:spAutoFit/>
+              </a:bodyPr>
+              <a:lstStyle/>
+              <a:p>
+                <a:r>
+                  <a:rPr lang="en-US" sz="1200" dirty="0"/>
+                  <a:t>Community</a:t>
+                </a:r>
+              </a:p>
+            </p:txBody>
+          </p:sp>
+          <p:sp>
+            <p:nvSpPr>
+              <p:cNvPr id="165" name="TextBox 164"/>
+              <p:cNvSpPr txBox="1"/>
+              <p:nvPr/>
+            </p:nvSpPr>
+            <p:spPr>
+              <a:xfrm>
+                <a:off x="2108011" y="2539804"/>
+                <a:ext cx="1058751" cy="369332"/>
+              </a:xfrm>
+              <a:prstGeom prst="rect">
+                <a:avLst/>
+              </a:prstGeom>
+              <a:noFill/>
+            </p:spPr>
+            <p:txBody>
+              <a:bodyPr wrap="none" rtlCol="0">
+                <a:spAutoFit/>
+              </a:bodyPr>
+              <a:lstStyle/>
+              <a:p>
+                <a:r>
+                  <a:rPr lang="en-US" dirty="0"/>
+                  <a:t>Influence</a:t>
+                </a:r>
+              </a:p>
+            </p:txBody>
+          </p:sp>
+          <p:sp>
+            <p:nvSpPr>
+              <p:cNvPr id="166" name="TextBox 165"/>
+              <p:cNvSpPr txBox="1"/>
+              <p:nvPr/>
+            </p:nvSpPr>
+            <p:spPr>
+              <a:xfrm>
+                <a:off x="7416824" y="6166401"/>
+                <a:ext cx="826060" cy="369332"/>
+              </a:xfrm>
+              <a:prstGeom prst="rect">
+                <a:avLst/>
+              </a:prstGeom>
+              <a:noFill/>
+            </p:spPr>
+            <p:txBody>
+              <a:bodyPr wrap="none" rtlCol="0">
+                <a:spAutoFit/>
+              </a:bodyPr>
+              <a:lstStyle/>
+              <a:p>
+                <a:r>
+                  <a:rPr lang="en-US" dirty="0"/>
+                  <a:t>People</a:t>
+                </a:r>
+              </a:p>
+            </p:txBody>
+          </p:sp>
+          <p:sp>
+            <p:nvSpPr>
+              <p:cNvPr id="167" name="TextBox 166"/>
+              <p:cNvSpPr txBox="1"/>
+              <p:nvPr/>
+            </p:nvSpPr>
+            <p:spPr>
+              <a:xfrm>
+                <a:off x="3811595" y="6161638"/>
+                <a:ext cx="894284" cy="369332"/>
+              </a:xfrm>
+              <a:prstGeom prst="rect">
+                <a:avLst/>
+              </a:prstGeom>
+              <a:noFill/>
+            </p:spPr>
+            <p:txBody>
+              <a:bodyPr wrap="none" rtlCol="0">
+                <a:spAutoFit/>
+              </a:bodyPr>
+              <a:lstStyle/>
+              <a:p>
+                <a:r>
+                  <a:rPr lang="en-US" dirty="0"/>
+                  <a:t>Process</a:t>
+                </a:r>
+              </a:p>
+            </p:txBody>
+          </p:sp>
+          <p:sp>
+            <p:nvSpPr>
+              <p:cNvPr id="168" name="TextBox 167"/>
+              <p:cNvSpPr txBox="1"/>
+              <p:nvPr/>
+            </p:nvSpPr>
+            <p:spPr>
+              <a:xfrm>
+                <a:off x="5731357" y="3700439"/>
+                <a:ext cx="593432" cy="276999"/>
+              </a:xfrm>
+              <a:prstGeom prst="rect">
+                <a:avLst/>
+              </a:prstGeom>
+              <a:noFill/>
+            </p:spPr>
+            <p:txBody>
+              <a:bodyPr wrap="none" rtlCol="0">
+                <a:spAutoFit/>
+              </a:bodyPr>
+              <a:lstStyle/>
+              <a:p>
+                <a:r>
+                  <a:rPr lang="en-US" sz="1200" dirty="0"/>
+                  <a:t>Learns</a:t>
+                </a:r>
+              </a:p>
+            </p:txBody>
+          </p:sp>
+          <p:sp>
+            <p:nvSpPr>
+              <p:cNvPr id="169" name="TextBox 168"/>
+              <p:cNvSpPr txBox="1"/>
+              <p:nvPr/>
+            </p:nvSpPr>
+            <p:spPr>
+              <a:xfrm>
+                <a:off x="5869469" y="4167166"/>
+                <a:ext cx="742511" cy="276999"/>
+              </a:xfrm>
+              <a:prstGeom prst="rect">
+                <a:avLst/>
+              </a:prstGeom>
+              <a:noFill/>
+            </p:spPr>
+            <p:txBody>
+              <a:bodyPr wrap="none" rtlCol="0">
+                <a:spAutoFit/>
+              </a:bodyPr>
+              <a:lstStyle/>
+              <a:p>
+                <a:r>
+                  <a:rPr lang="en-US" sz="1200"/>
+                  <a:t>Supports</a:t>
+                </a:r>
+                <a:endParaRPr lang="en-US" sz="1200" dirty="0"/>
+              </a:p>
+            </p:txBody>
+          </p:sp>
+          <p:sp>
+            <p:nvSpPr>
+              <p:cNvPr id="170" name="TextBox 169"/>
+              <p:cNvSpPr txBox="1"/>
+              <p:nvPr/>
+            </p:nvSpPr>
+            <p:spPr>
+              <a:xfrm>
+                <a:off x="6221886" y="4605321"/>
+                <a:ext cx="714619" cy="276999"/>
+              </a:xfrm>
+              <a:prstGeom prst="rect">
+                <a:avLst/>
+              </a:prstGeom>
+              <a:noFill/>
+            </p:spPr>
+            <p:txBody>
+              <a:bodyPr wrap="none" rtlCol="0">
+                <a:spAutoFit/>
+              </a:bodyPr>
+              <a:lstStyle/>
+              <a:p>
+                <a:r>
+                  <a:rPr lang="en-US" sz="1200"/>
+                  <a:t>Mentors</a:t>
+                </a:r>
+                <a:endParaRPr lang="en-US" sz="1200" dirty="0"/>
+              </a:p>
+            </p:txBody>
+          </p:sp>
+          <p:sp>
+            <p:nvSpPr>
+              <p:cNvPr id="171" name="TextBox 170"/>
+              <p:cNvSpPr txBox="1"/>
+              <p:nvPr/>
+            </p:nvSpPr>
+            <p:spPr>
+              <a:xfrm>
+                <a:off x="6231406" y="5057759"/>
+                <a:ext cx="936347" cy="276999"/>
+              </a:xfrm>
+              <a:prstGeom prst="rect">
+                <a:avLst/>
+              </a:prstGeom>
+              <a:noFill/>
+            </p:spPr>
+            <p:txBody>
+              <a:bodyPr wrap="none" rtlCol="0">
+                <a:spAutoFit/>
+              </a:bodyPr>
+              <a:lstStyle/>
+              <a:p>
+                <a:r>
+                  <a:rPr lang="en-US" sz="1200"/>
+                  <a:t>Coordinates</a:t>
+                </a:r>
+                <a:endParaRPr lang="en-US" sz="1200" dirty="0"/>
+              </a:p>
+            </p:txBody>
+          </p:sp>
+          <p:sp>
+            <p:nvSpPr>
+              <p:cNvPr id="172" name="TextBox 171"/>
+              <p:cNvSpPr txBox="1"/>
+              <p:nvPr/>
+            </p:nvSpPr>
+            <p:spPr>
+              <a:xfrm>
+                <a:off x="6755282" y="5538771"/>
+                <a:ext cx="752514" cy="276999"/>
+              </a:xfrm>
+              <a:prstGeom prst="rect">
+                <a:avLst/>
+              </a:prstGeom>
+              <a:noFill/>
+            </p:spPr>
+            <p:txBody>
+              <a:bodyPr wrap="none" rtlCol="0">
+                <a:spAutoFit/>
+              </a:bodyPr>
+              <a:lstStyle/>
+              <a:p>
+                <a:r>
+                  <a:rPr lang="en-US" sz="1200" dirty="0"/>
+                  <a:t>Manages</a:t>
+                </a:r>
+              </a:p>
+            </p:txBody>
+          </p:sp>
+          <p:sp>
+            <p:nvSpPr>
+              <p:cNvPr id="173" name="TextBox 172"/>
+              <p:cNvSpPr txBox="1"/>
+              <p:nvPr/>
+            </p:nvSpPr>
+            <p:spPr>
+              <a:xfrm>
+                <a:off x="5093248" y="3692361"/>
+                <a:ext cx="657103" cy="276999"/>
+              </a:xfrm>
+              <a:prstGeom prst="rect">
+                <a:avLst/>
+              </a:prstGeom>
+              <a:noFill/>
+            </p:spPr>
+            <p:txBody>
+              <a:bodyPr wrap="none" rtlCol="0">
+                <a:spAutoFit/>
+              </a:bodyPr>
+              <a:lstStyle/>
+              <a:p>
+                <a:r>
+                  <a:rPr lang="en-US" sz="1200" dirty="0"/>
+                  <a:t>Follows</a:t>
+                </a:r>
+                <a:endParaRPr lang="en-US" sz="1100" dirty="0"/>
+              </a:p>
+            </p:txBody>
+          </p:sp>
+          <p:sp>
+            <p:nvSpPr>
+              <p:cNvPr id="174" name="TextBox 173"/>
+              <p:cNvSpPr txBox="1"/>
+              <p:nvPr/>
+            </p:nvSpPr>
+            <p:spPr>
+              <a:xfrm>
+                <a:off x="4717010" y="4144803"/>
+                <a:ext cx="718851" cy="276999"/>
+              </a:xfrm>
+              <a:prstGeom prst="rect">
+                <a:avLst/>
+              </a:prstGeom>
+              <a:noFill/>
+            </p:spPr>
+            <p:txBody>
+              <a:bodyPr wrap="none" rtlCol="0">
+                <a:spAutoFit/>
+              </a:bodyPr>
+              <a:lstStyle/>
+              <a:p>
+                <a:r>
+                  <a:rPr lang="en-US" sz="1200" dirty="0"/>
+                  <a:t>Enforces</a:t>
+                </a:r>
+              </a:p>
+            </p:txBody>
+          </p:sp>
+          <p:sp>
+            <p:nvSpPr>
+              <p:cNvPr id="175" name="TextBox 174"/>
+              <p:cNvSpPr txBox="1"/>
+              <p:nvPr/>
+            </p:nvSpPr>
+            <p:spPr>
+              <a:xfrm>
+                <a:off x="4269331" y="4582958"/>
+                <a:ext cx="856709" cy="276999"/>
+              </a:xfrm>
+              <a:prstGeom prst="rect">
+                <a:avLst/>
+              </a:prstGeom>
+              <a:noFill/>
+            </p:spPr>
+            <p:txBody>
+              <a:bodyPr wrap="none" rtlCol="0">
+                <a:spAutoFit/>
+              </a:bodyPr>
+              <a:lstStyle/>
+              <a:p>
+                <a:r>
+                  <a:rPr lang="en-US" sz="1200" dirty="0"/>
+                  <a:t>Challenges</a:t>
+                </a:r>
+              </a:p>
+            </p:txBody>
+          </p:sp>
+          <p:sp>
+            <p:nvSpPr>
+              <p:cNvPr id="176" name="TextBox 175"/>
+              <p:cNvSpPr txBox="1"/>
+              <p:nvPr/>
+            </p:nvSpPr>
+            <p:spPr>
+              <a:xfrm>
+                <a:off x="4221713" y="5049688"/>
+                <a:ext cx="643061" cy="276999"/>
+              </a:xfrm>
+              <a:prstGeom prst="rect">
+                <a:avLst/>
+              </a:prstGeom>
+              <a:noFill/>
+            </p:spPr>
+            <p:txBody>
+              <a:bodyPr wrap="none" rtlCol="0">
+                <a:spAutoFit/>
+              </a:bodyPr>
+              <a:lstStyle/>
+              <a:p>
+                <a:r>
+                  <a:rPr lang="en-US" sz="1200" dirty="0"/>
+                  <a:t>Adjusts</a:t>
+                </a:r>
+              </a:p>
+            </p:txBody>
+          </p:sp>
+          <p:sp>
+            <p:nvSpPr>
+              <p:cNvPr id="177" name="TextBox 176"/>
+              <p:cNvSpPr txBox="1"/>
+              <p:nvPr/>
+            </p:nvSpPr>
+            <p:spPr>
+              <a:xfrm>
+                <a:off x="4102658" y="5373536"/>
+                <a:ext cx="484428" cy="461665"/>
+              </a:xfrm>
+              <a:prstGeom prst="rect">
+                <a:avLst/>
+              </a:prstGeom>
+              <a:noFill/>
+            </p:spPr>
+            <p:txBody>
+              <a:bodyPr wrap="none" rtlCol="0">
+                <a:spAutoFit/>
+              </a:bodyPr>
+              <a:lstStyle/>
+              <a:p>
+                <a:r>
+                  <a:rPr lang="en-US" sz="1200" dirty="0"/>
+                  <a:t>De-</a:t>
+                </a:r>
+              </a:p>
+              <a:p>
+                <a:r>
+                  <a:rPr lang="en-US" sz="1200" dirty="0"/>
+                  <a:t>fines</a:t>
+                </a:r>
+              </a:p>
+            </p:txBody>
+          </p:sp>
+        </p:grpSp>
+      </p:grpSp>
+    </p:spTree>
+    <p:extLst>
+      <p:ext uri="{BB962C8B-B14F-4D97-AF65-F5344CB8AC3E}">
+        <p14:creationId xmlns:p14="http://schemas.microsoft.com/office/powerpoint/2010/main" val="3026304053"/>
+      </p:ext>
+    </p:extLst>
+  </p:cSld>
+  <p:clrMapOvr>
+    <a:masterClrMapping/>
+  </p:clrMapOvr>
+</p:sld>
+</file>
+
+<file path=ppt/slides/slide21.xml><?xml version="1.0" encoding="utf-8"?>
+<p:sld xmlns:a="http://schemas.openxmlformats.org/drawingml/2006/main" xmlns:r="http://schemas.openxmlformats.org/officeDocument/2006/relationships" xmlns:p="http://schemas.openxmlformats.org/presentationml/2006/main">
+  <p:cSld>
+    <p:spTree>
+      <p:nvGrpSpPr>
+        <p:cNvPr id="1" name=""/>
+        <p:cNvGrpSpPr/>
+        <p:nvPr/>
+      </p:nvGrpSpPr>
+      <p:grpSpPr>
+        <a:xfrm>
+          <a:off x="0" y="0"/>
+          <a:ext cx="0" cy="0"/>
+          <a:chOff x="0" y="0"/>
+          <a:chExt cx="0" cy="0"/>
+        </a:xfrm>
+      </p:grpSpPr>
+      <p:grpSp>
+        <p:nvGrpSpPr>
+          <p:cNvPr id="8" name="Group 7"/>
+          <p:cNvGrpSpPr/>
+          <p:nvPr/>
+        </p:nvGrpSpPr>
+        <p:grpSpPr>
+          <a:xfrm>
             <a:off x="932967" y="279824"/>
             <a:ext cx="8832123" cy="6255909"/>
             <a:chOff x="932967" y="279824"/>
@@ -23252,6 +24928,1433 @@
 </file>
 
 <file path=ppt/slides/slide3.xml><?xml version="1.0" encoding="utf-8"?>
+<p:sld xmlns:a="http://schemas.openxmlformats.org/drawingml/2006/main" xmlns:r="http://schemas.openxmlformats.org/officeDocument/2006/relationships" xmlns:p="http://schemas.openxmlformats.org/presentationml/2006/main">
+  <p:cSld>
+    <p:spTree>
+      <p:nvGrpSpPr>
+        <p:cNvPr id="1" name=""/>
+        <p:cNvGrpSpPr/>
+        <p:nvPr/>
+      </p:nvGrpSpPr>
+      <p:grpSpPr>
+        <a:xfrm>
+          <a:off x="0" y="0"/>
+          <a:ext cx="0" cy="0"/>
+          <a:chOff x="0" y="0"/>
+          <a:chExt cx="0" cy="0"/>
+        </a:xfrm>
+      </p:grpSpPr>
+      <p:grpSp>
+        <p:nvGrpSpPr>
+          <p:cNvPr id="88" name="Group 87"/>
+          <p:cNvGrpSpPr/>
+          <p:nvPr/>
+        </p:nvGrpSpPr>
+        <p:grpSpPr>
+          <a:xfrm>
+            <a:off x="2108011" y="282434"/>
+            <a:ext cx="7863802" cy="6253299"/>
+            <a:chOff x="2108011" y="282434"/>
+            <a:chExt cx="7863802" cy="6253299"/>
+          </a:xfrm>
+        </p:grpSpPr>
+        <p:grpSp>
+          <p:nvGrpSpPr>
+            <p:cNvPr id="56" name="Group 55"/>
+            <p:cNvGrpSpPr/>
+            <p:nvPr/>
+          </p:nvGrpSpPr>
+          <p:grpSpPr>
+            <a:xfrm>
+              <a:off x="3171825" y="657224"/>
+              <a:ext cx="5760720" cy="5486400"/>
+              <a:chOff x="3171825" y="657224"/>
+              <a:chExt cx="5760720" cy="5486400"/>
+            </a:xfrm>
+          </p:grpSpPr>
+          <p:grpSp>
+            <p:nvGrpSpPr>
+              <p:cNvPr id="47" name="Group 46"/>
+              <p:cNvGrpSpPr/>
+              <p:nvPr/>
+            </p:nvGrpSpPr>
+            <p:grpSpPr>
+              <a:xfrm>
+                <a:off x="3171825" y="657224"/>
+                <a:ext cx="5760720" cy="5486400"/>
+                <a:chOff x="3171825" y="657224"/>
+                <a:chExt cx="5760720" cy="5486400"/>
+              </a:xfrm>
+            </p:grpSpPr>
+            <p:sp>
+              <p:nvSpPr>
+                <p:cNvPr id="30" name="Regular Pentagon 29"/>
+                <p:cNvSpPr>
+                  <a:spLocks noChangeAspect="1"/>
+                </p:cNvSpPr>
+                <p:nvPr/>
+              </p:nvSpPr>
+              <p:spPr>
+                <a:xfrm>
+                  <a:off x="3171825" y="657224"/>
+                  <a:ext cx="5760720" cy="5486400"/>
+                </a:xfrm>
+                <a:prstGeom prst="pentagon">
+                  <a:avLst/>
+                </a:prstGeom>
+                <a:noFill/>
+                <a:ln w="19050"/>
+              </p:spPr>
+              <p:style>
+                <a:lnRef idx="2">
+                  <a:schemeClr val="dk1"/>
+                </a:lnRef>
+                <a:fillRef idx="1">
+                  <a:schemeClr val="lt1"/>
+                </a:fillRef>
+                <a:effectRef idx="0">
+                  <a:schemeClr val="dk1"/>
+                </a:effectRef>
+                <a:fontRef idx="minor">
+                  <a:schemeClr val="dk1"/>
+                </a:fontRef>
+              </p:style>
+              <p:txBody>
+                <a:bodyPr rtlCol="0" anchor="ctr"/>
+                <a:lstStyle/>
+                <a:p>
+                  <a:pPr algn="ctr"/>
+                  <a:endParaRPr lang="en-US"/>
+                </a:p>
+              </p:txBody>
+            </p:sp>
+            <p:cxnSp>
+              <p:nvCxnSpPr>
+                <p:cNvPr id="32" name="Straight Connector 31"/>
+                <p:cNvCxnSpPr/>
+                <p:nvPr/>
+              </p:nvCxnSpPr>
+              <p:spPr>
+                <a:xfrm>
+                  <a:off x="6037897" y="657224"/>
+                  <a:ext cx="0" cy="2743200"/>
+                </a:xfrm>
+                <a:prstGeom prst="line">
+                  <a:avLst/>
+                </a:prstGeom>
+                <a:ln w="19050"/>
+              </p:spPr>
+              <p:style>
+                <a:lnRef idx="3">
+                  <a:schemeClr val="dk1"/>
+                </a:lnRef>
+                <a:fillRef idx="0">
+                  <a:schemeClr val="dk1"/>
+                </a:fillRef>
+                <a:effectRef idx="2">
+                  <a:schemeClr val="dk1"/>
+                </a:effectRef>
+                <a:fontRef idx="minor">
+                  <a:schemeClr val="tx1"/>
+                </a:fontRef>
+              </p:style>
+            </p:cxnSp>
+            <p:cxnSp>
+              <p:nvCxnSpPr>
+                <p:cNvPr id="33" name="Straight Connector 32"/>
+                <p:cNvCxnSpPr>
+                  <a:endCxn id="30" idx="2"/>
+                </p:cNvCxnSpPr>
+                <p:nvPr/>
+              </p:nvCxnSpPr>
+              <p:spPr>
+                <a:xfrm flipH="1">
+                  <a:off x="4272028" y="3400424"/>
+                  <a:ext cx="1765869" cy="2743186"/>
+                </a:xfrm>
+                <a:prstGeom prst="line">
+                  <a:avLst/>
+                </a:prstGeom>
+                <a:ln w="19050"/>
+              </p:spPr>
+              <p:style>
+                <a:lnRef idx="3">
+                  <a:schemeClr val="dk1"/>
+                </a:lnRef>
+                <a:fillRef idx="0">
+                  <a:schemeClr val="dk1"/>
+                </a:fillRef>
+                <a:effectRef idx="2">
+                  <a:schemeClr val="dk1"/>
+                </a:effectRef>
+                <a:fontRef idx="minor">
+                  <a:schemeClr val="tx1"/>
+                </a:fontRef>
+              </p:style>
+            </p:cxnSp>
+            <p:cxnSp>
+              <p:nvCxnSpPr>
+                <p:cNvPr id="37" name="Straight Connector 36"/>
+                <p:cNvCxnSpPr>
+                  <a:endCxn id="30" idx="4"/>
+                </p:cNvCxnSpPr>
+                <p:nvPr/>
+              </p:nvCxnSpPr>
+              <p:spPr>
+                <a:xfrm>
+                  <a:off x="6037897" y="3400410"/>
+                  <a:ext cx="1794445" cy="2743200"/>
+                </a:xfrm>
+                <a:prstGeom prst="line">
+                  <a:avLst/>
+                </a:prstGeom>
+                <a:ln w="19050"/>
+              </p:spPr>
+              <p:style>
+                <a:lnRef idx="3">
+                  <a:schemeClr val="dk1"/>
+                </a:lnRef>
+                <a:fillRef idx="0">
+                  <a:schemeClr val="dk1"/>
+                </a:fillRef>
+                <a:effectRef idx="2">
+                  <a:schemeClr val="dk1"/>
+                </a:effectRef>
+                <a:fontRef idx="minor">
+                  <a:schemeClr val="tx1"/>
+                </a:fontRef>
+              </p:style>
+            </p:cxnSp>
+            <p:cxnSp>
+              <p:nvCxnSpPr>
+                <p:cNvPr id="40" name="Straight Connector 39"/>
+                <p:cNvCxnSpPr>
+                  <a:endCxn id="30" idx="1"/>
+                </p:cNvCxnSpPr>
+                <p:nvPr/>
+              </p:nvCxnSpPr>
+              <p:spPr>
+                <a:xfrm flipH="1" flipV="1">
+                  <a:off x="3171831" y="2752837"/>
+                  <a:ext cx="2880354" cy="647559"/>
+                </a:xfrm>
+                <a:prstGeom prst="line">
+                  <a:avLst/>
+                </a:prstGeom>
+                <a:ln w="19050"/>
+              </p:spPr>
+              <p:style>
+                <a:lnRef idx="3">
+                  <a:schemeClr val="dk1"/>
+                </a:lnRef>
+                <a:fillRef idx="0">
+                  <a:schemeClr val="dk1"/>
+                </a:fillRef>
+                <a:effectRef idx="2">
+                  <a:schemeClr val="dk1"/>
+                </a:effectRef>
+                <a:fontRef idx="minor">
+                  <a:schemeClr val="tx1"/>
+                </a:fontRef>
+              </p:style>
+            </p:cxnSp>
+            <p:cxnSp>
+              <p:nvCxnSpPr>
+                <p:cNvPr id="43" name="Straight Connector 42"/>
+                <p:cNvCxnSpPr>
+                  <a:stCxn id="30" idx="5"/>
+                </p:cNvCxnSpPr>
+                <p:nvPr/>
+              </p:nvCxnSpPr>
+              <p:spPr>
+                <a:xfrm flipH="1">
+                  <a:off x="6023611" y="2752837"/>
+                  <a:ext cx="2908928" cy="647559"/>
+                </a:xfrm>
+                <a:prstGeom prst="line">
+                  <a:avLst/>
+                </a:prstGeom>
+                <a:ln w="19050"/>
+              </p:spPr>
+              <p:style>
+                <a:lnRef idx="3">
+                  <a:schemeClr val="dk1"/>
+                </a:lnRef>
+                <a:fillRef idx="0">
+                  <a:schemeClr val="dk1"/>
+                </a:fillRef>
+                <a:effectRef idx="2">
+                  <a:schemeClr val="dk1"/>
+                </a:effectRef>
+                <a:fontRef idx="minor">
+                  <a:schemeClr val="tx1"/>
+                </a:fontRef>
+              </p:style>
+            </p:cxnSp>
+          </p:grpSp>
+          <p:grpSp>
+            <p:nvGrpSpPr>
+              <p:cNvPr id="54" name="Group 53"/>
+              <p:cNvGrpSpPr/>
+              <p:nvPr/>
+            </p:nvGrpSpPr>
+            <p:grpSpPr>
+              <a:xfrm>
+                <a:off x="3657243" y="1112014"/>
+                <a:ext cx="4800600" cy="4572000"/>
+                <a:chOff x="3657243" y="1112014"/>
+                <a:chExt cx="4800600" cy="4572000"/>
+              </a:xfrm>
+            </p:grpSpPr>
+            <p:sp>
+              <p:nvSpPr>
+                <p:cNvPr id="49" name="Regular Pentagon 48"/>
+                <p:cNvSpPr>
+                  <a:spLocks noChangeAspect="1"/>
+                </p:cNvSpPr>
+                <p:nvPr/>
+              </p:nvSpPr>
+              <p:spPr>
+                <a:xfrm>
+                  <a:off x="3657243" y="1112014"/>
+                  <a:ext cx="4800600" cy="4572000"/>
+                </a:xfrm>
+                <a:prstGeom prst="pentagon">
+                  <a:avLst/>
+                </a:prstGeom>
+                <a:noFill/>
+                <a:ln w="12700">
+                  <a:solidFill>
+                    <a:schemeClr val="bg1">
+                      <a:lumMod val="65000"/>
+                    </a:schemeClr>
+                  </a:solidFill>
+                  <a:prstDash val="dash"/>
+                </a:ln>
+              </p:spPr>
+              <p:style>
+                <a:lnRef idx="2">
+                  <a:schemeClr val="dk1"/>
+                </a:lnRef>
+                <a:fillRef idx="1">
+                  <a:schemeClr val="lt1"/>
+                </a:fillRef>
+                <a:effectRef idx="0">
+                  <a:schemeClr val="dk1"/>
+                </a:effectRef>
+                <a:fontRef idx="minor">
+                  <a:schemeClr val="dk1"/>
+                </a:fontRef>
+              </p:style>
+              <p:txBody>
+                <a:bodyPr rtlCol="0" anchor="ctr"/>
+                <a:lstStyle/>
+                <a:p>
+                  <a:pPr algn="ctr"/>
+                  <a:endParaRPr lang="en-US"/>
+                </a:p>
+              </p:txBody>
+            </p:sp>
+            <p:sp>
+              <p:nvSpPr>
+                <p:cNvPr id="50" name="Regular Pentagon 49"/>
+                <p:cNvSpPr>
+                  <a:spLocks noChangeAspect="1"/>
+                </p:cNvSpPr>
+                <p:nvPr/>
+              </p:nvSpPr>
+              <p:spPr>
+                <a:xfrm>
+                  <a:off x="4117653" y="1545963"/>
+                  <a:ext cx="3840480" cy="3657600"/>
+                </a:xfrm>
+                <a:prstGeom prst="pentagon">
+                  <a:avLst/>
+                </a:prstGeom>
+                <a:noFill/>
+                <a:ln w="12700">
+                  <a:solidFill>
+                    <a:schemeClr val="bg1">
+                      <a:lumMod val="65000"/>
+                    </a:schemeClr>
+                  </a:solidFill>
+                  <a:prstDash val="dash"/>
+                </a:ln>
+              </p:spPr>
+              <p:style>
+                <a:lnRef idx="2">
+                  <a:schemeClr val="dk1"/>
+                </a:lnRef>
+                <a:fillRef idx="1">
+                  <a:schemeClr val="lt1"/>
+                </a:fillRef>
+                <a:effectRef idx="0">
+                  <a:schemeClr val="dk1"/>
+                </a:effectRef>
+                <a:fontRef idx="minor">
+                  <a:schemeClr val="dk1"/>
+                </a:fontRef>
+              </p:style>
+              <p:txBody>
+                <a:bodyPr rtlCol="0" anchor="ctr"/>
+                <a:lstStyle/>
+                <a:p>
+                  <a:pPr algn="ctr"/>
+                  <a:endParaRPr lang="en-US"/>
+                </a:p>
+              </p:txBody>
+            </p:sp>
+            <p:sp>
+              <p:nvSpPr>
+                <p:cNvPr id="51" name="Regular Pentagon 50"/>
+                <p:cNvSpPr>
+                  <a:spLocks noChangeAspect="1"/>
+                </p:cNvSpPr>
+                <p:nvPr/>
+              </p:nvSpPr>
+              <p:spPr>
+                <a:xfrm>
+                  <a:off x="4614937" y="2027191"/>
+                  <a:ext cx="2880360" cy="2743200"/>
+                </a:xfrm>
+                <a:prstGeom prst="pentagon">
+                  <a:avLst/>
+                </a:prstGeom>
+                <a:noFill/>
+                <a:ln w="12700">
+                  <a:solidFill>
+                    <a:schemeClr val="bg1">
+                      <a:lumMod val="65000"/>
+                    </a:schemeClr>
+                  </a:solidFill>
+                  <a:prstDash val="dash"/>
+                </a:ln>
+              </p:spPr>
+              <p:style>
+                <a:lnRef idx="2">
+                  <a:schemeClr val="dk1"/>
+                </a:lnRef>
+                <a:fillRef idx="1">
+                  <a:schemeClr val="lt1"/>
+                </a:fillRef>
+                <a:effectRef idx="0">
+                  <a:schemeClr val="dk1"/>
+                </a:effectRef>
+                <a:fontRef idx="minor">
+                  <a:schemeClr val="dk1"/>
+                </a:fontRef>
+              </p:style>
+              <p:txBody>
+                <a:bodyPr rtlCol="0" anchor="ctr"/>
+                <a:lstStyle/>
+                <a:p>
+                  <a:pPr algn="ctr"/>
+                  <a:endParaRPr lang="en-US"/>
+                </a:p>
+              </p:txBody>
+            </p:sp>
+            <p:sp>
+              <p:nvSpPr>
+                <p:cNvPr id="52" name="Regular Pentagon 51"/>
+                <p:cNvSpPr>
+                  <a:spLocks noChangeAspect="1"/>
+                </p:cNvSpPr>
+                <p:nvPr/>
+              </p:nvSpPr>
+              <p:spPr>
+                <a:xfrm>
+                  <a:off x="5078451" y="2486033"/>
+                  <a:ext cx="1920240" cy="1828800"/>
+                </a:xfrm>
+                <a:prstGeom prst="pentagon">
+                  <a:avLst/>
+                </a:prstGeom>
+                <a:noFill/>
+                <a:ln w="12700">
+                  <a:solidFill>
+                    <a:schemeClr val="bg1">
+                      <a:lumMod val="65000"/>
+                    </a:schemeClr>
+                  </a:solidFill>
+                  <a:prstDash val="dash"/>
+                </a:ln>
+              </p:spPr>
+              <p:style>
+                <a:lnRef idx="2">
+                  <a:schemeClr val="dk1"/>
+                </a:lnRef>
+                <a:fillRef idx="1">
+                  <a:schemeClr val="lt1"/>
+                </a:fillRef>
+                <a:effectRef idx="0">
+                  <a:schemeClr val="dk1"/>
+                </a:effectRef>
+                <a:fontRef idx="minor">
+                  <a:schemeClr val="dk1"/>
+                </a:fontRef>
+              </p:style>
+              <p:txBody>
+                <a:bodyPr rtlCol="0" anchor="ctr"/>
+                <a:lstStyle/>
+                <a:p>
+                  <a:pPr algn="ctr"/>
+                  <a:endParaRPr lang="en-US"/>
+                </a:p>
+              </p:txBody>
+            </p:sp>
+            <p:sp>
+              <p:nvSpPr>
+                <p:cNvPr id="53" name="Regular Pentagon 52"/>
+                <p:cNvSpPr>
+                  <a:spLocks noChangeAspect="1"/>
+                </p:cNvSpPr>
+                <p:nvPr/>
+              </p:nvSpPr>
+              <p:spPr>
+                <a:xfrm>
+                  <a:off x="5566761" y="2928943"/>
+                  <a:ext cx="960120" cy="914400"/>
+                </a:xfrm>
+                <a:prstGeom prst="pentagon">
+                  <a:avLst/>
+                </a:prstGeom>
+                <a:noFill/>
+                <a:ln w="12700">
+                  <a:solidFill>
+                    <a:schemeClr val="bg1">
+                      <a:lumMod val="65000"/>
+                    </a:schemeClr>
+                  </a:solidFill>
+                  <a:prstDash val="dash"/>
+                </a:ln>
+              </p:spPr>
+              <p:style>
+                <a:lnRef idx="2">
+                  <a:schemeClr val="dk1"/>
+                </a:lnRef>
+                <a:fillRef idx="1">
+                  <a:schemeClr val="lt1"/>
+                </a:fillRef>
+                <a:effectRef idx="0">
+                  <a:schemeClr val="dk1"/>
+                </a:effectRef>
+                <a:fontRef idx="minor">
+                  <a:schemeClr val="dk1"/>
+                </a:fontRef>
+              </p:style>
+              <p:txBody>
+                <a:bodyPr rtlCol="0" anchor="ctr"/>
+                <a:lstStyle/>
+                <a:p>
+                  <a:pPr algn="ctr"/>
+                  <a:endParaRPr lang="en-US"/>
+                </a:p>
+              </p:txBody>
+            </p:sp>
+          </p:grpSp>
+        </p:grpSp>
+        <p:sp>
+          <p:nvSpPr>
+            <p:cNvPr id="55" name="TextBox 54"/>
+            <p:cNvSpPr txBox="1"/>
+            <p:nvPr/>
+          </p:nvSpPr>
+          <p:spPr>
+            <a:xfrm>
+              <a:off x="6003957" y="2803547"/>
+              <a:ext cx="628057" cy="276999"/>
+            </a:xfrm>
+            <a:prstGeom prst="rect">
+              <a:avLst/>
+            </a:prstGeom>
+            <a:noFill/>
+          </p:spPr>
+          <p:txBody>
+            <a:bodyPr wrap="none" rtlCol="0">
+              <a:spAutoFit/>
+            </a:bodyPr>
+            <a:lstStyle/>
+            <a:p>
+              <a:r>
+                <a:rPr lang="en-US" sz="1200" dirty="0"/>
+                <a:t>Adopts</a:t>
+              </a:r>
+            </a:p>
+          </p:txBody>
+        </p:sp>
+        <p:sp>
+          <p:nvSpPr>
+            <p:cNvPr id="57" name="TextBox 56"/>
+            <p:cNvSpPr txBox="1"/>
+            <p:nvPr/>
+          </p:nvSpPr>
+          <p:spPr>
+            <a:xfrm>
+              <a:off x="5999192" y="2341577"/>
+              <a:ext cx="852926" cy="276999"/>
+            </a:xfrm>
+            <a:prstGeom prst="rect">
+              <a:avLst/>
+            </a:prstGeom>
+            <a:noFill/>
+          </p:spPr>
+          <p:txBody>
+            <a:bodyPr wrap="none" rtlCol="0">
+              <a:spAutoFit/>
+            </a:bodyPr>
+            <a:lstStyle/>
+            <a:p>
+              <a:r>
+                <a:rPr lang="en-US" sz="1200" dirty="0"/>
+                <a:t>Specializes</a:t>
+              </a:r>
+            </a:p>
+          </p:txBody>
+        </p:sp>
+        <p:sp>
+          <p:nvSpPr>
+            <p:cNvPr id="58" name="TextBox 57"/>
+            <p:cNvSpPr txBox="1"/>
+            <p:nvPr/>
+          </p:nvSpPr>
+          <p:spPr>
+            <a:xfrm>
+              <a:off x="6008712" y="1893895"/>
+              <a:ext cx="890885" cy="276999"/>
+            </a:xfrm>
+            <a:prstGeom prst="rect">
+              <a:avLst/>
+            </a:prstGeom>
+            <a:noFill/>
+          </p:spPr>
+          <p:txBody>
+            <a:bodyPr wrap="none" rtlCol="0">
+              <a:spAutoFit/>
+            </a:bodyPr>
+            <a:lstStyle/>
+            <a:p>
+              <a:r>
+                <a:rPr lang="en-US" sz="1200" dirty="0"/>
+                <a:t>Evangelizes</a:t>
+              </a:r>
+            </a:p>
+          </p:txBody>
+        </p:sp>
+        <p:sp>
+          <p:nvSpPr>
+            <p:cNvPr id="59" name="TextBox 58"/>
+            <p:cNvSpPr txBox="1"/>
+            <p:nvPr/>
+          </p:nvSpPr>
+          <p:spPr>
+            <a:xfrm>
+              <a:off x="6003944" y="1417638"/>
+              <a:ext cx="686983" cy="276999"/>
+            </a:xfrm>
+            <a:prstGeom prst="rect">
+              <a:avLst/>
+            </a:prstGeom>
+            <a:noFill/>
+          </p:spPr>
+          <p:txBody>
+            <a:bodyPr wrap="none" rtlCol="0">
+              <a:spAutoFit/>
+            </a:bodyPr>
+            <a:lstStyle/>
+            <a:p>
+              <a:r>
+                <a:rPr lang="en-US" sz="1200" dirty="0"/>
+                <a:t>Masters</a:t>
+              </a:r>
+            </a:p>
+          </p:txBody>
+        </p:sp>
+        <p:sp>
+          <p:nvSpPr>
+            <p:cNvPr id="60" name="TextBox 59"/>
+            <p:cNvSpPr txBox="1"/>
+            <p:nvPr/>
+          </p:nvSpPr>
+          <p:spPr>
+            <a:xfrm>
+              <a:off x="5984888" y="969952"/>
+              <a:ext cx="654218" cy="276999"/>
+            </a:xfrm>
+            <a:prstGeom prst="rect">
+              <a:avLst/>
+            </a:prstGeom>
+            <a:noFill/>
+          </p:spPr>
+          <p:txBody>
+            <a:bodyPr wrap="none" rtlCol="0">
+              <a:spAutoFit/>
+            </a:bodyPr>
+            <a:lstStyle/>
+            <a:p>
+              <a:r>
+                <a:rPr lang="en-US" sz="1200" dirty="0"/>
+                <a:t>Creates</a:t>
+              </a:r>
+            </a:p>
+          </p:txBody>
+        </p:sp>
+        <p:sp>
+          <p:nvSpPr>
+            <p:cNvPr id="61" name="TextBox 60"/>
+            <p:cNvSpPr txBox="1"/>
+            <p:nvPr/>
+          </p:nvSpPr>
+          <p:spPr>
+            <a:xfrm>
+              <a:off x="5433536" y="282434"/>
+              <a:ext cx="1243161" cy="369332"/>
+            </a:xfrm>
+            <a:prstGeom prst="rect">
+              <a:avLst/>
+            </a:prstGeom>
+            <a:noFill/>
+          </p:spPr>
+          <p:txBody>
+            <a:bodyPr wrap="none" rtlCol="0">
+              <a:spAutoFit/>
+            </a:bodyPr>
+            <a:lstStyle/>
+            <a:p>
+              <a:r>
+                <a:rPr lang="en-US" dirty="0"/>
+                <a:t>Technology</a:t>
+              </a:r>
+            </a:p>
+          </p:txBody>
+        </p:sp>
+        <p:sp>
+          <p:nvSpPr>
+            <p:cNvPr id="62" name="TextBox 61"/>
+            <p:cNvSpPr txBox="1"/>
+            <p:nvPr/>
+          </p:nvSpPr>
+          <p:spPr>
+            <a:xfrm>
+              <a:off x="6084917" y="3356006"/>
+              <a:ext cx="474745" cy="276999"/>
+            </a:xfrm>
+            <a:prstGeom prst="rect">
+              <a:avLst/>
+            </a:prstGeom>
+            <a:noFill/>
+          </p:spPr>
+          <p:txBody>
+            <a:bodyPr wrap="none" rtlCol="0">
+              <a:spAutoFit/>
+            </a:bodyPr>
+            <a:lstStyle/>
+            <a:p>
+              <a:r>
+                <a:rPr lang="en-US" sz="1200" dirty="0"/>
+                <a:t>Data</a:t>
+              </a:r>
+            </a:p>
+          </p:txBody>
+        </p:sp>
+        <p:sp>
+          <p:nvSpPr>
+            <p:cNvPr id="64" name="TextBox 63"/>
+            <p:cNvSpPr txBox="1"/>
+            <p:nvPr/>
+          </p:nvSpPr>
+          <p:spPr>
+            <a:xfrm>
+              <a:off x="6512826" y="3258248"/>
+              <a:ext cx="924548" cy="276999"/>
+            </a:xfrm>
+            <a:prstGeom prst="rect">
+              <a:avLst/>
+            </a:prstGeom>
+            <a:noFill/>
+          </p:spPr>
+          <p:txBody>
+            <a:bodyPr wrap="none" rtlCol="0">
+              <a:spAutoFit/>
+            </a:bodyPr>
+            <a:lstStyle/>
+            <a:p>
+              <a:r>
+                <a:rPr lang="en-US" sz="1200" dirty="0"/>
+                <a:t>Information</a:t>
+              </a:r>
+            </a:p>
+          </p:txBody>
+        </p:sp>
+        <p:sp>
+          <p:nvSpPr>
+            <p:cNvPr id="65" name="TextBox 64"/>
+            <p:cNvSpPr txBox="1"/>
+            <p:nvPr/>
+          </p:nvSpPr>
+          <p:spPr>
+            <a:xfrm>
+              <a:off x="7058062" y="3122547"/>
+              <a:ext cx="874470" cy="276999"/>
+            </a:xfrm>
+            <a:prstGeom prst="rect">
+              <a:avLst/>
+            </a:prstGeom>
+            <a:noFill/>
+          </p:spPr>
+          <p:txBody>
+            <a:bodyPr wrap="none" rtlCol="0">
+              <a:spAutoFit/>
+            </a:bodyPr>
+            <a:lstStyle/>
+            <a:p>
+              <a:r>
+                <a:rPr lang="en-US" sz="1200" dirty="0"/>
+                <a:t>Knowledge</a:t>
+              </a:r>
+            </a:p>
+          </p:txBody>
+        </p:sp>
+        <p:sp>
+          <p:nvSpPr>
+            <p:cNvPr id="66" name="TextBox 65"/>
+            <p:cNvSpPr txBox="1"/>
+            <p:nvPr/>
+          </p:nvSpPr>
+          <p:spPr>
+            <a:xfrm>
+              <a:off x="7673085" y="2967829"/>
+              <a:ext cx="601640" cy="276999"/>
+            </a:xfrm>
+            <a:prstGeom prst="rect">
+              <a:avLst/>
+            </a:prstGeom>
+            <a:noFill/>
+          </p:spPr>
+          <p:txBody>
+            <a:bodyPr wrap="none" rtlCol="0">
+              <a:spAutoFit/>
+            </a:bodyPr>
+            <a:lstStyle/>
+            <a:p>
+              <a:r>
+                <a:rPr lang="en-US" sz="1200" dirty="0"/>
+                <a:t>Insight</a:t>
+              </a:r>
+            </a:p>
+          </p:txBody>
+        </p:sp>
+        <p:sp>
+          <p:nvSpPr>
+            <p:cNvPr id="67" name="TextBox 66"/>
+            <p:cNvSpPr txBox="1"/>
+            <p:nvPr/>
+          </p:nvSpPr>
+          <p:spPr>
+            <a:xfrm>
+              <a:off x="8139796" y="2866103"/>
+              <a:ext cx="702436" cy="276999"/>
+            </a:xfrm>
+            <a:prstGeom prst="rect">
+              <a:avLst/>
+            </a:prstGeom>
+            <a:noFill/>
+          </p:spPr>
+          <p:txBody>
+            <a:bodyPr wrap="none" rtlCol="0">
+              <a:spAutoFit/>
+            </a:bodyPr>
+            <a:lstStyle/>
+            <a:p>
+              <a:r>
+                <a:rPr lang="en-US" sz="1200" dirty="0"/>
+                <a:t>Wisdom</a:t>
+              </a:r>
+            </a:p>
+          </p:txBody>
+        </p:sp>
+        <p:sp>
+          <p:nvSpPr>
+            <p:cNvPr id="68" name="TextBox 67"/>
+            <p:cNvSpPr txBox="1"/>
+            <p:nvPr/>
+          </p:nvSpPr>
+          <p:spPr>
+            <a:xfrm>
+              <a:off x="8913638" y="2544572"/>
+              <a:ext cx="1058175" cy="369332"/>
+            </a:xfrm>
+            <a:prstGeom prst="rect">
+              <a:avLst/>
+            </a:prstGeom>
+            <a:noFill/>
+          </p:spPr>
+          <p:txBody>
+            <a:bodyPr wrap="none" rtlCol="0">
+              <a:spAutoFit/>
+            </a:bodyPr>
+            <a:lstStyle/>
+            <a:p>
+              <a:r>
+                <a:rPr lang="en-US" dirty="0"/>
+                <a:t>Synthesis</a:t>
+              </a:r>
+            </a:p>
+          </p:txBody>
+        </p:sp>
+        <p:sp>
+          <p:nvSpPr>
+            <p:cNvPr id="69" name="TextBox 68"/>
+            <p:cNvSpPr txBox="1"/>
+            <p:nvPr/>
+          </p:nvSpPr>
+          <p:spPr>
+            <a:xfrm>
+              <a:off x="5165741" y="2994048"/>
+              <a:ext cx="849913" cy="276999"/>
+            </a:xfrm>
+            <a:prstGeom prst="rect">
+              <a:avLst/>
+            </a:prstGeom>
+            <a:noFill/>
+          </p:spPr>
+          <p:txBody>
+            <a:bodyPr wrap="none" rtlCol="0">
+              <a:spAutoFit/>
+            </a:bodyPr>
+            <a:lstStyle/>
+            <a:p>
+              <a:r>
+                <a:rPr lang="en-US" sz="1200" dirty="0"/>
+                <a:t>Subsystem</a:t>
+              </a:r>
+            </a:p>
+          </p:txBody>
+        </p:sp>
+        <p:sp>
+          <p:nvSpPr>
+            <p:cNvPr id="70" name="TextBox 69"/>
+            <p:cNvSpPr txBox="1"/>
+            <p:nvPr/>
+          </p:nvSpPr>
+          <p:spPr>
+            <a:xfrm>
+              <a:off x="5018106" y="2803542"/>
+              <a:ext cx="520592" cy="276999"/>
+            </a:xfrm>
+            <a:prstGeom prst="rect">
+              <a:avLst/>
+            </a:prstGeom>
+            <a:noFill/>
+          </p:spPr>
+          <p:txBody>
+            <a:bodyPr wrap="none" rtlCol="0">
+              <a:spAutoFit/>
+            </a:bodyPr>
+            <a:lstStyle/>
+            <a:p>
+              <a:r>
+                <a:rPr lang="en-US" sz="1200"/>
+                <a:t>Team</a:t>
+              </a:r>
+              <a:endParaRPr lang="en-US" sz="1200" dirty="0"/>
+            </a:p>
+          </p:txBody>
+        </p:sp>
+        <p:sp>
+          <p:nvSpPr>
+            <p:cNvPr id="71" name="TextBox 70"/>
+            <p:cNvSpPr txBox="1"/>
+            <p:nvPr/>
+          </p:nvSpPr>
+          <p:spPr>
+            <a:xfrm>
+              <a:off x="4498988" y="2598752"/>
+              <a:ext cx="745717" cy="461665"/>
+            </a:xfrm>
+            <a:prstGeom prst="rect">
+              <a:avLst/>
+            </a:prstGeom>
+            <a:noFill/>
+          </p:spPr>
+          <p:txBody>
+            <a:bodyPr wrap="none" rtlCol="0">
+              <a:spAutoFit/>
+            </a:bodyPr>
+            <a:lstStyle/>
+            <a:p>
+              <a:r>
+                <a:rPr lang="en-US" sz="1200"/>
+                <a:t>Multiple </a:t>
+              </a:r>
+            </a:p>
+            <a:p>
+              <a:r>
+                <a:rPr lang="en-US" sz="1200" dirty="0"/>
+                <a:t>Teams</a:t>
+              </a:r>
+            </a:p>
+          </p:txBody>
+        </p:sp>
+        <p:sp>
+          <p:nvSpPr>
+            <p:cNvPr id="73" name="TextBox 72"/>
+            <p:cNvSpPr txBox="1"/>
+            <p:nvPr/>
+          </p:nvSpPr>
+          <p:spPr>
+            <a:xfrm>
+              <a:off x="3779843" y="2636848"/>
+              <a:ext cx="771814" cy="276999"/>
+            </a:xfrm>
+            <a:prstGeom prst="rect">
+              <a:avLst/>
+            </a:prstGeom>
+            <a:noFill/>
+          </p:spPr>
+          <p:txBody>
+            <a:bodyPr wrap="none" rtlCol="0">
+              <a:spAutoFit/>
+            </a:bodyPr>
+            <a:lstStyle/>
+            <a:p>
+              <a:r>
+                <a:rPr lang="en-US" sz="1200" dirty="0"/>
+                <a:t>Company</a:t>
+              </a:r>
+            </a:p>
+          </p:txBody>
+        </p:sp>
+        <p:sp>
+          <p:nvSpPr>
+            <p:cNvPr id="74" name="TextBox 73"/>
+            <p:cNvSpPr txBox="1"/>
+            <p:nvPr/>
+          </p:nvSpPr>
+          <p:spPr>
+            <a:xfrm>
+              <a:off x="3460644" y="2433616"/>
+              <a:ext cx="910827" cy="276999"/>
+            </a:xfrm>
+            <a:prstGeom prst="rect">
+              <a:avLst/>
+            </a:prstGeom>
+            <a:noFill/>
+          </p:spPr>
+          <p:txBody>
+            <a:bodyPr wrap="none" rtlCol="0">
+              <a:spAutoFit/>
+            </a:bodyPr>
+            <a:lstStyle/>
+            <a:p>
+              <a:r>
+                <a:rPr lang="en-US" sz="1200" dirty="0"/>
+                <a:t>Community</a:t>
+              </a:r>
+            </a:p>
+          </p:txBody>
+        </p:sp>
+        <p:sp>
+          <p:nvSpPr>
+            <p:cNvPr id="75" name="TextBox 74"/>
+            <p:cNvSpPr txBox="1"/>
+            <p:nvPr/>
+          </p:nvSpPr>
+          <p:spPr>
+            <a:xfrm>
+              <a:off x="2108011" y="2539804"/>
+              <a:ext cx="1058751" cy="369332"/>
+            </a:xfrm>
+            <a:prstGeom prst="rect">
+              <a:avLst/>
+            </a:prstGeom>
+            <a:noFill/>
+          </p:spPr>
+          <p:txBody>
+            <a:bodyPr wrap="none" rtlCol="0">
+              <a:spAutoFit/>
+            </a:bodyPr>
+            <a:lstStyle/>
+            <a:p>
+              <a:r>
+                <a:rPr lang="en-US" dirty="0"/>
+                <a:t>Influence</a:t>
+              </a:r>
+            </a:p>
+          </p:txBody>
+        </p:sp>
+        <p:sp>
+          <p:nvSpPr>
+            <p:cNvPr id="76" name="TextBox 75"/>
+            <p:cNvSpPr txBox="1"/>
+            <p:nvPr/>
+          </p:nvSpPr>
+          <p:spPr>
+            <a:xfrm>
+              <a:off x="7416824" y="6166401"/>
+              <a:ext cx="826060" cy="369332"/>
+            </a:xfrm>
+            <a:prstGeom prst="rect">
+              <a:avLst/>
+            </a:prstGeom>
+            <a:noFill/>
+          </p:spPr>
+          <p:txBody>
+            <a:bodyPr wrap="none" rtlCol="0">
+              <a:spAutoFit/>
+            </a:bodyPr>
+            <a:lstStyle/>
+            <a:p>
+              <a:r>
+                <a:rPr lang="en-US" dirty="0"/>
+                <a:t>People</a:t>
+              </a:r>
+            </a:p>
+          </p:txBody>
+        </p:sp>
+        <p:sp>
+          <p:nvSpPr>
+            <p:cNvPr id="77" name="TextBox 76"/>
+            <p:cNvSpPr txBox="1"/>
+            <p:nvPr/>
+          </p:nvSpPr>
+          <p:spPr>
+            <a:xfrm>
+              <a:off x="3811595" y="6161638"/>
+              <a:ext cx="894284" cy="369332"/>
+            </a:xfrm>
+            <a:prstGeom prst="rect">
+              <a:avLst/>
+            </a:prstGeom>
+            <a:noFill/>
+          </p:spPr>
+          <p:txBody>
+            <a:bodyPr wrap="none" rtlCol="0">
+              <a:spAutoFit/>
+            </a:bodyPr>
+            <a:lstStyle/>
+            <a:p>
+              <a:r>
+                <a:rPr lang="en-US" dirty="0"/>
+                <a:t>Process</a:t>
+              </a:r>
+            </a:p>
+          </p:txBody>
+        </p:sp>
+        <p:sp>
+          <p:nvSpPr>
+            <p:cNvPr id="78" name="TextBox 77"/>
+            <p:cNvSpPr txBox="1"/>
+            <p:nvPr/>
+          </p:nvSpPr>
+          <p:spPr>
+            <a:xfrm>
+              <a:off x="5731357" y="3700439"/>
+              <a:ext cx="593432" cy="276999"/>
+            </a:xfrm>
+            <a:prstGeom prst="rect">
+              <a:avLst/>
+            </a:prstGeom>
+            <a:noFill/>
+          </p:spPr>
+          <p:txBody>
+            <a:bodyPr wrap="none" rtlCol="0">
+              <a:spAutoFit/>
+            </a:bodyPr>
+            <a:lstStyle/>
+            <a:p>
+              <a:r>
+                <a:rPr lang="en-US" sz="1200" dirty="0"/>
+                <a:t>Learns</a:t>
+              </a:r>
+            </a:p>
+          </p:txBody>
+        </p:sp>
+        <p:sp>
+          <p:nvSpPr>
+            <p:cNvPr id="79" name="TextBox 78"/>
+            <p:cNvSpPr txBox="1"/>
+            <p:nvPr/>
+          </p:nvSpPr>
+          <p:spPr>
+            <a:xfrm>
+              <a:off x="5869469" y="4167166"/>
+              <a:ext cx="742511" cy="276999"/>
+            </a:xfrm>
+            <a:prstGeom prst="rect">
+              <a:avLst/>
+            </a:prstGeom>
+            <a:noFill/>
+          </p:spPr>
+          <p:txBody>
+            <a:bodyPr wrap="none" rtlCol="0">
+              <a:spAutoFit/>
+            </a:bodyPr>
+            <a:lstStyle/>
+            <a:p>
+              <a:r>
+                <a:rPr lang="en-US" sz="1200"/>
+                <a:t>Supports</a:t>
+              </a:r>
+              <a:endParaRPr lang="en-US" sz="1200" dirty="0"/>
+            </a:p>
+          </p:txBody>
+        </p:sp>
+        <p:sp>
+          <p:nvSpPr>
+            <p:cNvPr id="80" name="TextBox 79"/>
+            <p:cNvSpPr txBox="1"/>
+            <p:nvPr/>
+          </p:nvSpPr>
+          <p:spPr>
+            <a:xfrm>
+              <a:off x="6221886" y="4605321"/>
+              <a:ext cx="714619" cy="276999"/>
+            </a:xfrm>
+            <a:prstGeom prst="rect">
+              <a:avLst/>
+            </a:prstGeom>
+            <a:noFill/>
+          </p:spPr>
+          <p:txBody>
+            <a:bodyPr wrap="none" rtlCol="0">
+              <a:spAutoFit/>
+            </a:bodyPr>
+            <a:lstStyle/>
+            <a:p>
+              <a:r>
+                <a:rPr lang="en-US" sz="1200"/>
+                <a:t>Mentors</a:t>
+              </a:r>
+              <a:endParaRPr lang="en-US" sz="1200" dirty="0"/>
+            </a:p>
+          </p:txBody>
+        </p:sp>
+        <p:sp>
+          <p:nvSpPr>
+            <p:cNvPr id="81" name="TextBox 80"/>
+            <p:cNvSpPr txBox="1"/>
+            <p:nvPr/>
+          </p:nvSpPr>
+          <p:spPr>
+            <a:xfrm>
+              <a:off x="6231406" y="5057759"/>
+              <a:ext cx="936347" cy="276999"/>
+            </a:xfrm>
+            <a:prstGeom prst="rect">
+              <a:avLst/>
+            </a:prstGeom>
+            <a:noFill/>
+          </p:spPr>
+          <p:txBody>
+            <a:bodyPr wrap="none" rtlCol="0">
+              <a:spAutoFit/>
+            </a:bodyPr>
+            <a:lstStyle/>
+            <a:p>
+              <a:r>
+                <a:rPr lang="en-US" sz="1200"/>
+                <a:t>Coordinates</a:t>
+              </a:r>
+              <a:endParaRPr lang="en-US" sz="1200" dirty="0"/>
+            </a:p>
+          </p:txBody>
+        </p:sp>
+        <p:sp>
+          <p:nvSpPr>
+            <p:cNvPr id="82" name="TextBox 81"/>
+            <p:cNvSpPr txBox="1"/>
+            <p:nvPr/>
+          </p:nvSpPr>
+          <p:spPr>
+            <a:xfrm>
+              <a:off x="6755282" y="5538771"/>
+              <a:ext cx="752514" cy="276999"/>
+            </a:xfrm>
+            <a:prstGeom prst="rect">
+              <a:avLst/>
+            </a:prstGeom>
+            <a:noFill/>
+          </p:spPr>
+          <p:txBody>
+            <a:bodyPr wrap="none" rtlCol="0">
+              <a:spAutoFit/>
+            </a:bodyPr>
+            <a:lstStyle/>
+            <a:p>
+              <a:r>
+                <a:rPr lang="en-US" sz="1200" dirty="0"/>
+                <a:t>Manages</a:t>
+              </a:r>
+            </a:p>
+          </p:txBody>
+        </p:sp>
+        <p:sp>
+          <p:nvSpPr>
+            <p:cNvPr id="83" name="TextBox 82"/>
+            <p:cNvSpPr txBox="1"/>
+            <p:nvPr/>
+          </p:nvSpPr>
+          <p:spPr>
+            <a:xfrm>
+              <a:off x="5093248" y="3692361"/>
+              <a:ext cx="657103" cy="276999"/>
+            </a:xfrm>
+            <a:prstGeom prst="rect">
+              <a:avLst/>
+            </a:prstGeom>
+            <a:noFill/>
+          </p:spPr>
+          <p:txBody>
+            <a:bodyPr wrap="none" rtlCol="0">
+              <a:spAutoFit/>
+            </a:bodyPr>
+            <a:lstStyle/>
+            <a:p>
+              <a:r>
+                <a:rPr lang="en-US" sz="1200" dirty="0"/>
+                <a:t>Follows</a:t>
+              </a:r>
+              <a:endParaRPr lang="en-US" sz="1100" dirty="0"/>
+            </a:p>
+          </p:txBody>
+        </p:sp>
+        <p:sp>
+          <p:nvSpPr>
+            <p:cNvPr id="84" name="TextBox 83"/>
+            <p:cNvSpPr txBox="1"/>
+            <p:nvPr/>
+          </p:nvSpPr>
+          <p:spPr>
+            <a:xfrm>
+              <a:off x="4717010" y="4144803"/>
+              <a:ext cx="718851" cy="276999"/>
+            </a:xfrm>
+            <a:prstGeom prst="rect">
+              <a:avLst/>
+            </a:prstGeom>
+            <a:noFill/>
+          </p:spPr>
+          <p:txBody>
+            <a:bodyPr wrap="none" rtlCol="0">
+              <a:spAutoFit/>
+            </a:bodyPr>
+            <a:lstStyle/>
+            <a:p>
+              <a:r>
+                <a:rPr lang="en-US" sz="1200" dirty="0"/>
+                <a:t>Enforces</a:t>
+              </a:r>
+            </a:p>
+          </p:txBody>
+        </p:sp>
+        <p:sp>
+          <p:nvSpPr>
+            <p:cNvPr id="85" name="TextBox 84"/>
+            <p:cNvSpPr txBox="1"/>
+            <p:nvPr/>
+          </p:nvSpPr>
+          <p:spPr>
+            <a:xfrm>
+              <a:off x="4269331" y="4582958"/>
+              <a:ext cx="856709" cy="276999"/>
+            </a:xfrm>
+            <a:prstGeom prst="rect">
+              <a:avLst/>
+            </a:prstGeom>
+            <a:noFill/>
+          </p:spPr>
+          <p:txBody>
+            <a:bodyPr wrap="none" rtlCol="0">
+              <a:spAutoFit/>
+            </a:bodyPr>
+            <a:lstStyle/>
+            <a:p>
+              <a:r>
+                <a:rPr lang="en-US" sz="1200" dirty="0"/>
+                <a:t>Challenges</a:t>
+              </a:r>
+            </a:p>
+          </p:txBody>
+        </p:sp>
+        <p:sp>
+          <p:nvSpPr>
+            <p:cNvPr id="86" name="TextBox 85"/>
+            <p:cNvSpPr txBox="1"/>
+            <p:nvPr/>
+          </p:nvSpPr>
+          <p:spPr>
+            <a:xfrm>
+              <a:off x="4221713" y="5049688"/>
+              <a:ext cx="643061" cy="276999"/>
+            </a:xfrm>
+            <a:prstGeom prst="rect">
+              <a:avLst/>
+            </a:prstGeom>
+            <a:noFill/>
+          </p:spPr>
+          <p:txBody>
+            <a:bodyPr wrap="none" rtlCol="0">
+              <a:spAutoFit/>
+            </a:bodyPr>
+            <a:lstStyle/>
+            <a:p>
+              <a:r>
+                <a:rPr lang="en-US" sz="1200" dirty="0"/>
+                <a:t>Adjusts</a:t>
+              </a:r>
+            </a:p>
+          </p:txBody>
+        </p:sp>
+        <p:sp>
+          <p:nvSpPr>
+            <p:cNvPr id="87" name="TextBox 86"/>
+            <p:cNvSpPr txBox="1"/>
+            <p:nvPr/>
+          </p:nvSpPr>
+          <p:spPr>
+            <a:xfrm>
+              <a:off x="4102658" y="5373536"/>
+              <a:ext cx="484428" cy="461665"/>
+            </a:xfrm>
+            <a:prstGeom prst="rect">
+              <a:avLst/>
+            </a:prstGeom>
+            <a:noFill/>
+          </p:spPr>
+          <p:txBody>
+            <a:bodyPr wrap="none" rtlCol="0">
+              <a:spAutoFit/>
+            </a:bodyPr>
+            <a:lstStyle/>
+            <a:p>
+              <a:r>
+                <a:rPr lang="en-US" sz="1200" dirty="0"/>
+                <a:t>De-</a:t>
+              </a:r>
+            </a:p>
+            <a:p>
+              <a:r>
+                <a:rPr lang="en-US" sz="1200" dirty="0"/>
+                <a:t>fines</a:t>
+              </a:r>
+            </a:p>
+          </p:txBody>
+        </p:sp>
+      </p:grpSp>
+    </p:spTree>
+    <p:extLst>
+      <p:ext uri="{BB962C8B-B14F-4D97-AF65-F5344CB8AC3E}">
+        <p14:creationId xmlns:p14="http://schemas.microsoft.com/office/powerpoint/2010/main" val="1107190496"/>
+      </p:ext>
+    </p:extLst>
+  </p:cSld>
+  <p:clrMapOvr>
+    <a:masterClrMapping/>
+  </p:clrMapOvr>
+</p:sld>
+</file>
+
+<file path=ppt/slides/slide4.xml><?xml version="1.0" encoding="utf-8"?>
 <p:sld xmlns:a="http://schemas.openxmlformats.org/drawingml/2006/main" xmlns:r="http://schemas.openxmlformats.org/officeDocument/2006/relationships" xmlns:p="http://schemas.openxmlformats.org/presentationml/2006/main">
   <p:cSld>
     <p:spTree>
@@ -24924,7 +28027,7 @@
 </p:sld>
 </file>
 
-<file path=ppt/slides/slide4.xml><?xml version="1.0" encoding="utf-8"?>
+<file path=ppt/slides/slide5.xml><?xml version="1.0" encoding="utf-8"?>
 <p:sld xmlns:a="http://schemas.openxmlformats.org/drawingml/2006/main" xmlns:r="http://schemas.openxmlformats.org/officeDocument/2006/relationships" xmlns:p="http://schemas.openxmlformats.org/presentationml/2006/main">
   <p:cSld>
     <p:spTree>
@@ -26597,7 +29700,7 @@
 </p:sld>
 </file>
 
-<file path=ppt/slides/slide5.xml><?xml version="1.0" encoding="utf-8"?>
+<file path=ppt/slides/slide6.xml><?xml version="1.0" encoding="utf-8"?>
 <p:sld xmlns:a="http://schemas.openxmlformats.org/drawingml/2006/main" xmlns:r="http://schemas.openxmlformats.org/officeDocument/2006/relationships" xmlns:p="http://schemas.openxmlformats.org/presentationml/2006/main">
   <p:cSld>
     <p:spTree>
@@ -28268,7 +31371,7 @@
 </p:sld>
 </file>
 
-<file path=ppt/slides/slide6.xml><?xml version="1.0" encoding="utf-8"?>
+<file path=ppt/slides/slide7.xml><?xml version="1.0" encoding="utf-8"?>
 <p:sld xmlns:a="http://schemas.openxmlformats.org/drawingml/2006/main" xmlns:r="http://schemas.openxmlformats.org/officeDocument/2006/relationships" xmlns:p="http://schemas.openxmlformats.org/presentationml/2006/main">
   <p:cSld>
     <p:spTree>
@@ -29941,7 +33044,7 @@
 </p:sld>
 </file>
 
-<file path=ppt/slides/slide7.xml><?xml version="1.0" encoding="utf-8"?>
+<file path=ppt/slides/slide8.xml><?xml version="1.0" encoding="utf-8"?>
 <p:sld xmlns:a="http://schemas.openxmlformats.org/drawingml/2006/main" xmlns:r="http://schemas.openxmlformats.org/officeDocument/2006/relationships" xmlns:p="http://schemas.openxmlformats.org/presentationml/2006/main">
   <p:cSld>
     <p:spTree>
@@ -31616,7 +34719,7 @@
 </p:sld>
 </file>
 
-<file path=ppt/slides/slide8.xml><?xml version="1.0" encoding="utf-8"?>
+<file path=ppt/slides/slide9.xml><?xml version="1.0" encoding="utf-8"?>
 <p:sld xmlns:a="http://schemas.openxmlformats.org/drawingml/2006/main" xmlns:r="http://schemas.openxmlformats.org/officeDocument/2006/relationships" xmlns:p="http://schemas.openxmlformats.org/presentationml/2006/main">
   <p:cSld>
     <p:spTree>
@@ -33280,1681 +36383,6 @@
     <p:extLst>
       <p:ext uri="{BB962C8B-B14F-4D97-AF65-F5344CB8AC3E}">
         <p14:creationId xmlns:p14="http://schemas.microsoft.com/office/powerpoint/2010/main" val="708138183"/>
-      </p:ext>
-    </p:extLst>
-  </p:cSld>
-  <p:clrMapOvr>
-    <a:masterClrMapping/>
-  </p:clrMapOvr>
-</p:sld>
-</file>
-
-<file path=ppt/slides/slide9.xml><?xml version="1.0" encoding="utf-8"?>
-<p:sld xmlns:a="http://schemas.openxmlformats.org/drawingml/2006/main" xmlns:r="http://schemas.openxmlformats.org/officeDocument/2006/relationships" xmlns:p="http://schemas.openxmlformats.org/presentationml/2006/main">
-  <p:cSld>
-    <p:spTree>
-      <p:nvGrpSpPr>
-        <p:cNvPr id="1" name=""/>
-        <p:cNvGrpSpPr/>
-        <p:nvPr/>
-      </p:nvGrpSpPr>
-      <p:grpSpPr>
-        <a:xfrm>
-          <a:off x="0" y="0"/>
-          <a:ext cx="0" cy="0"/>
-          <a:chOff x="0" y="0"/>
-          <a:chExt cx="0" cy="0"/>
-        </a:xfrm>
-      </p:grpSpPr>
-      <p:grpSp>
-        <p:nvGrpSpPr>
-          <p:cNvPr id="7" name="Group 6"/>
-          <p:cNvGrpSpPr/>
-          <p:nvPr/>
-        </p:nvGrpSpPr>
-        <p:grpSpPr>
-          <a:xfrm>
-            <a:off x="1875336" y="279824"/>
-            <a:ext cx="7889754" cy="6255909"/>
-            <a:chOff x="1875336" y="279824"/>
-            <a:chExt cx="7889754" cy="6255909"/>
-          </a:xfrm>
-        </p:grpSpPr>
-        <p:sp>
-          <p:nvSpPr>
-            <p:cNvPr id="100" name="Rectangle 99"/>
-            <p:cNvSpPr/>
-            <p:nvPr/>
-          </p:nvSpPr>
-          <p:spPr>
-            <a:xfrm>
-              <a:off x="1875336" y="279824"/>
-              <a:ext cx="447558" cy="369332"/>
-            </a:xfrm>
-            <a:prstGeom prst="rect">
-              <a:avLst/>
-            </a:prstGeom>
-            <a:ln>
-              <a:solidFill>
-                <a:schemeClr val="tx1"/>
-              </a:solidFill>
-            </a:ln>
-          </p:spPr>
-          <p:txBody>
-            <a:bodyPr wrap="none">
-              <a:spAutoFit/>
-            </a:bodyPr>
-            <a:lstStyle/>
-            <a:p>
-              <a:r>
-                <a:rPr lang="en-US" b="1" dirty="0">
-                  <a:effectLst/>
-                  <a:latin typeface="Calibri" charset="0"/>
-                  <a:ea typeface="Calibri" charset="0"/>
-                  <a:cs typeface="Times New Roman" charset="0"/>
-                </a:rPr>
-                <a:t>D7</a:t>
-              </a:r>
-              <a:endParaRPr lang="en-US" dirty="0"/>
-            </a:p>
-          </p:txBody>
-        </p:sp>
-        <p:grpSp>
-          <p:nvGrpSpPr>
-            <p:cNvPr id="91" name="Group 90"/>
-            <p:cNvGrpSpPr/>
-            <p:nvPr/>
-          </p:nvGrpSpPr>
-          <p:grpSpPr>
-            <a:xfrm>
-              <a:off x="4117657" y="1123841"/>
-              <a:ext cx="4340181" cy="4108313"/>
-              <a:chOff x="4117657" y="1123841"/>
-              <a:chExt cx="4340181" cy="4108313"/>
-            </a:xfrm>
-          </p:grpSpPr>
-          <p:cxnSp>
-            <p:nvCxnSpPr>
-              <p:cNvPr id="93" name="Straight Connector 92"/>
-              <p:cNvCxnSpPr>
-                <a:endCxn id="50" idx="1"/>
-              </p:cNvCxnSpPr>
-              <p:nvPr/>
-            </p:nvCxnSpPr>
-            <p:spPr>
-              <a:xfrm flipH="1">
-                <a:off x="4117657" y="1123841"/>
-                <a:ext cx="1910095" cy="1819197"/>
-              </a:xfrm>
-              <a:prstGeom prst="line">
-                <a:avLst/>
-              </a:prstGeom>
-              <a:ln w="25400">
-                <a:solidFill>
-                  <a:srgbClr val="00B0F0"/>
-                </a:solidFill>
-              </a:ln>
-            </p:spPr>
-            <p:style>
-              <a:lnRef idx="1">
-                <a:schemeClr val="accent1"/>
-              </a:lnRef>
-              <a:fillRef idx="0">
-                <a:schemeClr val="accent1"/>
-              </a:fillRef>
-              <a:effectRef idx="0">
-                <a:schemeClr val="accent1"/>
-              </a:effectRef>
-              <a:fontRef idx="minor">
-                <a:schemeClr val="tx1"/>
-              </a:fontRef>
-            </p:style>
-          </p:cxnSp>
-          <p:cxnSp>
-            <p:nvCxnSpPr>
-              <p:cNvPr id="94" name="Straight Connector 93"/>
-              <p:cNvCxnSpPr/>
-              <p:nvPr/>
-            </p:nvCxnSpPr>
-            <p:spPr>
-              <a:xfrm>
-                <a:off x="6027752" y="1123841"/>
-                <a:ext cx="2430086" cy="1734517"/>
-              </a:xfrm>
-              <a:prstGeom prst="line">
-                <a:avLst/>
-              </a:prstGeom>
-              <a:ln w="25400">
-                <a:solidFill>
-                  <a:srgbClr val="00B0F0"/>
-                </a:solidFill>
-              </a:ln>
-            </p:spPr>
-            <p:style>
-              <a:lnRef idx="1">
-                <a:schemeClr val="accent1"/>
-              </a:lnRef>
-              <a:fillRef idx="0">
-                <a:schemeClr val="accent1"/>
-              </a:fillRef>
-              <a:effectRef idx="0">
-                <a:schemeClr val="accent1"/>
-              </a:effectRef>
-              <a:fontRef idx="minor">
-                <a:schemeClr val="tx1"/>
-              </a:fontRef>
-            </p:style>
-          </p:cxnSp>
-          <p:cxnSp>
-            <p:nvCxnSpPr>
-              <p:cNvPr id="95" name="Straight Connector 94"/>
-              <p:cNvCxnSpPr>
-                <a:endCxn id="50" idx="1"/>
-              </p:cNvCxnSpPr>
-              <p:nvPr/>
-            </p:nvCxnSpPr>
-            <p:spPr>
-              <a:xfrm flipH="1" flipV="1">
-                <a:off x="4117657" y="2943038"/>
-                <a:ext cx="768193" cy="2289116"/>
-              </a:xfrm>
-              <a:prstGeom prst="line">
-                <a:avLst/>
-              </a:prstGeom>
-              <a:ln w="25400">
-                <a:solidFill>
-                  <a:srgbClr val="00B0F0"/>
-                </a:solidFill>
-              </a:ln>
-            </p:spPr>
-            <p:style>
-              <a:lnRef idx="1">
-                <a:schemeClr val="accent1"/>
-              </a:lnRef>
-              <a:fillRef idx="0">
-                <a:schemeClr val="accent1"/>
-              </a:fillRef>
-              <a:effectRef idx="0">
-                <a:schemeClr val="accent1"/>
-              </a:effectRef>
-              <a:fontRef idx="minor">
-                <a:schemeClr val="tx1"/>
-              </a:fontRef>
-            </p:style>
-          </p:cxnSp>
-          <p:cxnSp>
-            <p:nvCxnSpPr>
-              <p:cNvPr id="96" name="Straight Connector 95"/>
-              <p:cNvCxnSpPr/>
-              <p:nvPr/>
-            </p:nvCxnSpPr>
-            <p:spPr>
-              <a:xfrm flipV="1">
-                <a:off x="4885849" y="4744922"/>
-                <a:ext cx="2069754" cy="487231"/>
-              </a:xfrm>
-              <a:prstGeom prst="line">
-                <a:avLst/>
-              </a:prstGeom>
-              <a:ln w="25400">
-                <a:solidFill>
-                  <a:srgbClr val="00B0F0"/>
-                </a:solidFill>
-              </a:ln>
-            </p:spPr>
-            <p:style>
-              <a:lnRef idx="1">
-                <a:schemeClr val="accent1"/>
-              </a:lnRef>
-              <a:fillRef idx="0">
-                <a:schemeClr val="accent1"/>
-              </a:fillRef>
-              <a:effectRef idx="0">
-                <a:schemeClr val="accent1"/>
-              </a:effectRef>
-              <a:fontRef idx="minor">
-                <a:schemeClr val="tx1"/>
-              </a:fontRef>
-            </p:style>
-          </p:cxnSp>
-          <p:cxnSp>
-            <p:nvCxnSpPr>
-              <p:cNvPr id="97" name="Straight Connector 96"/>
-              <p:cNvCxnSpPr/>
-              <p:nvPr/>
-            </p:nvCxnSpPr>
-            <p:spPr>
-              <a:xfrm flipH="1">
-                <a:off x="6955603" y="2858358"/>
-                <a:ext cx="1502235" cy="1886564"/>
-              </a:xfrm>
-              <a:prstGeom prst="line">
-                <a:avLst/>
-              </a:prstGeom>
-              <a:ln w="25400">
-                <a:solidFill>
-                  <a:srgbClr val="00B0F0"/>
-                </a:solidFill>
-              </a:ln>
-            </p:spPr>
-            <p:style>
-              <a:lnRef idx="1">
-                <a:schemeClr val="accent1"/>
-              </a:lnRef>
-              <a:fillRef idx="0">
-                <a:schemeClr val="accent1"/>
-              </a:fillRef>
-              <a:effectRef idx="0">
-                <a:schemeClr val="accent1"/>
-              </a:effectRef>
-              <a:fontRef idx="minor">
-                <a:schemeClr val="tx1"/>
-              </a:fontRef>
-            </p:style>
-          </p:cxnSp>
-        </p:grpSp>
-        <p:grpSp>
-          <p:nvGrpSpPr>
-            <p:cNvPr id="190" name="Group 189"/>
-            <p:cNvGrpSpPr/>
-            <p:nvPr/>
-          </p:nvGrpSpPr>
-          <p:grpSpPr>
-            <a:xfrm>
-              <a:off x="2108011" y="282434"/>
-              <a:ext cx="7657079" cy="6253299"/>
-              <a:chOff x="2108011" y="282434"/>
-              <a:chExt cx="7657079" cy="6253299"/>
-            </a:xfrm>
-          </p:grpSpPr>
-          <p:grpSp>
-            <p:nvGrpSpPr>
-              <p:cNvPr id="191" name="Group 190"/>
-              <p:cNvGrpSpPr/>
-              <p:nvPr/>
-            </p:nvGrpSpPr>
-            <p:grpSpPr>
-              <a:xfrm>
-                <a:off x="3171825" y="657224"/>
-                <a:ext cx="5760720" cy="5486400"/>
-                <a:chOff x="3171825" y="657224"/>
-                <a:chExt cx="5760720" cy="5486400"/>
-              </a:xfrm>
-            </p:grpSpPr>
-            <p:grpSp>
-              <p:nvGrpSpPr>
-                <p:cNvPr id="222" name="Group 221"/>
-                <p:cNvGrpSpPr/>
-                <p:nvPr/>
-              </p:nvGrpSpPr>
-              <p:grpSpPr>
-                <a:xfrm>
-                  <a:off x="3171825" y="657224"/>
-                  <a:ext cx="5760720" cy="5486400"/>
-                  <a:chOff x="3171825" y="657224"/>
-                  <a:chExt cx="5760720" cy="5486400"/>
-                </a:xfrm>
-              </p:grpSpPr>
-              <p:sp>
-                <p:nvSpPr>
-                  <p:cNvPr id="229" name="Regular Pentagon 228"/>
-                  <p:cNvSpPr>
-                    <a:spLocks noChangeAspect="1"/>
-                  </p:cNvSpPr>
-                  <p:nvPr/>
-                </p:nvSpPr>
-                <p:spPr>
-                  <a:xfrm>
-                    <a:off x="3171825" y="657224"/>
-                    <a:ext cx="5760720" cy="5486400"/>
-                  </a:xfrm>
-                  <a:prstGeom prst="pentagon">
-                    <a:avLst/>
-                  </a:prstGeom>
-                  <a:noFill/>
-                  <a:ln w="19050"/>
-                </p:spPr>
-                <p:style>
-                  <a:lnRef idx="2">
-                    <a:schemeClr val="dk1"/>
-                  </a:lnRef>
-                  <a:fillRef idx="1">
-                    <a:schemeClr val="lt1"/>
-                  </a:fillRef>
-                  <a:effectRef idx="0">
-                    <a:schemeClr val="dk1"/>
-                  </a:effectRef>
-                  <a:fontRef idx="minor">
-                    <a:schemeClr val="dk1"/>
-                  </a:fontRef>
-                </p:style>
-                <p:txBody>
-                  <a:bodyPr rtlCol="0" anchor="ctr"/>
-                  <a:lstStyle/>
-                  <a:p>
-                    <a:pPr algn="ctr"/>
-                    <a:endParaRPr lang="en-US"/>
-                  </a:p>
-                </p:txBody>
-              </p:sp>
-              <p:cxnSp>
-                <p:nvCxnSpPr>
-                  <p:cNvPr id="230" name="Straight Connector 229"/>
-                  <p:cNvCxnSpPr/>
-                  <p:nvPr/>
-                </p:nvCxnSpPr>
-                <p:spPr>
-                  <a:xfrm>
-                    <a:off x="6037897" y="657224"/>
-                    <a:ext cx="0" cy="2743200"/>
-                  </a:xfrm>
-                  <a:prstGeom prst="line">
-                    <a:avLst/>
-                  </a:prstGeom>
-                  <a:ln w="19050"/>
-                </p:spPr>
-                <p:style>
-                  <a:lnRef idx="3">
-                    <a:schemeClr val="dk1"/>
-                  </a:lnRef>
-                  <a:fillRef idx="0">
-                    <a:schemeClr val="dk1"/>
-                  </a:fillRef>
-                  <a:effectRef idx="2">
-                    <a:schemeClr val="dk1"/>
-                  </a:effectRef>
-                  <a:fontRef idx="minor">
-                    <a:schemeClr val="tx1"/>
-                  </a:fontRef>
-                </p:style>
-              </p:cxnSp>
-              <p:cxnSp>
-                <p:nvCxnSpPr>
-                  <p:cNvPr id="231" name="Straight Connector 230"/>
-                  <p:cNvCxnSpPr>
-                    <a:endCxn id="218" idx="2"/>
-                  </p:cNvCxnSpPr>
-                  <p:nvPr/>
-                </p:nvCxnSpPr>
-                <p:spPr>
-                  <a:xfrm flipH="1">
-                    <a:off x="4272028" y="3400424"/>
-                    <a:ext cx="1765869" cy="2743186"/>
-                  </a:xfrm>
-                  <a:prstGeom prst="line">
-                    <a:avLst/>
-                  </a:prstGeom>
-                  <a:ln w="19050"/>
-                </p:spPr>
-                <p:style>
-                  <a:lnRef idx="3">
-                    <a:schemeClr val="dk1"/>
-                  </a:lnRef>
-                  <a:fillRef idx="0">
-                    <a:schemeClr val="dk1"/>
-                  </a:fillRef>
-                  <a:effectRef idx="2">
-                    <a:schemeClr val="dk1"/>
-                  </a:effectRef>
-                  <a:fontRef idx="minor">
-                    <a:schemeClr val="tx1"/>
-                  </a:fontRef>
-                </p:style>
-              </p:cxnSp>
-              <p:cxnSp>
-                <p:nvCxnSpPr>
-                  <p:cNvPr id="232" name="Straight Connector 231"/>
-                  <p:cNvCxnSpPr>
-                    <a:endCxn id="218" idx="4"/>
-                  </p:cNvCxnSpPr>
-                  <p:nvPr/>
-                </p:nvCxnSpPr>
-                <p:spPr>
-                  <a:xfrm>
-                    <a:off x="6037897" y="3400410"/>
-                    <a:ext cx="1794445" cy="2743200"/>
-                  </a:xfrm>
-                  <a:prstGeom prst="line">
-                    <a:avLst/>
-                  </a:prstGeom>
-                  <a:ln w="19050"/>
-                </p:spPr>
-                <p:style>
-                  <a:lnRef idx="3">
-                    <a:schemeClr val="dk1"/>
-                  </a:lnRef>
-                  <a:fillRef idx="0">
-                    <a:schemeClr val="dk1"/>
-                  </a:fillRef>
-                  <a:effectRef idx="2">
-                    <a:schemeClr val="dk1"/>
-                  </a:effectRef>
-                  <a:fontRef idx="minor">
-                    <a:schemeClr val="tx1"/>
-                  </a:fontRef>
-                </p:style>
-              </p:cxnSp>
-              <p:cxnSp>
-                <p:nvCxnSpPr>
-                  <p:cNvPr id="233" name="Straight Connector 232"/>
-                  <p:cNvCxnSpPr>
-                    <a:endCxn id="218" idx="1"/>
-                  </p:cNvCxnSpPr>
-                  <p:nvPr/>
-                </p:nvCxnSpPr>
-                <p:spPr>
-                  <a:xfrm flipH="1" flipV="1">
-                    <a:off x="3171831" y="2752837"/>
-                    <a:ext cx="2880354" cy="647559"/>
-                  </a:xfrm>
-                  <a:prstGeom prst="line">
-                    <a:avLst/>
-                  </a:prstGeom>
-                  <a:ln w="19050"/>
-                </p:spPr>
-                <p:style>
-                  <a:lnRef idx="3">
-                    <a:schemeClr val="dk1"/>
-                  </a:lnRef>
-                  <a:fillRef idx="0">
-                    <a:schemeClr val="dk1"/>
-                  </a:fillRef>
-                  <a:effectRef idx="2">
-                    <a:schemeClr val="dk1"/>
-                  </a:effectRef>
-                  <a:fontRef idx="minor">
-                    <a:schemeClr val="tx1"/>
-                  </a:fontRef>
-                </p:style>
-              </p:cxnSp>
-              <p:cxnSp>
-                <p:nvCxnSpPr>
-                  <p:cNvPr id="234" name="Straight Connector 233"/>
-                  <p:cNvCxnSpPr>
-                    <a:stCxn id="218" idx="5"/>
-                  </p:cNvCxnSpPr>
-                  <p:nvPr/>
-                </p:nvCxnSpPr>
-                <p:spPr>
-                  <a:xfrm flipH="1">
-                    <a:off x="6023611" y="2752837"/>
-                    <a:ext cx="2908928" cy="647559"/>
-                  </a:xfrm>
-                  <a:prstGeom prst="line">
-                    <a:avLst/>
-                  </a:prstGeom>
-                  <a:ln w="19050"/>
-                </p:spPr>
-                <p:style>
-                  <a:lnRef idx="3">
-                    <a:schemeClr val="dk1"/>
-                  </a:lnRef>
-                  <a:fillRef idx="0">
-                    <a:schemeClr val="dk1"/>
-                  </a:fillRef>
-                  <a:effectRef idx="2">
-                    <a:schemeClr val="dk1"/>
-                  </a:effectRef>
-                  <a:fontRef idx="minor">
-                    <a:schemeClr val="tx1"/>
-                  </a:fontRef>
-                </p:style>
-              </p:cxnSp>
-            </p:grpSp>
-            <p:grpSp>
-              <p:nvGrpSpPr>
-                <p:cNvPr id="223" name="Group 222"/>
-                <p:cNvGrpSpPr/>
-                <p:nvPr/>
-              </p:nvGrpSpPr>
-              <p:grpSpPr>
-                <a:xfrm>
-                  <a:off x="3657243" y="1112014"/>
-                  <a:ext cx="4800600" cy="4572000"/>
-                  <a:chOff x="3657243" y="1112014"/>
-                  <a:chExt cx="4800600" cy="4572000"/>
-                </a:xfrm>
-              </p:grpSpPr>
-              <p:sp>
-                <p:nvSpPr>
-                  <p:cNvPr id="224" name="Regular Pentagon 223"/>
-                  <p:cNvSpPr>
-                    <a:spLocks noChangeAspect="1"/>
-                  </p:cNvSpPr>
-                  <p:nvPr/>
-                </p:nvSpPr>
-                <p:spPr>
-                  <a:xfrm>
-                    <a:off x="3657243" y="1112014"/>
-                    <a:ext cx="4800600" cy="4572000"/>
-                  </a:xfrm>
-                  <a:prstGeom prst="pentagon">
-                    <a:avLst/>
-                  </a:prstGeom>
-                  <a:noFill/>
-                  <a:ln w="12700">
-                    <a:solidFill>
-                      <a:schemeClr val="bg1">
-                        <a:lumMod val="65000"/>
-                      </a:schemeClr>
-                    </a:solidFill>
-                    <a:prstDash val="dash"/>
-                  </a:ln>
-                </p:spPr>
-                <p:style>
-                  <a:lnRef idx="2">
-                    <a:schemeClr val="dk1"/>
-                  </a:lnRef>
-                  <a:fillRef idx="1">
-                    <a:schemeClr val="lt1"/>
-                  </a:fillRef>
-                  <a:effectRef idx="0">
-                    <a:schemeClr val="dk1"/>
-                  </a:effectRef>
-                  <a:fontRef idx="minor">
-                    <a:schemeClr val="dk1"/>
-                  </a:fontRef>
-                </p:style>
-                <p:txBody>
-                  <a:bodyPr rtlCol="0" anchor="ctr"/>
-                  <a:lstStyle/>
-                  <a:p>
-                    <a:pPr algn="ctr"/>
-                    <a:endParaRPr lang="en-US"/>
-                  </a:p>
-                </p:txBody>
-              </p:sp>
-              <p:sp>
-                <p:nvSpPr>
-                  <p:cNvPr id="225" name="Regular Pentagon 224"/>
-                  <p:cNvSpPr>
-                    <a:spLocks noChangeAspect="1"/>
-                  </p:cNvSpPr>
-                  <p:nvPr/>
-                </p:nvSpPr>
-                <p:spPr>
-                  <a:xfrm>
-                    <a:off x="4117653" y="1545963"/>
-                    <a:ext cx="3840480" cy="3657600"/>
-                  </a:xfrm>
-                  <a:prstGeom prst="pentagon">
-                    <a:avLst/>
-                  </a:prstGeom>
-                  <a:noFill/>
-                  <a:ln w="12700">
-                    <a:solidFill>
-                      <a:schemeClr val="bg1">
-                        <a:lumMod val="65000"/>
-                      </a:schemeClr>
-                    </a:solidFill>
-                    <a:prstDash val="dash"/>
-                  </a:ln>
-                </p:spPr>
-                <p:style>
-                  <a:lnRef idx="2">
-                    <a:schemeClr val="dk1"/>
-                  </a:lnRef>
-                  <a:fillRef idx="1">
-                    <a:schemeClr val="lt1"/>
-                  </a:fillRef>
-                  <a:effectRef idx="0">
-                    <a:schemeClr val="dk1"/>
-                  </a:effectRef>
-                  <a:fontRef idx="minor">
-                    <a:schemeClr val="dk1"/>
-                  </a:fontRef>
-                </p:style>
-                <p:txBody>
-                  <a:bodyPr rtlCol="0" anchor="ctr"/>
-                  <a:lstStyle/>
-                  <a:p>
-                    <a:pPr algn="ctr"/>
-                    <a:endParaRPr lang="en-US"/>
-                  </a:p>
-                </p:txBody>
-              </p:sp>
-              <p:sp>
-                <p:nvSpPr>
-                  <p:cNvPr id="226" name="Regular Pentagon 225"/>
-                  <p:cNvSpPr>
-                    <a:spLocks noChangeAspect="1"/>
-                  </p:cNvSpPr>
-                  <p:nvPr/>
-                </p:nvSpPr>
-                <p:spPr>
-                  <a:xfrm>
-                    <a:off x="4614937" y="2027191"/>
-                    <a:ext cx="2880360" cy="2743200"/>
-                  </a:xfrm>
-                  <a:prstGeom prst="pentagon">
-                    <a:avLst/>
-                  </a:prstGeom>
-                  <a:noFill/>
-                  <a:ln w="12700">
-                    <a:solidFill>
-                      <a:schemeClr val="bg1">
-                        <a:lumMod val="65000"/>
-                      </a:schemeClr>
-                    </a:solidFill>
-                    <a:prstDash val="dash"/>
-                  </a:ln>
-                </p:spPr>
-                <p:style>
-                  <a:lnRef idx="2">
-                    <a:schemeClr val="dk1"/>
-                  </a:lnRef>
-                  <a:fillRef idx="1">
-                    <a:schemeClr val="lt1"/>
-                  </a:fillRef>
-                  <a:effectRef idx="0">
-                    <a:schemeClr val="dk1"/>
-                  </a:effectRef>
-                  <a:fontRef idx="minor">
-                    <a:schemeClr val="dk1"/>
-                  </a:fontRef>
-                </p:style>
-                <p:txBody>
-                  <a:bodyPr rtlCol="0" anchor="ctr"/>
-                  <a:lstStyle/>
-                  <a:p>
-                    <a:pPr algn="ctr"/>
-                    <a:endParaRPr lang="en-US"/>
-                  </a:p>
-                </p:txBody>
-              </p:sp>
-              <p:sp>
-                <p:nvSpPr>
-                  <p:cNvPr id="227" name="Regular Pentagon 226"/>
-                  <p:cNvSpPr>
-                    <a:spLocks noChangeAspect="1"/>
-                  </p:cNvSpPr>
-                  <p:nvPr/>
-                </p:nvSpPr>
-                <p:spPr>
-                  <a:xfrm>
-                    <a:off x="5078451" y="2486033"/>
-                    <a:ext cx="1920240" cy="1828800"/>
-                  </a:xfrm>
-                  <a:prstGeom prst="pentagon">
-                    <a:avLst/>
-                  </a:prstGeom>
-                  <a:noFill/>
-                  <a:ln w="12700">
-                    <a:solidFill>
-                      <a:schemeClr val="bg1">
-                        <a:lumMod val="65000"/>
-                      </a:schemeClr>
-                    </a:solidFill>
-                    <a:prstDash val="dash"/>
-                  </a:ln>
-                </p:spPr>
-                <p:style>
-                  <a:lnRef idx="2">
-                    <a:schemeClr val="dk1"/>
-                  </a:lnRef>
-                  <a:fillRef idx="1">
-                    <a:schemeClr val="lt1"/>
-                  </a:fillRef>
-                  <a:effectRef idx="0">
-                    <a:schemeClr val="dk1"/>
-                  </a:effectRef>
-                  <a:fontRef idx="minor">
-                    <a:schemeClr val="dk1"/>
-                  </a:fontRef>
-                </p:style>
-                <p:txBody>
-                  <a:bodyPr rtlCol="0" anchor="ctr"/>
-                  <a:lstStyle/>
-                  <a:p>
-                    <a:pPr algn="ctr"/>
-                    <a:endParaRPr lang="en-US"/>
-                  </a:p>
-                </p:txBody>
-              </p:sp>
-              <p:sp>
-                <p:nvSpPr>
-                  <p:cNvPr id="228" name="Regular Pentagon 227"/>
-                  <p:cNvSpPr>
-                    <a:spLocks noChangeAspect="1"/>
-                  </p:cNvSpPr>
-                  <p:nvPr/>
-                </p:nvSpPr>
-                <p:spPr>
-                  <a:xfrm>
-                    <a:off x="5566761" y="2928943"/>
-                    <a:ext cx="960120" cy="914400"/>
-                  </a:xfrm>
-                  <a:prstGeom prst="pentagon">
-                    <a:avLst/>
-                  </a:prstGeom>
-                  <a:noFill/>
-                  <a:ln w="12700">
-                    <a:solidFill>
-                      <a:schemeClr val="bg1">
-                        <a:lumMod val="65000"/>
-                      </a:schemeClr>
-                    </a:solidFill>
-                    <a:prstDash val="dash"/>
-                  </a:ln>
-                </p:spPr>
-                <p:style>
-                  <a:lnRef idx="2">
-                    <a:schemeClr val="dk1"/>
-                  </a:lnRef>
-                  <a:fillRef idx="1">
-                    <a:schemeClr val="lt1"/>
-                  </a:fillRef>
-                  <a:effectRef idx="0">
-                    <a:schemeClr val="dk1"/>
-                  </a:effectRef>
-                  <a:fontRef idx="minor">
-                    <a:schemeClr val="dk1"/>
-                  </a:fontRef>
-                </p:style>
-                <p:txBody>
-                  <a:bodyPr rtlCol="0" anchor="ctr"/>
-                  <a:lstStyle/>
-                  <a:p>
-                    <a:pPr algn="ctr"/>
-                    <a:endParaRPr lang="en-US"/>
-                  </a:p>
-                </p:txBody>
-              </p:sp>
-            </p:grpSp>
-          </p:grpSp>
-          <p:sp>
-            <p:nvSpPr>
-              <p:cNvPr id="192" name="TextBox 191"/>
-              <p:cNvSpPr txBox="1"/>
-              <p:nvPr/>
-            </p:nvSpPr>
-            <p:spPr>
-              <a:xfrm>
-                <a:off x="6003957" y="2803547"/>
-                <a:ext cx="628057" cy="276999"/>
-              </a:xfrm>
-              <a:prstGeom prst="rect">
-                <a:avLst/>
-              </a:prstGeom>
-              <a:noFill/>
-            </p:spPr>
-            <p:txBody>
-              <a:bodyPr wrap="none" rtlCol="0">
-                <a:spAutoFit/>
-              </a:bodyPr>
-              <a:lstStyle/>
-              <a:p>
-                <a:r>
-                  <a:rPr lang="en-US" sz="1200" dirty="0"/>
-                  <a:t>Adopts</a:t>
-                </a:r>
-              </a:p>
-            </p:txBody>
-          </p:sp>
-          <p:sp>
-            <p:nvSpPr>
-              <p:cNvPr id="193" name="TextBox 192"/>
-              <p:cNvSpPr txBox="1"/>
-              <p:nvPr/>
-            </p:nvSpPr>
-            <p:spPr>
-              <a:xfrm>
-                <a:off x="5999192" y="2341577"/>
-                <a:ext cx="852926" cy="276999"/>
-              </a:xfrm>
-              <a:prstGeom prst="rect">
-                <a:avLst/>
-              </a:prstGeom>
-              <a:noFill/>
-            </p:spPr>
-            <p:txBody>
-              <a:bodyPr wrap="none" rtlCol="0">
-                <a:spAutoFit/>
-              </a:bodyPr>
-              <a:lstStyle/>
-              <a:p>
-                <a:r>
-                  <a:rPr lang="en-US" sz="1200" dirty="0"/>
-                  <a:t>Specializes</a:t>
-                </a:r>
-              </a:p>
-            </p:txBody>
-          </p:sp>
-          <p:sp>
-            <p:nvSpPr>
-              <p:cNvPr id="194" name="TextBox 193"/>
-              <p:cNvSpPr txBox="1"/>
-              <p:nvPr/>
-            </p:nvSpPr>
-            <p:spPr>
-              <a:xfrm>
-                <a:off x="6008712" y="1893895"/>
-                <a:ext cx="890885" cy="276999"/>
-              </a:xfrm>
-              <a:prstGeom prst="rect">
-                <a:avLst/>
-              </a:prstGeom>
-              <a:noFill/>
-            </p:spPr>
-            <p:txBody>
-              <a:bodyPr wrap="none" rtlCol="0">
-                <a:spAutoFit/>
-              </a:bodyPr>
-              <a:lstStyle/>
-              <a:p>
-                <a:r>
-                  <a:rPr lang="en-US" sz="1200" dirty="0"/>
-                  <a:t>Evangelizes</a:t>
-                </a:r>
-              </a:p>
-            </p:txBody>
-          </p:sp>
-          <p:sp>
-            <p:nvSpPr>
-              <p:cNvPr id="195" name="TextBox 194"/>
-              <p:cNvSpPr txBox="1"/>
-              <p:nvPr/>
-            </p:nvSpPr>
-            <p:spPr>
-              <a:xfrm>
-                <a:off x="6003944" y="1417638"/>
-                <a:ext cx="686983" cy="276999"/>
-              </a:xfrm>
-              <a:prstGeom prst="rect">
-                <a:avLst/>
-              </a:prstGeom>
-              <a:noFill/>
-            </p:spPr>
-            <p:txBody>
-              <a:bodyPr wrap="none" rtlCol="0">
-                <a:spAutoFit/>
-              </a:bodyPr>
-              <a:lstStyle/>
-              <a:p>
-                <a:r>
-                  <a:rPr lang="en-US" sz="1200" dirty="0"/>
-                  <a:t>Masters</a:t>
-                </a:r>
-              </a:p>
-            </p:txBody>
-          </p:sp>
-          <p:sp>
-            <p:nvSpPr>
-              <p:cNvPr id="196" name="TextBox 195"/>
-              <p:cNvSpPr txBox="1"/>
-              <p:nvPr/>
-            </p:nvSpPr>
-            <p:spPr>
-              <a:xfrm>
-                <a:off x="5984888" y="969952"/>
-                <a:ext cx="654218" cy="276999"/>
-              </a:xfrm>
-              <a:prstGeom prst="rect">
-                <a:avLst/>
-              </a:prstGeom>
-              <a:noFill/>
-            </p:spPr>
-            <p:txBody>
-              <a:bodyPr wrap="none" rtlCol="0">
-                <a:spAutoFit/>
-              </a:bodyPr>
-              <a:lstStyle/>
-              <a:p>
-                <a:r>
-                  <a:rPr lang="en-US" sz="1200" dirty="0"/>
-                  <a:t>Creates</a:t>
-                </a:r>
-              </a:p>
-            </p:txBody>
-          </p:sp>
-          <p:sp>
-            <p:nvSpPr>
-              <p:cNvPr id="197" name="TextBox 196"/>
-              <p:cNvSpPr txBox="1"/>
-              <p:nvPr/>
-            </p:nvSpPr>
-            <p:spPr>
-              <a:xfrm>
-                <a:off x="5433536" y="282434"/>
-                <a:ext cx="1243161" cy="369332"/>
-              </a:xfrm>
-              <a:prstGeom prst="rect">
-                <a:avLst/>
-              </a:prstGeom>
-              <a:noFill/>
-            </p:spPr>
-            <p:txBody>
-              <a:bodyPr wrap="none" rtlCol="0">
-                <a:spAutoFit/>
-              </a:bodyPr>
-              <a:lstStyle/>
-              <a:p>
-                <a:r>
-                  <a:rPr lang="en-US" dirty="0"/>
-                  <a:t>Technology</a:t>
-                </a:r>
-              </a:p>
-            </p:txBody>
-          </p:sp>
-          <p:sp>
-            <p:nvSpPr>
-              <p:cNvPr id="198" name="TextBox 197"/>
-              <p:cNvSpPr txBox="1"/>
-              <p:nvPr/>
-            </p:nvSpPr>
-            <p:spPr>
-              <a:xfrm>
-                <a:off x="6084917" y="3356006"/>
-                <a:ext cx="777777" cy="276999"/>
-              </a:xfrm>
-              <a:prstGeom prst="rect">
-                <a:avLst/>
-              </a:prstGeom>
-              <a:noFill/>
-            </p:spPr>
-            <p:txBody>
-              <a:bodyPr wrap="none" rtlCol="0">
-                <a:spAutoFit/>
-              </a:bodyPr>
-              <a:lstStyle/>
-              <a:p>
-                <a:r>
-                  <a:rPr lang="en-US" sz="1200" dirty="0"/>
-                  <a:t>Enhances</a:t>
-                </a:r>
-              </a:p>
-            </p:txBody>
-          </p:sp>
-          <p:sp>
-            <p:nvSpPr>
-              <p:cNvPr id="199" name="TextBox 198"/>
-              <p:cNvSpPr txBox="1"/>
-              <p:nvPr/>
-            </p:nvSpPr>
-            <p:spPr>
-              <a:xfrm>
-                <a:off x="6611019" y="3209017"/>
-                <a:ext cx="665567" cy="276999"/>
-              </a:xfrm>
-              <a:prstGeom prst="rect">
-                <a:avLst/>
-              </a:prstGeom>
-              <a:noFill/>
-            </p:spPr>
-            <p:txBody>
-              <a:bodyPr wrap="none" rtlCol="0">
-                <a:spAutoFit/>
-              </a:bodyPr>
-              <a:lstStyle/>
-              <a:p>
-                <a:r>
-                  <a:rPr lang="en-US" sz="1200" dirty="0"/>
-                  <a:t>Designs</a:t>
-                </a:r>
-              </a:p>
-            </p:txBody>
-          </p:sp>
-          <p:sp>
-            <p:nvSpPr>
-              <p:cNvPr id="200" name="TextBox 199"/>
-              <p:cNvSpPr txBox="1"/>
-              <p:nvPr/>
-            </p:nvSpPr>
-            <p:spPr>
-              <a:xfrm>
-                <a:off x="7106326" y="3089946"/>
-                <a:ext cx="538930" cy="276999"/>
-              </a:xfrm>
-              <a:prstGeom prst="rect">
-                <a:avLst/>
-              </a:prstGeom>
-              <a:noFill/>
-            </p:spPr>
-            <p:txBody>
-              <a:bodyPr wrap="none" rtlCol="0">
-                <a:spAutoFit/>
-              </a:bodyPr>
-              <a:lstStyle/>
-              <a:p>
-                <a:r>
-                  <a:rPr lang="en-US" sz="1200" dirty="0"/>
-                  <a:t>Owns</a:t>
-                </a:r>
-              </a:p>
-            </p:txBody>
-          </p:sp>
-          <p:sp>
-            <p:nvSpPr>
-              <p:cNvPr id="201" name="TextBox 200"/>
-              <p:cNvSpPr txBox="1"/>
-              <p:nvPr/>
-            </p:nvSpPr>
-            <p:spPr>
-              <a:xfrm>
-                <a:off x="7558768" y="2985171"/>
-                <a:ext cx="646395" cy="276999"/>
-              </a:xfrm>
-              <a:prstGeom prst="rect">
-                <a:avLst/>
-              </a:prstGeom>
-              <a:noFill/>
-            </p:spPr>
-            <p:txBody>
-              <a:bodyPr wrap="none" rtlCol="0">
-                <a:spAutoFit/>
-              </a:bodyPr>
-              <a:lstStyle/>
-              <a:p>
-                <a:r>
-                  <a:rPr lang="en-US" sz="1200" dirty="0"/>
-                  <a:t>Evolves</a:t>
-                </a:r>
-              </a:p>
-            </p:txBody>
-          </p:sp>
-          <p:sp>
-            <p:nvSpPr>
-              <p:cNvPr id="202" name="TextBox 201"/>
-              <p:cNvSpPr txBox="1"/>
-              <p:nvPr/>
-            </p:nvSpPr>
-            <p:spPr>
-              <a:xfrm>
-                <a:off x="8139796" y="2866103"/>
-                <a:ext cx="540533" cy="276999"/>
-              </a:xfrm>
-              <a:prstGeom prst="rect">
-                <a:avLst/>
-              </a:prstGeom>
-              <a:noFill/>
-            </p:spPr>
-            <p:txBody>
-              <a:bodyPr wrap="none" rtlCol="0">
-                <a:spAutoFit/>
-              </a:bodyPr>
-              <a:lstStyle/>
-              <a:p>
-                <a:r>
-                  <a:rPr lang="en-US" sz="1200" dirty="0"/>
-                  <a:t>Leads</a:t>
-                </a:r>
-              </a:p>
-            </p:txBody>
-          </p:sp>
-          <p:sp>
-            <p:nvSpPr>
-              <p:cNvPr id="203" name="TextBox 202"/>
-              <p:cNvSpPr txBox="1"/>
-              <p:nvPr/>
-            </p:nvSpPr>
-            <p:spPr>
-              <a:xfrm>
-                <a:off x="8913638" y="2544572"/>
-                <a:ext cx="851452" cy="369332"/>
-              </a:xfrm>
-              <a:prstGeom prst="rect">
-                <a:avLst/>
-              </a:prstGeom>
-              <a:noFill/>
-            </p:spPr>
-            <p:txBody>
-              <a:bodyPr wrap="none" rtlCol="0">
-                <a:spAutoFit/>
-              </a:bodyPr>
-              <a:lstStyle/>
-              <a:p>
-                <a:r>
-                  <a:rPr lang="en-US" dirty="0"/>
-                  <a:t>System</a:t>
-                </a:r>
-              </a:p>
-            </p:txBody>
-          </p:sp>
-          <p:sp>
-            <p:nvSpPr>
-              <p:cNvPr id="204" name="TextBox 203"/>
-              <p:cNvSpPr txBox="1"/>
-              <p:nvPr/>
-            </p:nvSpPr>
-            <p:spPr>
-              <a:xfrm>
-                <a:off x="5165741" y="2994048"/>
-                <a:ext cx="849913" cy="276999"/>
-              </a:xfrm>
-              <a:prstGeom prst="rect">
-                <a:avLst/>
-              </a:prstGeom>
-              <a:noFill/>
-            </p:spPr>
-            <p:txBody>
-              <a:bodyPr wrap="none" rtlCol="0">
-                <a:spAutoFit/>
-              </a:bodyPr>
-              <a:lstStyle/>
-              <a:p>
-                <a:r>
-                  <a:rPr lang="en-US" sz="1200" dirty="0"/>
-                  <a:t>Subsystem</a:t>
-                </a:r>
-              </a:p>
-            </p:txBody>
-          </p:sp>
-          <p:sp>
-            <p:nvSpPr>
-              <p:cNvPr id="205" name="TextBox 204"/>
-              <p:cNvSpPr txBox="1"/>
-              <p:nvPr/>
-            </p:nvSpPr>
-            <p:spPr>
-              <a:xfrm>
-                <a:off x="5018106" y="2803542"/>
-                <a:ext cx="520592" cy="276999"/>
-              </a:xfrm>
-              <a:prstGeom prst="rect">
-                <a:avLst/>
-              </a:prstGeom>
-              <a:noFill/>
-            </p:spPr>
-            <p:txBody>
-              <a:bodyPr wrap="none" rtlCol="0">
-                <a:spAutoFit/>
-              </a:bodyPr>
-              <a:lstStyle/>
-              <a:p>
-                <a:r>
-                  <a:rPr lang="en-US" sz="1200"/>
-                  <a:t>Team</a:t>
-                </a:r>
-                <a:endParaRPr lang="en-US" sz="1200" dirty="0"/>
-              </a:p>
-            </p:txBody>
-          </p:sp>
-          <p:sp>
-            <p:nvSpPr>
-              <p:cNvPr id="206" name="TextBox 205"/>
-              <p:cNvSpPr txBox="1"/>
-              <p:nvPr/>
-            </p:nvSpPr>
-            <p:spPr>
-              <a:xfrm>
-                <a:off x="4498988" y="2598752"/>
-                <a:ext cx="745717" cy="461665"/>
-              </a:xfrm>
-              <a:prstGeom prst="rect">
-                <a:avLst/>
-              </a:prstGeom>
-              <a:noFill/>
-            </p:spPr>
-            <p:txBody>
-              <a:bodyPr wrap="none" rtlCol="0">
-                <a:spAutoFit/>
-              </a:bodyPr>
-              <a:lstStyle/>
-              <a:p>
-                <a:r>
-                  <a:rPr lang="en-US" sz="1200"/>
-                  <a:t>Multiple </a:t>
-                </a:r>
-              </a:p>
-              <a:p>
-                <a:r>
-                  <a:rPr lang="en-US" sz="1200" dirty="0"/>
-                  <a:t>Teams</a:t>
-                </a:r>
-              </a:p>
-            </p:txBody>
-          </p:sp>
-          <p:sp>
-            <p:nvSpPr>
-              <p:cNvPr id="207" name="TextBox 206"/>
-              <p:cNvSpPr txBox="1"/>
-              <p:nvPr/>
-            </p:nvSpPr>
-            <p:spPr>
-              <a:xfrm>
-                <a:off x="3779843" y="2636848"/>
-                <a:ext cx="771814" cy="276999"/>
-              </a:xfrm>
-              <a:prstGeom prst="rect">
-                <a:avLst/>
-              </a:prstGeom>
-              <a:noFill/>
-            </p:spPr>
-            <p:txBody>
-              <a:bodyPr wrap="none" rtlCol="0">
-                <a:spAutoFit/>
-              </a:bodyPr>
-              <a:lstStyle/>
-              <a:p>
-                <a:r>
-                  <a:rPr lang="en-US" sz="1200" dirty="0"/>
-                  <a:t>Company</a:t>
-                </a:r>
-              </a:p>
-            </p:txBody>
-          </p:sp>
-          <p:sp>
-            <p:nvSpPr>
-              <p:cNvPr id="208" name="TextBox 207"/>
-              <p:cNvSpPr txBox="1"/>
-              <p:nvPr/>
-            </p:nvSpPr>
-            <p:spPr>
-              <a:xfrm>
-                <a:off x="3460644" y="2433616"/>
-                <a:ext cx="910827" cy="276999"/>
-              </a:xfrm>
-              <a:prstGeom prst="rect">
-                <a:avLst/>
-              </a:prstGeom>
-              <a:noFill/>
-            </p:spPr>
-            <p:txBody>
-              <a:bodyPr wrap="none" rtlCol="0">
-                <a:spAutoFit/>
-              </a:bodyPr>
-              <a:lstStyle/>
-              <a:p>
-                <a:r>
-                  <a:rPr lang="en-US" sz="1200" dirty="0"/>
-                  <a:t>Community</a:t>
-                </a:r>
-              </a:p>
-            </p:txBody>
-          </p:sp>
-          <p:sp>
-            <p:nvSpPr>
-              <p:cNvPr id="209" name="TextBox 208"/>
-              <p:cNvSpPr txBox="1"/>
-              <p:nvPr/>
-            </p:nvSpPr>
-            <p:spPr>
-              <a:xfrm>
-                <a:off x="2108011" y="2539804"/>
-                <a:ext cx="1058751" cy="369332"/>
-              </a:xfrm>
-              <a:prstGeom prst="rect">
-                <a:avLst/>
-              </a:prstGeom>
-              <a:noFill/>
-            </p:spPr>
-            <p:txBody>
-              <a:bodyPr wrap="none" rtlCol="0">
-                <a:spAutoFit/>
-              </a:bodyPr>
-              <a:lstStyle/>
-              <a:p>
-                <a:r>
-                  <a:rPr lang="en-US" dirty="0"/>
-                  <a:t>Influence</a:t>
-                </a:r>
-              </a:p>
-            </p:txBody>
-          </p:sp>
-          <p:sp>
-            <p:nvSpPr>
-              <p:cNvPr id="210" name="TextBox 209"/>
-              <p:cNvSpPr txBox="1"/>
-              <p:nvPr/>
-            </p:nvSpPr>
-            <p:spPr>
-              <a:xfrm>
-                <a:off x="7416824" y="6166401"/>
-                <a:ext cx="826060" cy="369332"/>
-              </a:xfrm>
-              <a:prstGeom prst="rect">
-                <a:avLst/>
-              </a:prstGeom>
-              <a:noFill/>
-            </p:spPr>
-            <p:txBody>
-              <a:bodyPr wrap="none" rtlCol="0">
-                <a:spAutoFit/>
-              </a:bodyPr>
-              <a:lstStyle/>
-              <a:p>
-                <a:r>
-                  <a:rPr lang="en-US" dirty="0"/>
-                  <a:t>People</a:t>
-                </a:r>
-              </a:p>
-            </p:txBody>
-          </p:sp>
-          <p:sp>
-            <p:nvSpPr>
-              <p:cNvPr id="211" name="TextBox 210"/>
-              <p:cNvSpPr txBox="1"/>
-              <p:nvPr/>
-            </p:nvSpPr>
-            <p:spPr>
-              <a:xfrm>
-                <a:off x="3811595" y="6161638"/>
-                <a:ext cx="894284" cy="369332"/>
-              </a:xfrm>
-              <a:prstGeom prst="rect">
-                <a:avLst/>
-              </a:prstGeom>
-              <a:noFill/>
-            </p:spPr>
-            <p:txBody>
-              <a:bodyPr wrap="none" rtlCol="0">
-                <a:spAutoFit/>
-              </a:bodyPr>
-              <a:lstStyle/>
-              <a:p>
-                <a:r>
-                  <a:rPr lang="en-US" dirty="0"/>
-                  <a:t>Process</a:t>
-                </a:r>
-              </a:p>
-            </p:txBody>
-          </p:sp>
-          <p:sp>
-            <p:nvSpPr>
-              <p:cNvPr id="212" name="TextBox 211"/>
-              <p:cNvSpPr txBox="1"/>
-              <p:nvPr/>
-            </p:nvSpPr>
-            <p:spPr>
-              <a:xfrm>
-                <a:off x="5731357" y="3700439"/>
-                <a:ext cx="593432" cy="276999"/>
-              </a:xfrm>
-              <a:prstGeom prst="rect">
-                <a:avLst/>
-              </a:prstGeom>
-              <a:noFill/>
-            </p:spPr>
-            <p:txBody>
-              <a:bodyPr wrap="none" rtlCol="0">
-                <a:spAutoFit/>
-              </a:bodyPr>
-              <a:lstStyle/>
-              <a:p>
-                <a:r>
-                  <a:rPr lang="en-US" sz="1200" dirty="0"/>
-                  <a:t>Learns</a:t>
-                </a:r>
-              </a:p>
-            </p:txBody>
-          </p:sp>
-          <p:sp>
-            <p:nvSpPr>
-              <p:cNvPr id="213" name="TextBox 212"/>
-              <p:cNvSpPr txBox="1"/>
-              <p:nvPr/>
-            </p:nvSpPr>
-            <p:spPr>
-              <a:xfrm>
-                <a:off x="5869469" y="4167166"/>
-                <a:ext cx="742511" cy="276999"/>
-              </a:xfrm>
-              <a:prstGeom prst="rect">
-                <a:avLst/>
-              </a:prstGeom>
-              <a:noFill/>
-            </p:spPr>
-            <p:txBody>
-              <a:bodyPr wrap="none" rtlCol="0">
-                <a:spAutoFit/>
-              </a:bodyPr>
-              <a:lstStyle/>
-              <a:p>
-                <a:r>
-                  <a:rPr lang="en-US" sz="1200"/>
-                  <a:t>Supports</a:t>
-                </a:r>
-                <a:endParaRPr lang="en-US" sz="1200" dirty="0"/>
-              </a:p>
-            </p:txBody>
-          </p:sp>
-          <p:sp>
-            <p:nvSpPr>
-              <p:cNvPr id="214" name="TextBox 213"/>
-              <p:cNvSpPr txBox="1"/>
-              <p:nvPr/>
-            </p:nvSpPr>
-            <p:spPr>
-              <a:xfrm>
-                <a:off x="6221886" y="4605321"/>
-                <a:ext cx="714619" cy="276999"/>
-              </a:xfrm>
-              <a:prstGeom prst="rect">
-                <a:avLst/>
-              </a:prstGeom>
-              <a:noFill/>
-            </p:spPr>
-            <p:txBody>
-              <a:bodyPr wrap="none" rtlCol="0">
-                <a:spAutoFit/>
-              </a:bodyPr>
-              <a:lstStyle/>
-              <a:p>
-                <a:r>
-                  <a:rPr lang="en-US" sz="1200"/>
-                  <a:t>Mentors</a:t>
-                </a:r>
-                <a:endParaRPr lang="en-US" sz="1200" dirty="0"/>
-              </a:p>
-            </p:txBody>
-          </p:sp>
-          <p:sp>
-            <p:nvSpPr>
-              <p:cNvPr id="215" name="TextBox 214"/>
-              <p:cNvSpPr txBox="1"/>
-              <p:nvPr/>
-            </p:nvSpPr>
-            <p:spPr>
-              <a:xfrm>
-                <a:off x="6231406" y="5057759"/>
-                <a:ext cx="936347" cy="276999"/>
-              </a:xfrm>
-              <a:prstGeom prst="rect">
-                <a:avLst/>
-              </a:prstGeom>
-              <a:noFill/>
-            </p:spPr>
-            <p:txBody>
-              <a:bodyPr wrap="none" rtlCol="0">
-                <a:spAutoFit/>
-              </a:bodyPr>
-              <a:lstStyle/>
-              <a:p>
-                <a:r>
-                  <a:rPr lang="en-US" sz="1200"/>
-                  <a:t>Coordinates</a:t>
-                </a:r>
-                <a:endParaRPr lang="en-US" sz="1200" dirty="0"/>
-              </a:p>
-            </p:txBody>
-          </p:sp>
-          <p:sp>
-            <p:nvSpPr>
-              <p:cNvPr id="216" name="TextBox 215"/>
-              <p:cNvSpPr txBox="1"/>
-              <p:nvPr/>
-            </p:nvSpPr>
-            <p:spPr>
-              <a:xfrm>
-                <a:off x="6755282" y="5538771"/>
-                <a:ext cx="752514" cy="276999"/>
-              </a:xfrm>
-              <a:prstGeom prst="rect">
-                <a:avLst/>
-              </a:prstGeom>
-              <a:noFill/>
-            </p:spPr>
-            <p:txBody>
-              <a:bodyPr wrap="none" rtlCol="0">
-                <a:spAutoFit/>
-              </a:bodyPr>
-              <a:lstStyle/>
-              <a:p>
-                <a:r>
-                  <a:rPr lang="en-US" sz="1200" dirty="0"/>
-                  <a:t>Manages</a:t>
-                </a:r>
-              </a:p>
-            </p:txBody>
-          </p:sp>
-          <p:sp>
-            <p:nvSpPr>
-              <p:cNvPr id="217" name="TextBox 216"/>
-              <p:cNvSpPr txBox="1"/>
-              <p:nvPr/>
-            </p:nvSpPr>
-            <p:spPr>
-              <a:xfrm>
-                <a:off x="5093248" y="3692361"/>
-                <a:ext cx="657103" cy="276999"/>
-              </a:xfrm>
-              <a:prstGeom prst="rect">
-                <a:avLst/>
-              </a:prstGeom>
-              <a:noFill/>
-            </p:spPr>
-            <p:txBody>
-              <a:bodyPr wrap="none" rtlCol="0">
-                <a:spAutoFit/>
-              </a:bodyPr>
-              <a:lstStyle/>
-              <a:p>
-                <a:r>
-                  <a:rPr lang="en-US" sz="1200" dirty="0"/>
-                  <a:t>Follows</a:t>
-                </a:r>
-                <a:endParaRPr lang="en-US" sz="1100" dirty="0"/>
-              </a:p>
-            </p:txBody>
-          </p:sp>
-          <p:sp>
-            <p:nvSpPr>
-              <p:cNvPr id="218" name="TextBox 217"/>
-              <p:cNvSpPr txBox="1"/>
-              <p:nvPr/>
-            </p:nvSpPr>
-            <p:spPr>
-              <a:xfrm>
-                <a:off x="4717010" y="4144803"/>
-                <a:ext cx="718851" cy="276999"/>
-              </a:xfrm>
-              <a:prstGeom prst="rect">
-                <a:avLst/>
-              </a:prstGeom>
-              <a:noFill/>
-            </p:spPr>
-            <p:txBody>
-              <a:bodyPr wrap="none" rtlCol="0">
-                <a:spAutoFit/>
-              </a:bodyPr>
-              <a:lstStyle/>
-              <a:p>
-                <a:r>
-                  <a:rPr lang="en-US" sz="1200" dirty="0"/>
-                  <a:t>Enforces</a:t>
-                </a:r>
-              </a:p>
-            </p:txBody>
-          </p:sp>
-          <p:sp>
-            <p:nvSpPr>
-              <p:cNvPr id="219" name="TextBox 218"/>
-              <p:cNvSpPr txBox="1"/>
-              <p:nvPr/>
-            </p:nvSpPr>
-            <p:spPr>
-              <a:xfrm>
-                <a:off x="4269331" y="4582958"/>
-                <a:ext cx="856709" cy="276999"/>
-              </a:xfrm>
-              <a:prstGeom prst="rect">
-                <a:avLst/>
-              </a:prstGeom>
-              <a:noFill/>
-            </p:spPr>
-            <p:txBody>
-              <a:bodyPr wrap="none" rtlCol="0">
-                <a:spAutoFit/>
-              </a:bodyPr>
-              <a:lstStyle/>
-              <a:p>
-                <a:r>
-                  <a:rPr lang="en-US" sz="1200" dirty="0"/>
-                  <a:t>Challenges</a:t>
-                </a:r>
-              </a:p>
-            </p:txBody>
-          </p:sp>
-          <p:sp>
-            <p:nvSpPr>
-              <p:cNvPr id="220" name="TextBox 219"/>
-              <p:cNvSpPr txBox="1"/>
-              <p:nvPr/>
-            </p:nvSpPr>
-            <p:spPr>
-              <a:xfrm>
-                <a:off x="4221713" y="5049688"/>
-                <a:ext cx="643061" cy="276999"/>
-              </a:xfrm>
-              <a:prstGeom prst="rect">
-                <a:avLst/>
-              </a:prstGeom>
-              <a:noFill/>
-            </p:spPr>
-            <p:txBody>
-              <a:bodyPr wrap="none" rtlCol="0">
-                <a:spAutoFit/>
-              </a:bodyPr>
-              <a:lstStyle/>
-              <a:p>
-                <a:r>
-                  <a:rPr lang="en-US" sz="1200" dirty="0"/>
-                  <a:t>Adjusts</a:t>
-                </a:r>
-              </a:p>
-            </p:txBody>
-          </p:sp>
-          <p:sp>
-            <p:nvSpPr>
-              <p:cNvPr id="221" name="TextBox 220"/>
-              <p:cNvSpPr txBox="1"/>
-              <p:nvPr/>
-            </p:nvSpPr>
-            <p:spPr>
-              <a:xfrm>
-                <a:off x="4102658" y="5373536"/>
-                <a:ext cx="484428" cy="461665"/>
-              </a:xfrm>
-              <a:prstGeom prst="rect">
-                <a:avLst/>
-              </a:prstGeom>
-              <a:noFill/>
-            </p:spPr>
-            <p:txBody>
-              <a:bodyPr wrap="none" rtlCol="0">
-                <a:spAutoFit/>
-              </a:bodyPr>
-              <a:lstStyle/>
-              <a:p>
-                <a:r>
-                  <a:rPr lang="en-US" sz="1200" dirty="0"/>
-                  <a:t>De-</a:t>
-                </a:r>
-              </a:p>
-              <a:p>
-                <a:r>
-                  <a:rPr lang="en-US" sz="1200" dirty="0"/>
-                  <a:t>fines</a:t>
-                </a:r>
-              </a:p>
-            </p:txBody>
-          </p:sp>
-        </p:grpSp>
-      </p:grpSp>
-    </p:spTree>
-    <p:extLst>
-      <p:ext uri="{BB962C8B-B14F-4D97-AF65-F5344CB8AC3E}">
-        <p14:creationId xmlns:p14="http://schemas.microsoft.com/office/powerpoint/2010/main" val="1045165354"/>
       </p:ext>
     </p:extLst>
   </p:cSld>

--- a/charts/charts.pptx
+++ b/charts/charts.pptx
@@ -137,6 +137,34 @@
 </p:presentation>
 </file>
 
+<file path=ppt/ink/ink1.xml><?xml version="1.0" encoding="utf-8"?>
+<inkml:ink xmlns:inkml="http://www.w3.org/2003/InkML">
+  <inkml:definitions>
+    <inkml:context xml:id="ctx0">
+      <inkml:inkSource xml:id="inkSrc0">
+        <inkml:traceFormat>
+          <inkml:channel name="X" type="integer" min="-2.14748E9" max="2.14748E9" units="cm"/>
+          <inkml:channel name="Y" type="integer" min="-2.14748E9" max="2.14748E9" units="cm"/>
+          <inkml:channel name="F" type="integer" max="32767" units="dev"/>
+        </inkml:traceFormat>
+        <inkml:channelProperties>
+          <inkml:channelProperty channel="X" name="resolution" value="1000" units="1/cm"/>
+          <inkml:channelProperty channel="Y" name="resolution" value="1000" units="1/cm"/>
+          <inkml:channelProperty channel="F" name="resolution" value="0" units="1/dev"/>
+        </inkml:channelProperties>
+      </inkml:inkSource>
+      <inkml:timestamp xml:id="ts0" timeString="2020-08-31T21:02:49.018"/>
+    </inkml:context>
+    <inkml:brush xml:id="br0">
+      <inkml:brushProperty name="width" value="0.05" units="cm"/>
+      <inkml:brushProperty name="height" value="0.05" units="cm"/>
+      <inkml:brushProperty name="color" value="#004F8B"/>
+    </inkml:brush>
+  </inkml:definitions>
+  <inkml:trace contextRef="#ctx0" brushRef="#br0">1 0 24575,'0'0'0</inkml:trace>
+</inkml:ink>
+</file>
+
 <file path=ppt/notesMasters/notesMaster1.xml><?xml version="1.0" encoding="utf-8"?>
 <p:notesMaster xmlns:a="http://schemas.openxmlformats.org/drawingml/2006/main" xmlns:r="http://schemas.openxmlformats.org/officeDocument/2006/relationships" xmlns:p="http://schemas.openxmlformats.org/presentationml/2006/main">
   <p:cSld>
@@ -219,7 +247,7 @@
           <a:p>
             <a:fld id="{511DBF38-111F-4C48-93F4-B65DF8B44846}" type="datetimeFigureOut">
               <a:rPr lang="en-US" smtClean="0"/>
-              <a:t>8/24/20</a:t>
+              <a:t>8/31/20</a:t>
             </a:fld>
             <a:endParaRPr lang="en-US"/>
           </a:p>
@@ -615,7 +643,7 @@
           <a:p>
             <a:fld id="{37B1D8A3-40A5-CC46-B346-36758DE6AE04}" type="datetimeFigureOut">
               <a:rPr lang="en-US" smtClean="0"/>
-              <a:t>8/24/20</a:t>
+              <a:t>8/31/20</a:t>
             </a:fld>
             <a:endParaRPr lang="en-US"/>
           </a:p>
@@ -783,7 +811,7 @@
           <a:p>
             <a:fld id="{37B1D8A3-40A5-CC46-B346-36758DE6AE04}" type="datetimeFigureOut">
               <a:rPr lang="en-US" smtClean="0"/>
-              <a:t>8/24/20</a:t>
+              <a:t>8/31/20</a:t>
             </a:fld>
             <a:endParaRPr lang="en-US"/>
           </a:p>
@@ -961,7 +989,7 @@
           <a:p>
             <a:fld id="{37B1D8A3-40A5-CC46-B346-36758DE6AE04}" type="datetimeFigureOut">
               <a:rPr lang="en-US" smtClean="0"/>
-              <a:t>8/24/20</a:t>
+              <a:t>8/31/20</a:t>
             </a:fld>
             <a:endParaRPr lang="en-US"/>
           </a:p>
@@ -1129,7 +1157,7 @@
           <a:p>
             <a:fld id="{37B1D8A3-40A5-CC46-B346-36758DE6AE04}" type="datetimeFigureOut">
               <a:rPr lang="en-US" smtClean="0"/>
-              <a:t>8/24/20</a:t>
+              <a:t>8/31/20</a:t>
             </a:fld>
             <a:endParaRPr lang="en-US"/>
           </a:p>
@@ -1374,7 +1402,7 @@
           <a:p>
             <a:fld id="{37B1D8A3-40A5-CC46-B346-36758DE6AE04}" type="datetimeFigureOut">
               <a:rPr lang="en-US" smtClean="0"/>
-              <a:t>8/24/20</a:t>
+              <a:t>8/31/20</a:t>
             </a:fld>
             <a:endParaRPr lang="en-US"/>
           </a:p>
@@ -1603,7 +1631,7 @@
           <a:p>
             <a:fld id="{37B1D8A3-40A5-CC46-B346-36758DE6AE04}" type="datetimeFigureOut">
               <a:rPr lang="en-US" smtClean="0"/>
-              <a:t>8/24/20</a:t>
+              <a:t>8/31/20</a:t>
             </a:fld>
             <a:endParaRPr lang="en-US"/>
           </a:p>
@@ -1967,7 +1995,7 @@
           <a:p>
             <a:fld id="{37B1D8A3-40A5-CC46-B346-36758DE6AE04}" type="datetimeFigureOut">
               <a:rPr lang="en-US" smtClean="0"/>
-              <a:t>8/24/20</a:t>
+              <a:t>8/31/20</a:t>
             </a:fld>
             <a:endParaRPr lang="en-US"/>
           </a:p>
@@ -2084,7 +2112,7 @@
           <a:p>
             <a:fld id="{37B1D8A3-40A5-CC46-B346-36758DE6AE04}" type="datetimeFigureOut">
               <a:rPr lang="en-US" smtClean="0"/>
-              <a:t>8/24/20</a:t>
+              <a:t>8/31/20</a:t>
             </a:fld>
             <a:endParaRPr lang="en-US"/>
           </a:p>
@@ -2179,7 +2207,7 @@
           <a:p>
             <a:fld id="{37B1D8A3-40A5-CC46-B346-36758DE6AE04}" type="datetimeFigureOut">
               <a:rPr lang="en-US" smtClean="0"/>
-              <a:t>8/24/20</a:t>
+              <a:t>8/31/20</a:t>
             </a:fld>
             <a:endParaRPr lang="en-US"/>
           </a:p>
@@ -2454,7 +2482,7 @@
           <a:p>
             <a:fld id="{37B1D8A3-40A5-CC46-B346-36758DE6AE04}" type="datetimeFigureOut">
               <a:rPr lang="en-US" smtClean="0"/>
-              <a:t>8/24/20</a:t>
+              <a:t>8/31/20</a:t>
             </a:fld>
             <a:endParaRPr lang="en-US"/>
           </a:p>
@@ -2706,7 +2734,7 @@
           <a:p>
             <a:fld id="{37B1D8A3-40A5-CC46-B346-36758DE6AE04}" type="datetimeFigureOut">
               <a:rPr lang="en-US" smtClean="0"/>
-              <a:t>8/24/20</a:t>
+              <a:t>8/31/20</a:t>
             </a:fld>
             <a:endParaRPr lang="en-US"/>
           </a:p>
@@ -2917,7 +2945,7 @@
           <a:p>
             <a:fld id="{37B1D8A3-40A5-CC46-B346-36758DE6AE04}" type="datetimeFigureOut">
               <a:rPr lang="en-US" smtClean="0"/>
-              <a:t>8/24/20</a:t>
+              <a:t>8/31/20</a:t>
             </a:fld>
             <a:endParaRPr lang="en-US"/>
           </a:p>
@@ -31157,9 +31185,9 @@
         <p:grpSpPr>
           <a:xfrm>
             <a:off x="2108011" y="284212"/>
-            <a:ext cx="7899196" cy="6251521"/>
+            <a:ext cx="8770588" cy="6251521"/>
             <a:chOff x="2108011" y="284212"/>
-            <a:chExt cx="7899196" cy="6251521"/>
+            <a:chExt cx="8770588" cy="6251521"/>
           </a:xfrm>
         </p:grpSpPr>
         <p:grpSp>
@@ -31666,7 +31694,7 @@
           <p:spPr>
             <a:xfrm>
               <a:off x="6003957" y="2803547"/>
-              <a:ext cx="930255" cy="276999"/>
+              <a:ext cx="661463" cy="276999"/>
             </a:xfrm>
             <a:prstGeom prst="rect">
               <a:avLst/>
@@ -31681,7 +31709,7 @@
             <a:p>
               <a:r>
                 <a:rPr lang="en-US" sz="1200" dirty="0"/>
-                <a:t>Implements</a:t>
+                <a:t>Feature</a:t>
               </a:r>
             </a:p>
           </p:txBody>
@@ -31695,7 +31723,7 @@
           <p:spPr>
             <a:xfrm>
               <a:off x="5999192" y="2341577"/>
-              <a:ext cx="772071" cy="276999"/>
+              <a:ext cx="497187" cy="276999"/>
             </a:xfrm>
             <a:prstGeom prst="rect">
               <a:avLst/>
@@ -31710,7 +31738,7 @@
             <a:p>
               <a:r>
                 <a:rPr lang="en-US" sz="1200" dirty="0"/>
-                <a:t>Evaluates</a:t>
+                <a:t>Suite</a:t>
               </a:r>
             </a:p>
           </p:txBody>
@@ -31724,7 +31752,7 @@
           <p:spPr>
             <a:xfrm>
               <a:off x="6008712" y="1893895"/>
-              <a:ext cx="776495" cy="276999"/>
+              <a:ext cx="674287" cy="276999"/>
             </a:xfrm>
             <a:prstGeom prst="rect">
               <a:avLst/>
@@ -31739,7 +31767,7 @@
             <a:p>
               <a:r>
                 <a:rPr lang="en-US" sz="1200" dirty="0"/>
-                <a:t>Discovers</a:t>
+                <a:t>Product</a:t>
               </a:r>
             </a:p>
           </p:txBody>
@@ -31753,7 +31781,7 @@
           <p:spPr>
             <a:xfrm>
               <a:off x="6003944" y="1417638"/>
-              <a:ext cx="772071" cy="276999"/>
+              <a:ext cx="735201" cy="276999"/>
             </a:xfrm>
             <a:prstGeom prst="rect">
               <a:avLst/>
@@ -31768,7 +31796,7 @@
             <a:p>
               <a:r>
                 <a:rPr lang="en-US" sz="1200" dirty="0"/>
-                <a:t>Evaluates</a:t>
+                <a:t>Products</a:t>
               </a:r>
             </a:p>
           </p:txBody>
@@ -31782,7 +31810,7 @@
           <p:spPr>
             <a:xfrm>
               <a:off x="5984888" y="969952"/>
-              <a:ext cx="691856" cy="276999"/>
+              <a:ext cx="696216" cy="276999"/>
             </a:xfrm>
             <a:prstGeom prst="rect">
               <a:avLst/>
@@ -31797,7 +31825,7 @@
             <a:p>
               <a:r>
                 <a:rPr lang="en-US" sz="1200" dirty="0"/>
-                <a:t>Engages</a:t>
+                <a:t>Strategy</a:t>
               </a:r>
             </a:p>
           </p:txBody>
@@ -31839,8 +31867,8 @@
           </p:nvSpPr>
           <p:spPr>
             <a:xfrm>
-              <a:off x="6084917" y="3356006"/>
-              <a:ext cx="474745" cy="276999"/>
+              <a:off x="6112446" y="3419404"/>
+              <a:ext cx="593945" cy="276999"/>
             </a:xfrm>
             <a:prstGeom prst="rect">
               <a:avLst/>
@@ -31855,7 +31883,7 @@
             <a:p>
               <a:r>
                 <a:rPr lang="en-US" sz="1200" dirty="0"/>
-                <a:t>Data</a:t>
+                <a:t>Reacts</a:t>
               </a:r>
             </a:p>
           </p:txBody>
@@ -31869,7 +31897,7 @@
           <p:spPr>
             <a:xfrm>
               <a:off x="6512826" y="3258248"/>
-              <a:ext cx="924548" cy="276999"/>
+              <a:ext cx="673582" cy="276999"/>
             </a:xfrm>
             <a:prstGeom prst="rect">
               <a:avLst/>
@@ -31884,7 +31912,7 @@
             <a:p>
               <a:r>
                 <a:rPr lang="en-US" sz="1200" dirty="0"/>
-                <a:t>Information</a:t>
+                <a:t>Collects</a:t>
               </a:r>
             </a:p>
           </p:txBody>
@@ -31898,7 +31926,7 @@
           <p:spPr>
             <a:xfrm>
               <a:off x="7058062" y="3122547"/>
-              <a:ext cx="874470" cy="276999"/>
+              <a:ext cx="772071" cy="276999"/>
             </a:xfrm>
             <a:prstGeom prst="rect">
               <a:avLst/>
@@ -31913,7 +31941,7 @@
             <a:p>
               <a:r>
                 <a:rPr lang="en-US" sz="1200" dirty="0"/>
-                <a:t>Knowledge</a:t>
+                <a:t>Evaluates</a:t>
               </a:r>
             </a:p>
           </p:txBody>
@@ -31926,8 +31954,8 @@
           </p:nvSpPr>
           <p:spPr>
             <a:xfrm>
-              <a:off x="7673085" y="2967829"/>
-              <a:ext cx="601640" cy="276999"/>
+              <a:off x="7598521" y="2979369"/>
+              <a:ext cx="900888" cy="276999"/>
             </a:xfrm>
             <a:prstGeom prst="rect">
               <a:avLst/>
@@ -31942,7 +31970,7 @@
             <a:p>
               <a:r>
                 <a:rPr lang="en-US" sz="1200" dirty="0"/>
-                <a:t>Insight</a:t>
+                <a:t>Synthesizes</a:t>
               </a:r>
             </a:p>
           </p:txBody>
@@ -31956,7 +31984,7 @@
           <p:spPr>
             <a:xfrm>
               <a:off x="8139796" y="2866103"/>
-              <a:ext cx="702436" cy="276999"/>
+              <a:ext cx="824969" cy="276999"/>
             </a:xfrm>
             <a:prstGeom prst="rect">
               <a:avLst/>
@@ -31971,7 +31999,7 @@
             <a:p>
               <a:r>
                 <a:rPr lang="en-US" sz="1200" dirty="0"/>
-                <a:t>Wisdom</a:t>
+                <a:t>Influences</a:t>
               </a:r>
             </a:p>
           </p:txBody>
@@ -31985,7 +32013,7 @@
           <p:spPr>
             <a:xfrm>
               <a:off x="8913638" y="2544572"/>
-              <a:ext cx="1093569" cy="369332"/>
+              <a:ext cx="1964961" cy="369332"/>
             </a:xfrm>
             <a:prstGeom prst="rect">
               <a:avLst/>
@@ -32000,7 +32028,7 @@
             <a:p>
               <a:r>
                 <a:rPr lang="en-US" dirty="0"/>
-                <a:t>Customer</a:t>
+                <a:t>Market / Customer</a:t>
               </a:r>
             </a:p>
           </p:txBody>
@@ -32013,8 +32041,8 @@
           </p:nvSpPr>
           <p:spPr>
             <a:xfrm>
-              <a:off x="5165741" y="2994048"/>
-              <a:ext cx="849913" cy="276999"/>
+              <a:off x="5304076" y="3017635"/>
+              <a:ext cx="627801" cy="276999"/>
             </a:xfrm>
             <a:prstGeom prst="rect">
               <a:avLst/>
@@ -32029,7 +32057,7 @@
             <a:p>
               <a:r>
                 <a:rPr lang="en-US" sz="1200" dirty="0"/>
-                <a:t>Subsystem</a:t>
+                <a:t>Project</a:t>
               </a:r>
             </a:p>
           </p:txBody>
@@ -32311,8 +32339,8 @@
           </p:nvSpPr>
           <p:spPr>
             <a:xfrm>
-              <a:off x="6221886" y="4605321"/>
-              <a:ext cx="714619" cy="276999"/>
+              <a:off x="5869469" y="4540498"/>
+              <a:ext cx="936090" cy="276999"/>
             </a:xfrm>
             <a:prstGeom prst="rect">
               <a:avLst/>
@@ -32326,10 +32354,9 @@
             <a:lstStyle/>
             <a:p>
               <a:r>
-                <a:rPr lang="en-US" sz="1200"/>
-                <a:t>Mentors</a:t>
+                <a:rPr lang="en-US" sz="1200" dirty="0"/>
+                <a:t>Coordinates</a:t>
               </a:r>
-              <a:endParaRPr lang="en-US" sz="1200" dirty="0"/>
             </a:p>
           </p:txBody>
         </p:sp>
@@ -32342,7 +32369,7 @@
           <p:spPr>
             <a:xfrm>
               <a:off x="6231406" y="5057759"/>
-              <a:ext cx="936347" cy="276999"/>
+              <a:ext cx="656270" cy="276999"/>
             </a:xfrm>
             <a:prstGeom prst="rect">
               <a:avLst/>
@@ -32356,10 +32383,9 @@
             <a:lstStyle/>
             <a:p>
               <a:r>
-                <a:rPr lang="en-US" sz="1200"/>
-                <a:t>Coordinates</a:t>
+                <a:rPr lang="en-US" sz="1200" dirty="0"/>
+                <a:t>Mentor</a:t>
               </a:r>
-              <a:endParaRPr lang="en-US" sz="1200" dirty="0"/>
             </a:p>
           </p:txBody>
         </p:sp>
@@ -32545,6 +32571,554 @@
           </p:txBody>
         </p:sp>
       </p:grpSp>
+      <p:sp>
+        <p:nvSpPr>
+          <p:cNvPr id="90" name="Pentagon 89">
+            <a:extLst>
+              <a:ext uri="{FF2B5EF4-FFF2-40B4-BE49-F238E27FC236}">
+                <a16:creationId xmlns:a16="http://schemas.microsoft.com/office/drawing/2014/main" id="{092C5FCF-DC95-4EC4-B90A-380DA9BDD57E}"/>
+              </a:ext>
+            </a:extLst>
+          </p:cNvPr>
+          <p:cNvSpPr/>
+          <p:nvPr/>
+        </p:nvSpPr>
+        <p:spPr>
+          <a:xfrm>
+            <a:off x="5582160" y="2963160"/>
+            <a:ext cx="914400" cy="914400"/>
+          </a:xfrm>
+          <a:prstGeom prst="pentagon">
+            <a:avLst/>
+          </a:prstGeom>
+          <a:solidFill>
+            <a:srgbClr val="5B2D90">
+              <a:alpha val="5000"/>
+            </a:srgbClr>
+          </a:solidFill>
+          <a:ln w="18000">
+            <a:solidFill>
+              <a:srgbClr val="5B2D90"/>
+            </a:solidFill>
+          </a:ln>
+        </p:spPr>
+        <p:style>
+          <a:lnRef idx="2">
+            <a:schemeClr val="accent1">
+              <a:shade val="50000"/>
+            </a:schemeClr>
+          </a:lnRef>
+          <a:fillRef idx="1">
+            <a:schemeClr val="accent1"/>
+          </a:fillRef>
+          <a:effectRef idx="0">
+            <a:schemeClr val="accent1"/>
+          </a:effectRef>
+          <a:fontRef idx="minor">
+            <a:schemeClr val="lt1"/>
+          </a:fontRef>
+        </p:style>
+        <p:txBody>
+          <a:bodyPr wrap="none" rtlCol="0" anchor="ctr" anchorCtr="1"/>
+          <a:lstStyle/>
+          <a:p>
+            <a:endParaRPr lang="en-US">
+              <a:solidFill>
+                <a:srgbClr val="5B2D90"/>
+              </a:solidFill>
+            </a:endParaRPr>
+          </a:p>
+        </p:txBody>
+      </p:sp>
+      <mc:AlternateContent xmlns:mc="http://schemas.openxmlformats.org/markup-compatibility/2006">
+        <mc:Choice xmlns:p14="http://schemas.microsoft.com/office/powerpoint/2010/main" Requires="p14">
+          <p:contentPart p14:bwMode="auto" r:id="rId2">
+            <p14:nvContentPartPr>
+              <p14:cNvPr id="13" name="Ink 12">
+                <a:extLst>
+                  <a:ext uri="{FF2B5EF4-FFF2-40B4-BE49-F238E27FC236}">
+                    <a16:creationId xmlns:a16="http://schemas.microsoft.com/office/drawing/2014/main" id="{D784CC7A-9BB4-3D4D-B8EE-565A7C54FEFF}"/>
+                  </a:ext>
+                </a:extLst>
+              </p14:cNvPr>
+              <p14:cNvContentPartPr/>
+              <p14:nvPr/>
+            </p14:nvContentPartPr>
+            <p14:xfrm>
+              <a:off x="6041294" y="2034335"/>
+              <a:ext cx="360" cy="360"/>
+            </p14:xfrm>
+          </p:contentPart>
+        </mc:Choice>
+        <mc:Fallback>
+          <p:pic>
+            <p:nvPicPr>
+              <p:cNvPr id="13" name="Ink 12">
+                <a:extLst>
+                  <a:ext uri="{FF2B5EF4-FFF2-40B4-BE49-F238E27FC236}">
+                    <a16:creationId xmlns:a16="http://schemas.microsoft.com/office/drawing/2014/main" id="{D784CC7A-9BB4-3D4D-B8EE-565A7C54FEFF}"/>
+                  </a:ext>
+                </a:extLst>
+              </p:cNvPr>
+              <p:cNvPicPr/>
+              <p:nvPr/>
+            </p:nvPicPr>
+            <p:blipFill>
+              <a:blip r:embed="rId3"/>
+              <a:stretch>
+                <a:fillRect/>
+              </a:stretch>
+            </p:blipFill>
+            <p:spPr>
+              <a:xfrm>
+                <a:off x="6032654" y="2025335"/>
+                <a:ext cx="18000" cy="18000"/>
+              </a:xfrm>
+              <a:prstGeom prst="rect">
+                <a:avLst/>
+              </a:prstGeom>
+            </p:spPr>
+          </p:pic>
+        </mc:Fallback>
+      </mc:AlternateContent>
+      <p:cxnSp>
+        <p:nvCxnSpPr>
+          <p:cNvPr id="17" name="Straight Connector 16">
+            <a:extLst>
+              <a:ext uri="{FF2B5EF4-FFF2-40B4-BE49-F238E27FC236}">
+                <a16:creationId xmlns:a16="http://schemas.microsoft.com/office/drawing/2014/main" id="{86EF6069-604D-E944-9F13-AD701AA86BFC}"/>
+              </a:ext>
+            </a:extLst>
+          </p:cNvPr>
+          <p:cNvCxnSpPr>
+            <a:endCxn id="51" idx="5"/>
+          </p:cNvCxnSpPr>
+          <p:nvPr/>
+        </p:nvCxnSpPr>
+        <p:spPr>
+          <a:xfrm>
+            <a:off x="6025941" y="2038375"/>
+            <a:ext cx="1469353" cy="1036622"/>
+          </a:xfrm>
+          <a:prstGeom prst="line">
+            <a:avLst/>
+          </a:prstGeom>
+          <a:ln w="31750"/>
+        </p:spPr>
+        <p:style>
+          <a:lnRef idx="1">
+            <a:schemeClr val="accent1"/>
+          </a:lnRef>
+          <a:fillRef idx="0">
+            <a:schemeClr val="accent1"/>
+          </a:fillRef>
+          <a:effectRef idx="0">
+            <a:schemeClr val="accent1"/>
+          </a:effectRef>
+          <a:fontRef idx="minor">
+            <a:schemeClr val="tx1"/>
+          </a:fontRef>
+        </p:style>
+      </p:cxnSp>
+      <p:cxnSp>
+        <p:nvCxnSpPr>
+          <p:cNvPr id="72" name="Straight Connector 71">
+            <a:extLst>
+              <a:ext uri="{FF2B5EF4-FFF2-40B4-BE49-F238E27FC236}">
+                <a16:creationId xmlns:a16="http://schemas.microsoft.com/office/drawing/2014/main" id="{DA007C41-FC37-E849-9D42-BA27CD5EC242}"/>
+              </a:ext>
+            </a:extLst>
+          </p:cNvPr>
+          <p:cNvCxnSpPr>
+            <a:cxnSpLocks/>
+            <a:stCxn id="51" idx="5"/>
+            <a:endCxn id="51" idx="4"/>
+          </p:cNvCxnSpPr>
+          <p:nvPr/>
+        </p:nvCxnSpPr>
+        <p:spPr>
+          <a:xfrm flipH="1">
+            <a:off x="6945195" y="3074997"/>
+            <a:ext cx="550099" cy="1695387"/>
+          </a:xfrm>
+          <a:prstGeom prst="line">
+            <a:avLst/>
+          </a:prstGeom>
+          <a:ln w="31750"/>
+        </p:spPr>
+        <p:style>
+          <a:lnRef idx="1">
+            <a:schemeClr val="accent1"/>
+          </a:lnRef>
+          <a:fillRef idx="0">
+            <a:schemeClr val="accent1"/>
+          </a:fillRef>
+          <a:effectRef idx="0">
+            <a:schemeClr val="accent1"/>
+          </a:effectRef>
+          <a:fontRef idx="minor">
+            <a:schemeClr val="tx1"/>
+          </a:fontRef>
+        </p:style>
+      </p:cxnSp>
+      <p:cxnSp>
+        <p:nvCxnSpPr>
+          <p:cNvPr id="89" name="Straight Connector 88">
+            <a:extLst>
+              <a:ext uri="{FF2B5EF4-FFF2-40B4-BE49-F238E27FC236}">
+                <a16:creationId xmlns:a16="http://schemas.microsoft.com/office/drawing/2014/main" id="{7AEEC7CC-7D07-244E-A161-B1C448F563FE}"/>
+              </a:ext>
+            </a:extLst>
+          </p:cNvPr>
+          <p:cNvCxnSpPr>
+            <a:cxnSpLocks/>
+            <a:stCxn id="52" idx="1"/>
+            <a:endCxn id="58" idx="1"/>
+          </p:cNvCxnSpPr>
+          <p:nvPr/>
+        </p:nvCxnSpPr>
+        <p:spPr>
+          <a:xfrm flipV="1">
+            <a:off x="5078453" y="2032395"/>
+            <a:ext cx="930259" cy="1152176"/>
+          </a:xfrm>
+          <a:prstGeom prst="line">
+            <a:avLst/>
+          </a:prstGeom>
+          <a:ln w="31750"/>
+        </p:spPr>
+        <p:style>
+          <a:lnRef idx="1">
+            <a:schemeClr val="accent1"/>
+          </a:lnRef>
+          <a:fillRef idx="0">
+            <a:schemeClr val="accent1"/>
+          </a:fillRef>
+          <a:effectRef idx="0">
+            <a:schemeClr val="accent1"/>
+          </a:effectRef>
+          <a:fontRef idx="minor">
+            <a:schemeClr val="tx1"/>
+          </a:fontRef>
+        </p:style>
+      </p:cxnSp>
+      <p:cxnSp>
+        <p:nvCxnSpPr>
+          <p:cNvPr id="91" name="Straight Connector 90">
+            <a:extLst>
+              <a:ext uri="{FF2B5EF4-FFF2-40B4-BE49-F238E27FC236}">
+                <a16:creationId xmlns:a16="http://schemas.microsoft.com/office/drawing/2014/main" id="{8B7FEF42-C1F7-7E4D-B82B-F2B6CC9B8D91}"/>
+              </a:ext>
+            </a:extLst>
+          </p:cNvPr>
+          <p:cNvCxnSpPr>
+            <a:cxnSpLocks/>
+            <a:stCxn id="52" idx="1"/>
+            <a:endCxn id="85" idx="3"/>
+          </p:cNvCxnSpPr>
+          <p:nvPr/>
+        </p:nvCxnSpPr>
+        <p:spPr>
+          <a:xfrm>
+            <a:off x="5078453" y="3184571"/>
+            <a:ext cx="47587" cy="1536887"/>
+          </a:xfrm>
+          <a:prstGeom prst="line">
+            <a:avLst/>
+          </a:prstGeom>
+          <a:ln w="31750"/>
+        </p:spPr>
+        <p:style>
+          <a:lnRef idx="1">
+            <a:schemeClr val="accent1"/>
+          </a:lnRef>
+          <a:fillRef idx="0">
+            <a:schemeClr val="accent1"/>
+          </a:fillRef>
+          <a:effectRef idx="0">
+            <a:schemeClr val="accent1"/>
+          </a:effectRef>
+          <a:fontRef idx="minor">
+            <a:schemeClr val="tx1"/>
+          </a:fontRef>
+        </p:style>
+      </p:cxnSp>
+      <p:cxnSp>
+        <p:nvCxnSpPr>
+          <p:cNvPr id="94" name="Straight Connector 93">
+            <a:extLst>
+              <a:ext uri="{FF2B5EF4-FFF2-40B4-BE49-F238E27FC236}">
+                <a16:creationId xmlns:a16="http://schemas.microsoft.com/office/drawing/2014/main" id="{AAEEBBF2-48AD-9841-83F1-3F359E8059F8}"/>
+              </a:ext>
+            </a:extLst>
+          </p:cNvPr>
+          <p:cNvCxnSpPr>
+            <a:cxnSpLocks/>
+            <a:stCxn id="51" idx="2"/>
+            <a:endCxn id="51" idx="4"/>
+          </p:cNvCxnSpPr>
+          <p:nvPr/>
+        </p:nvCxnSpPr>
+        <p:spPr>
+          <a:xfrm>
+            <a:off x="5165039" y="4770384"/>
+            <a:ext cx="1780156" cy="0"/>
+          </a:xfrm>
+          <a:prstGeom prst="line">
+            <a:avLst/>
+          </a:prstGeom>
+          <a:ln w="31750"/>
+        </p:spPr>
+        <p:style>
+          <a:lnRef idx="1">
+            <a:schemeClr val="accent1"/>
+          </a:lnRef>
+          <a:fillRef idx="0">
+            <a:schemeClr val="accent1"/>
+          </a:fillRef>
+          <a:effectRef idx="0">
+            <a:schemeClr val="accent1"/>
+          </a:effectRef>
+          <a:fontRef idx="minor">
+            <a:schemeClr val="tx1"/>
+          </a:fontRef>
+        </p:style>
+      </p:cxnSp>
+      <p:cxnSp>
+        <p:nvCxnSpPr>
+          <p:cNvPr id="95" name="Straight Connector 94">
+            <a:extLst>
+              <a:ext uri="{FF2B5EF4-FFF2-40B4-BE49-F238E27FC236}">
+                <a16:creationId xmlns:a16="http://schemas.microsoft.com/office/drawing/2014/main" id="{0E38FA12-6F81-DC49-9122-9AEBA3A3652A}"/>
+              </a:ext>
+            </a:extLst>
+          </p:cNvPr>
+          <p:cNvCxnSpPr>
+            <a:cxnSpLocks/>
+            <a:stCxn id="52" idx="1"/>
+            <a:endCxn id="58" idx="1"/>
+          </p:cNvCxnSpPr>
+          <p:nvPr/>
+        </p:nvCxnSpPr>
+        <p:spPr>
+          <a:xfrm flipV="1">
+            <a:off x="5078453" y="2032395"/>
+            <a:ext cx="930259" cy="1152176"/>
+          </a:xfrm>
+          <a:prstGeom prst="line">
+            <a:avLst/>
+          </a:prstGeom>
+          <a:ln w="31750">
+            <a:solidFill>
+              <a:schemeClr val="accent2">
+                <a:lumMod val="75000"/>
+              </a:schemeClr>
+            </a:solidFill>
+          </a:ln>
+        </p:spPr>
+        <p:style>
+          <a:lnRef idx="1">
+            <a:schemeClr val="accent1"/>
+          </a:lnRef>
+          <a:fillRef idx="0">
+            <a:schemeClr val="accent1"/>
+          </a:fillRef>
+          <a:effectRef idx="0">
+            <a:schemeClr val="accent1"/>
+          </a:effectRef>
+          <a:fontRef idx="minor">
+            <a:schemeClr val="tx1"/>
+          </a:fontRef>
+        </p:style>
+      </p:cxnSp>
+      <p:cxnSp>
+        <p:nvCxnSpPr>
+          <p:cNvPr id="96" name="Straight Connector 95">
+            <a:extLst>
+              <a:ext uri="{FF2B5EF4-FFF2-40B4-BE49-F238E27FC236}">
+                <a16:creationId xmlns:a16="http://schemas.microsoft.com/office/drawing/2014/main" id="{EE138EB0-E0DF-5F46-B902-536686501F61}"/>
+              </a:ext>
+            </a:extLst>
+          </p:cNvPr>
+          <p:cNvCxnSpPr>
+            <a:cxnSpLocks/>
+            <a:stCxn id="52" idx="1"/>
+            <a:endCxn id="86" idx="3"/>
+          </p:cNvCxnSpPr>
+          <p:nvPr/>
+        </p:nvCxnSpPr>
+        <p:spPr>
+          <a:xfrm flipH="1">
+            <a:off x="4864774" y="3184571"/>
+            <a:ext cx="213679" cy="2003617"/>
+          </a:xfrm>
+          <a:prstGeom prst="line">
+            <a:avLst/>
+          </a:prstGeom>
+          <a:ln w="31750">
+            <a:solidFill>
+              <a:schemeClr val="accent2">
+                <a:lumMod val="75000"/>
+              </a:schemeClr>
+            </a:solidFill>
+          </a:ln>
+        </p:spPr>
+        <p:style>
+          <a:lnRef idx="1">
+            <a:schemeClr val="accent1"/>
+          </a:lnRef>
+          <a:fillRef idx="0">
+            <a:schemeClr val="accent1"/>
+          </a:fillRef>
+          <a:effectRef idx="0">
+            <a:schemeClr val="accent1"/>
+          </a:effectRef>
+          <a:fontRef idx="minor">
+            <a:schemeClr val="tx1"/>
+          </a:fontRef>
+        </p:style>
+      </p:cxnSp>
+      <p:cxnSp>
+        <p:nvCxnSpPr>
+          <p:cNvPr id="97" name="Straight Connector 96">
+            <a:extLst>
+              <a:ext uri="{FF2B5EF4-FFF2-40B4-BE49-F238E27FC236}">
+                <a16:creationId xmlns:a16="http://schemas.microsoft.com/office/drawing/2014/main" id="{49A1E36E-C643-F045-A484-3C5E1490CBC6}"/>
+              </a:ext>
+            </a:extLst>
+          </p:cNvPr>
+          <p:cNvCxnSpPr>
+            <a:cxnSpLocks/>
+            <a:stCxn id="82" idx="3"/>
+            <a:endCxn id="86" idx="3"/>
+          </p:cNvCxnSpPr>
+          <p:nvPr/>
+        </p:nvCxnSpPr>
+        <p:spPr>
+          <a:xfrm flipH="1" flipV="1">
+            <a:off x="4864774" y="5188188"/>
+            <a:ext cx="2643022" cy="489083"/>
+          </a:xfrm>
+          <a:prstGeom prst="line">
+            <a:avLst/>
+          </a:prstGeom>
+          <a:ln w="31750">
+            <a:solidFill>
+              <a:schemeClr val="accent2">
+                <a:lumMod val="75000"/>
+              </a:schemeClr>
+            </a:solidFill>
+          </a:ln>
+        </p:spPr>
+        <p:style>
+          <a:lnRef idx="1">
+            <a:schemeClr val="accent1"/>
+          </a:lnRef>
+          <a:fillRef idx="0">
+            <a:schemeClr val="accent1"/>
+          </a:fillRef>
+          <a:effectRef idx="0">
+            <a:schemeClr val="accent1"/>
+          </a:effectRef>
+          <a:fontRef idx="minor">
+            <a:schemeClr val="tx1"/>
+          </a:fontRef>
+        </p:style>
+      </p:cxnSp>
+      <p:cxnSp>
+        <p:nvCxnSpPr>
+          <p:cNvPr id="98" name="Straight Connector 97">
+            <a:extLst>
+              <a:ext uri="{FF2B5EF4-FFF2-40B4-BE49-F238E27FC236}">
+                <a16:creationId xmlns:a16="http://schemas.microsoft.com/office/drawing/2014/main" id="{63EB1B22-D806-E14E-8055-7EB586276C30}"/>
+              </a:ext>
+            </a:extLst>
+          </p:cNvPr>
+          <p:cNvCxnSpPr>
+            <a:cxnSpLocks/>
+            <a:stCxn id="82" idx="3"/>
+            <a:endCxn id="65" idx="0"/>
+          </p:cNvCxnSpPr>
+          <p:nvPr/>
+        </p:nvCxnSpPr>
+        <p:spPr>
+          <a:xfrm flipH="1" flipV="1">
+            <a:off x="7444098" y="3122547"/>
+            <a:ext cx="63698" cy="2554724"/>
+          </a:xfrm>
+          <a:prstGeom prst="line">
+            <a:avLst/>
+          </a:prstGeom>
+          <a:ln w="31750">
+            <a:solidFill>
+              <a:schemeClr val="accent2">
+                <a:lumMod val="75000"/>
+              </a:schemeClr>
+            </a:solidFill>
+          </a:ln>
+        </p:spPr>
+        <p:style>
+          <a:lnRef idx="1">
+            <a:schemeClr val="accent1"/>
+          </a:lnRef>
+          <a:fillRef idx="0">
+            <a:schemeClr val="accent1"/>
+          </a:fillRef>
+          <a:effectRef idx="0">
+            <a:schemeClr val="accent1"/>
+          </a:effectRef>
+          <a:fontRef idx="minor">
+            <a:schemeClr val="tx1"/>
+          </a:fontRef>
+        </p:style>
+      </p:cxnSp>
+      <p:cxnSp>
+        <p:nvCxnSpPr>
+          <p:cNvPr id="99" name="Straight Connector 98">
+            <a:extLst>
+              <a:ext uri="{FF2B5EF4-FFF2-40B4-BE49-F238E27FC236}">
+                <a16:creationId xmlns:a16="http://schemas.microsoft.com/office/drawing/2014/main" id="{641CB37B-693B-7645-B8FC-111C8B325E06}"/>
+              </a:ext>
+            </a:extLst>
+          </p:cNvPr>
+          <p:cNvCxnSpPr>
+            <a:cxnSpLocks/>
+            <a:stCxn id="65" idx="0"/>
+            <a:endCxn id="58" idx="1"/>
+          </p:cNvCxnSpPr>
+          <p:nvPr/>
+        </p:nvCxnSpPr>
+        <p:spPr>
+          <a:xfrm flipH="1" flipV="1">
+            <a:off x="6008712" y="2032395"/>
+            <a:ext cx="1435386" cy="1090152"/>
+          </a:xfrm>
+          <a:prstGeom prst="line">
+            <a:avLst/>
+          </a:prstGeom>
+          <a:ln w="31750">
+            <a:solidFill>
+              <a:schemeClr val="accent2">
+                <a:lumMod val="75000"/>
+              </a:schemeClr>
+            </a:solidFill>
+          </a:ln>
+        </p:spPr>
+        <p:style>
+          <a:lnRef idx="1">
+            <a:schemeClr val="accent1"/>
+          </a:lnRef>
+          <a:fillRef idx="0">
+            <a:schemeClr val="accent1"/>
+          </a:fillRef>
+          <a:effectRef idx="0">
+            <a:schemeClr val="accent1"/>
+          </a:effectRef>
+          <a:fontRef idx="minor">
+            <a:schemeClr val="tx1"/>
+          </a:fontRef>
+        </p:style>
+      </p:cxnSp>
     </p:spTree>
     <p:extLst>
       <p:ext uri="{BB962C8B-B14F-4D97-AF65-F5344CB8AC3E}">
